--- a/Robocode.pptx
+++ b/Robocode.pptx
@@ -1,11 +1,11 @@
 
 <file path=ppt/presentation.xml><?xml version="1.0" encoding="utf-8"?>
-<p:presentation xmlns:a="http://schemas.openxmlformats.org/drawingml/2006/main" xmlns:r="http://schemas.openxmlformats.org/officeDocument/2006/relationships" xmlns:p="http://schemas.openxmlformats.org/presentationml/2006/main" saveSubsetFonts="1">
+<p:presentation xmlns:a="http://schemas.openxmlformats.org/drawingml/2006/main" xmlns:r="http://schemas.openxmlformats.org/officeDocument/2006/relationships" xmlns:p="http://schemas.openxmlformats.org/presentationml/2006/main" showSpecialPlsOnTitleSld="0" saveSubsetFonts="1">
   <p:sldMasterIdLst>
     <p:sldMasterId id="2147483648" r:id="rId1"/>
   </p:sldMasterIdLst>
   <p:notesMasterIdLst>
-    <p:notesMasterId r:id="rId16"/>
+    <p:notesMasterId r:id="rId21"/>
   </p:notesMasterIdLst>
   <p:sldIdLst>
     <p:sldId id="256" r:id="rId2"/>
@@ -14,14 +14,19 @@
     <p:sldId id="286" r:id="rId5"/>
     <p:sldId id="281" r:id="rId6"/>
     <p:sldId id="277" r:id="rId7"/>
-    <p:sldId id="284" r:id="rId8"/>
-    <p:sldId id="278" r:id="rId9"/>
-    <p:sldId id="282" r:id="rId10"/>
-    <p:sldId id="287" r:id="rId11"/>
-    <p:sldId id="288" r:id="rId12"/>
-    <p:sldId id="280" r:id="rId13"/>
-    <p:sldId id="285" r:id="rId14"/>
-    <p:sldId id="266" r:id="rId15"/>
+    <p:sldId id="289" r:id="rId8"/>
+    <p:sldId id="290" r:id="rId9"/>
+    <p:sldId id="291" r:id="rId10"/>
+    <p:sldId id="284" r:id="rId11"/>
+    <p:sldId id="278" r:id="rId12"/>
+    <p:sldId id="282" r:id="rId13"/>
+    <p:sldId id="287" r:id="rId14"/>
+    <p:sldId id="288" r:id="rId15"/>
+    <p:sldId id="293" r:id="rId16"/>
+    <p:sldId id="280" r:id="rId17"/>
+    <p:sldId id="285" r:id="rId18"/>
+    <p:sldId id="292" r:id="rId19"/>
+    <p:sldId id="266" r:id="rId20"/>
   </p:sldIdLst>
   <p:sldSz cx="12192000" cy="6858000"/>
   <p:notesSz cx="6858000" cy="9144000"/>
@@ -213,7 +218,7 @@
           <a:p>
             <a:fld id="{FF6F425D-DEA3-43AE-8BD4-73C15BA73D62}" type="datetimeFigureOut">
               <a:rPr lang="en-GB" smtClean="0"/>
-              <a:t>23/10/2016</a:t>
+              <a:t>14/06/2017</a:t>
             </a:fld>
             <a:endParaRPr lang="en-GB"/>
           </a:p>
@@ -277,35 +282,35 @@
           <a:p>
             <a:pPr lvl="0"/>
             <a:r>
-              <a:rPr lang="en-US" smtClean="0"/>
+              <a:rPr lang="en-US"/>
               <a:t>Click to edit Master text styles</a:t>
             </a:r>
           </a:p>
           <a:p>
             <a:pPr lvl="1"/>
             <a:r>
-              <a:rPr lang="en-US" smtClean="0"/>
+              <a:rPr lang="en-US"/>
               <a:t>Second level</a:t>
             </a:r>
           </a:p>
           <a:p>
             <a:pPr lvl="2"/>
             <a:r>
-              <a:rPr lang="en-US" smtClean="0"/>
+              <a:rPr lang="en-US"/>
               <a:t>Third level</a:t>
             </a:r>
           </a:p>
           <a:p>
             <a:pPr lvl="3"/>
             <a:r>
-              <a:rPr lang="en-US" smtClean="0"/>
+              <a:rPr lang="en-US"/>
               <a:t>Fourth level</a:t>
             </a:r>
           </a:p>
           <a:p>
             <a:pPr lvl="4"/>
             <a:r>
-              <a:rPr lang="en-US" smtClean="0"/>
+              <a:rPr lang="en-US"/>
               <a:t>Fifth level</a:t>
             </a:r>
             <a:endParaRPr lang="en-GB"/>
@@ -526,7 +531,7 @@
           <a:lstStyle/>
           <a:p>
             <a:r>
-              <a:rPr lang="en-GB" dirty="0" err="1" smtClean="0"/>
+              <a:rPr lang="en-GB" dirty="0" err="1"/>
               <a:t>Codeeeee</a:t>
             </a:r>
             <a:endParaRPr lang="en-GB" dirty="0"/>
@@ -614,7 +619,7 @@
           <a:lstStyle/>
           <a:p>
             <a:r>
-              <a:rPr lang="en-GB" sz="1200" b="1" i="0" kern="1200" dirty="0" smtClean="0">
+              <a:rPr lang="en-GB" sz="1200" b="1" i="0" kern="1200" dirty="0">
                 <a:solidFill>
                   <a:schemeClr val="tx1"/>
                 </a:solidFill>
@@ -626,7 +631,7 @@
               <a:t>Total Score</a:t>
             </a:r>
             <a:r>
-              <a:rPr lang="en-GB" sz="1200" b="0" i="0" kern="1200" dirty="0" smtClean="0">
+              <a:rPr lang="en-GB" sz="1200" b="0" i="0" kern="1200" dirty="0">
                 <a:solidFill>
                   <a:schemeClr val="tx1"/>
                 </a:solidFill>
@@ -640,7 +645,7 @@
           </a:p>
           <a:p>
             <a:r>
-              <a:rPr lang="en-GB" sz="1200" b="1" i="0" kern="1200" dirty="0" smtClean="0">
+              <a:rPr lang="en-GB" sz="1200" b="1" i="0" kern="1200" dirty="0">
                 <a:solidFill>
                   <a:schemeClr val="tx1"/>
                 </a:solidFill>
@@ -652,7 +657,7 @@
               <a:t>Survival Score</a:t>
             </a:r>
             <a:r>
-              <a:rPr lang="en-GB" sz="1200" b="0" i="0" kern="1200" dirty="0" smtClean="0">
+              <a:rPr lang="en-GB" sz="1200" b="0" i="0" kern="1200" dirty="0">
                 <a:solidFill>
                   <a:schemeClr val="tx1"/>
                 </a:solidFill>
@@ -666,7 +671,7 @@
           </a:p>
           <a:p>
             <a:r>
-              <a:rPr lang="en-GB" sz="1200" b="1" i="0" kern="1200" dirty="0" smtClean="0">
+              <a:rPr lang="en-GB" sz="1200" b="1" i="0" kern="1200" dirty="0">
                 <a:solidFill>
                   <a:schemeClr val="tx1"/>
                 </a:solidFill>
@@ -678,7 +683,7 @@
               <a:t>Last Survivor Bonus</a:t>
             </a:r>
             <a:r>
-              <a:rPr lang="en-GB" sz="1200" b="0" i="0" kern="1200" dirty="0" smtClean="0">
+              <a:rPr lang="en-GB" sz="1200" b="0" i="0" kern="1200" dirty="0">
                 <a:solidFill>
                   <a:schemeClr val="tx1"/>
                 </a:solidFill>
@@ -692,7 +697,7 @@
           </a:p>
           <a:p>
             <a:r>
-              <a:rPr lang="en-GB" sz="1200" b="1" i="0" kern="1200" dirty="0" smtClean="0">
+              <a:rPr lang="en-GB" sz="1200" b="1" i="0" kern="1200" dirty="0">
                 <a:solidFill>
                   <a:schemeClr val="tx1"/>
                 </a:solidFill>
@@ -704,7 +709,7 @@
               <a:t>Bullet Damage</a:t>
             </a:r>
             <a:r>
-              <a:rPr lang="en-GB" sz="1200" b="0" i="0" kern="1200" dirty="0" smtClean="0">
+              <a:rPr lang="en-GB" sz="1200" b="0" i="0" kern="1200" dirty="0">
                 <a:solidFill>
                   <a:schemeClr val="tx1"/>
                 </a:solidFill>
@@ -718,7 +723,7 @@
           </a:p>
           <a:p>
             <a:r>
-              <a:rPr lang="en-GB" sz="1200" b="1" i="0" kern="1200" dirty="0" smtClean="0">
+              <a:rPr lang="en-GB" sz="1200" b="1" i="0" kern="1200" dirty="0">
                 <a:solidFill>
                   <a:schemeClr val="tx1"/>
                 </a:solidFill>
@@ -730,7 +735,7 @@
               <a:t>Bullet Damage Bonus</a:t>
             </a:r>
             <a:r>
-              <a:rPr lang="en-GB" sz="1200" b="0" i="0" kern="1200" dirty="0" smtClean="0">
+              <a:rPr lang="en-GB" sz="1200" b="0" i="0" kern="1200" dirty="0">
                 <a:solidFill>
                   <a:schemeClr val="tx1"/>
                 </a:solidFill>
@@ -744,7 +749,7 @@
           </a:p>
           <a:p>
             <a:r>
-              <a:rPr lang="en-GB" sz="1200" b="1" i="0" kern="1200" dirty="0" smtClean="0">
+              <a:rPr lang="en-GB" sz="1200" b="1" i="0" kern="1200" dirty="0">
                 <a:solidFill>
                   <a:schemeClr val="tx1"/>
                 </a:solidFill>
@@ -756,7 +761,7 @@
               <a:t>Ram Damage</a:t>
             </a:r>
             <a:r>
-              <a:rPr lang="en-GB" sz="1200" b="0" i="0" kern="1200" dirty="0" smtClean="0">
+              <a:rPr lang="en-GB" sz="1200" b="0" i="0" kern="1200" dirty="0">
                 <a:solidFill>
                   <a:schemeClr val="tx1"/>
                 </a:solidFill>
@@ -770,7 +775,7 @@
           </a:p>
           <a:p>
             <a:r>
-              <a:rPr lang="en-GB" sz="1200" b="1" i="0" kern="1200" dirty="0" smtClean="0">
+              <a:rPr lang="en-GB" sz="1200" b="1" i="0" kern="1200" dirty="0">
                 <a:solidFill>
                   <a:schemeClr val="tx1"/>
                 </a:solidFill>
@@ -782,7 +787,7 @@
               <a:t>Ram Damage Bonus</a:t>
             </a:r>
             <a:r>
-              <a:rPr lang="en-GB" sz="1200" b="0" i="0" kern="1200" dirty="0" smtClean="0">
+              <a:rPr lang="en-GB" sz="1200" b="0" i="0" kern="1200" dirty="0">
                 <a:solidFill>
                   <a:schemeClr val="tx1"/>
                 </a:solidFill>
@@ -796,7 +801,7 @@
           </a:p>
           <a:p>
             <a:r>
-              <a:rPr lang="en-GB" sz="1200" b="1" i="0" kern="1200" dirty="0" smtClean="0">
+              <a:rPr lang="en-GB" sz="1200" b="1" i="0" kern="1200" dirty="0">
                 <a:solidFill>
                   <a:schemeClr val="tx1"/>
                 </a:solidFill>
@@ -808,7 +813,7 @@
               <a:t>1sts, 2nds, 3rds</a:t>
             </a:r>
             <a:r>
-              <a:rPr lang="en-GB" sz="1200" b="0" i="0" kern="1200" dirty="0" smtClean="0">
+              <a:rPr lang="en-GB" sz="1200" b="0" i="0" kern="1200" dirty="0">
                 <a:solidFill>
                   <a:schemeClr val="tx1"/>
                 </a:solidFill>
@@ -842,7 +847,7 @@
           <a:p>
             <a:fld id="{723B45EE-AF0F-4566-84E6-937F0AB40E53}" type="slidenum">
               <a:rPr lang="en-GB" smtClean="0"/>
-              <a:t>7</a:t>
+              <a:t>10</a:t>
             </a:fld>
             <a:endParaRPr lang="en-GB"/>
           </a:p>
@@ -906,10 +911,9 @@
           <a:lstStyle/>
           <a:p>
             <a:r>
-              <a:rPr lang="en-GB" dirty="0" smtClean="0"/>
+              <a:rPr lang="en-GB" dirty="0"/>
               <a:t>Time permitting</a:t>
             </a:r>
-            <a:endParaRPr lang="en-GB" dirty="0"/>
           </a:p>
         </p:txBody>
       </p:sp>
@@ -930,7 +934,7 @@
           <a:p>
             <a:fld id="{723B45EE-AF0F-4566-84E6-937F0AB40E53}" type="slidenum">
               <a:rPr lang="en-GB" smtClean="0"/>
-              <a:t>14</a:t>
+              <a:t>19</a:t>
             </a:fld>
             <a:endParaRPr lang="en-GB"/>
           </a:p>
@@ -994,7 +998,7 @@
           </a:lstStyle>
           <a:p>
             <a:r>
-              <a:rPr lang="en-US" smtClean="0"/>
+              <a:rPr lang="en-US"/>
               <a:t>Click to edit Master title style</a:t>
             </a:r>
             <a:endParaRPr lang="en-GB"/>
@@ -1062,7 +1066,7 @@
           </a:lstStyle>
           <a:p>
             <a:r>
-              <a:rPr lang="en-US" smtClean="0"/>
+              <a:rPr lang="en-US"/>
               <a:t>Click to edit Master subtitle style</a:t>
             </a:r>
             <a:endParaRPr lang="en-GB"/>
@@ -1092,9 +1096,9 @@
           <a:bodyPr/>
           <a:lstStyle/>
           <a:p>
-            <a:fld id="{8C2DC95F-4758-45CC-8E65-674D23536E7F}" type="datetimeFigureOut">
+            <a:fld id="{B8C0377B-17DB-432A-9D3A-36B76F25822C}" type="datetime1">
               <a:rPr lang="en-GB" smtClean="0"/>
-              <a:t>23/10/2016</a:t>
+              <a:t>14/06/2017</a:t>
             </a:fld>
             <a:endParaRPr lang="en-GB"/>
           </a:p>
@@ -1112,8 +1116,8 @@
         </p:nvSpPr>
         <p:spPr>
           <a:xfrm>
-            <a:off x="4038600" y="6356350"/>
-            <a:ext cx="4114800" cy="365125"/>
+            <a:off x="9487530" y="6356350"/>
+            <a:ext cx="2593747" cy="365125"/>
           </a:xfrm>
           <a:prstGeom prst="rect">
             <a:avLst/>
@@ -1121,40 +1125,21 @@
         </p:spPr>
         <p:txBody>
           <a:bodyPr/>
-          <a:lstStyle/>
-          <a:p>
-            <a:endParaRPr lang="en-GB"/>
-          </a:p>
-        </p:txBody>
-      </p:sp>
-      <p:sp>
-        <p:nvSpPr>
-          <p:cNvPr id="6" name="Slide Number Placeholder 5"/>
-          <p:cNvSpPr>
-            <a:spLocks noGrp="1"/>
-          </p:cNvSpPr>
-          <p:nvPr>
-            <p:ph type="sldNum" sz="quarter" idx="12"/>
-          </p:nvPr>
-        </p:nvSpPr>
-        <p:spPr>
-          <a:xfrm>
-            <a:off x="8610600" y="6356350"/>
-            <a:ext cx="2743200" cy="365125"/>
-          </a:xfrm>
-          <a:prstGeom prst="rect">
-            <a:avLst/>
-          </a:prstGeom>
-        </p:spPr>
-        <p:txBody>
-          <a:bodyPr/>
-          <a:lstStyle/>
-          <a:p>
-            <a:fld id="{9D9A50FB-787D-4C8F-9581-D356BA01909D}" type="slidenum">
-              <a:rPr lang="en-GB" smtClean="0"/>
-              <a:t>‹#›</a:t>
-            </a:fld>
-            <a:endParaRPr lang="en-GB"/>
+          <a:lstStyle>
+            <a:lvl1pPr>
+              <a:defRPr sz="1600"/>
+            </a:lvl1pPr>
+          </a:lstStyle>
+          <a:p>
+            <a:r>
+              <a:rPr lang="en-GB" dirty="0"/>
+              <a:t>@kev_bite / @</a:t>
+            </a:r>
+            <a:r>
+              <a:rPr lang="en-GB" dirty="0" err="1"/>
+              <a:t>YorkCodeDojo</a:t>
+            </a:r>
+            <a:endParaRPr lang="en-GB" dirty="0"/>
           </a:p>
         </p:txBody>
       </p:sp>
@@ -1212,7 +1197,7 @@
           <a:lstStyle/>
           <a:p>
             <a:r>
-              <a:rPr lang="en-US" smtClean="0"/>
+              <a:rPr lang="en-US"/>
               <a:t>Click to edit Master title style</a:t>
             </a:r>
             <a:endParaRPr lang="en-GB"/>
@@ -1244,35 +1229,35 @@
           <a:p>
             <a:pPr lvl="0"/>
             <a:r>
-              <a:rPr lang="en-US" smtClean="0"/>
+              <a:rPr lang="en-US"/>
               <a:t>Click to edit Master text styles</a:t>
             </a:r>
           </a:p>
           <a:p>
             <a:pPr lvl="1"/>
             <a:r>
-              <a:rPr lang="en-US" smtClean="0"/>
+              <a:rPr lang="en-US"/>
               <a:t>Second level</a:t>
             </a:r>
           </a:p>
           <a:p>
             <a:pPr lvl="2"/>
             <a:r>
-              <a:rPr lang="en-US" smtClean="0"/>
+              <a:rPr lang="en-US"/>
               <a:t>Third level</a:t>
             </a:r>
           </a:p>
           <a:p>
             <a:pPr lvl="3"/>
             <a:r>
-              <a:rPr lang="en-US" smtClean="0"/>
+              <a:rPr lang="en-US"/>
               <a:t>Fourth level</a:t>
             </a:r>
           </a:p>
           <a:p>
             <a:pPr lvl="4"/>
             <a:r>
-              <a:rPr lang="en-US" smtClean="0"/>
+              <a:rPr lang="en-US"/>
               <a:t>Fifth level</a:t>
             </a:r>
             <a:endParaRPr lang="en-GB"/>
@@ -1302,9 +1287,9 @@
           <a:bodyPr/>
           <a:lstStyle/>
           <a:p>
-            <a:fld id="{8C2DC95F-4758-45CC-8E65-674D23536E7F}" type="datetimeFigureOut">
+            <a:fld id="{D75EE1B2-6622-402D-BD42-120A79715118}" type="datetime1">
               <a:rPr lang="en-GB" smtClean="0"/>
-              <a:t>23/10/2016</a:t>
+              <a:t>14/06/2017</a:t>
             </a:fld>
             <a:endParaRPr lang="en-GB"/>
           </a:p>
@@ -1312,7 +1297,7 @@
       </p:sp>
       <p:sp>
         <p:nvSpPr>
-          <p:cNvPr id="5" name="Footer Placeholder 4"/>
+          <p:cNvPr id="7" name="Footer Placeholder 4"/>
           <p:cNvSpPr>
             <a:spLocks noGrp="1"/>
           </p:cNvSpPr>
@@ -1322,8 +1307,8 @@
         </p:nvSpPr>
         <p:spPr>
           <a:xfrm>
-            <a:off x="4038600" y="6356350"/>
-            <a:ext cx="4114800" cy="365125"/>
+            <a:off x="9487530" y="6356350"/>
+            <a:ext cx="2593747" cy="365125"/>
           </a:xfrm>
           <a:prstGeom prst="rect">
             <a:avLst/>
@@ -1331,40 +1316,21 @@
         </p:spPr>
         <p:txBody>
           <a:bodyPr/>
-          <a:lstStyle/>
-          <a:p>
-            <a:endParaRPr lang="en-GB"/>
-          </a:p>
-        </p:txBody>
-      </p:sp>
-      <p:sp>
-        <p:nvSpPr>
-          <p:cNvPr id="6" name="Slide Number Placeholder 5"/>
-          <p:cNvSpPr>
-            <a:spLocks noGrp="1"/>
-          </p:cNvSpPr>
-          <p:nvPr>
-            <p:ph type="sldNum" sz="quarter" idx="12"/>
-          </p:nvPr>
-        </p:nvSpPr>
-        <p:spPr>
-          <a:xfrm>
-            <a:off x="8610600" y="6356350"/>
-            <a:ext cx="2743200" cy="365125"/>
-          </a:xfrm>
-          <a:prstGeom prst="rect">
-            <a:avLst/>
-          </a:prstGeom>
-        </p:spPr>
-        <p:txBody>
-          <a:bodyPr/>
-          <a:lstStyle/>
-          <a:p>
-            <a:fld id="{9D9A50FB-787D-4C8F-9581-D356BA01909D}" type="slidenum">
-              <a:rPr lang="en-GB" smtClean="0"/>
-              <a:t>‹#›</a:t>
-            </a:fld>
-            <a:endParaRPr lang="en-GB"/>
+          <a:lstStyle>
+            <a:lvl1pPr>
+              <a:defRPr sz="1600"/>
+            </a:lvl1pPr>
+          </a:lstStyle>
+          <a:p>
+            <a:r>
+              <a:rPr lang="en-GB" dirty="0"/>
+              <a:t>@kev_bite / @</a:t>
+            </a:r>
+            <a:r>
+              <a:rPr lang="en-GB" dirty="0" err="1"/>
+              <a:t>YorkCodeDojo</a:t>
+            </a:r>
+            <a:endParaRPr lang="en-GB" dirty="0"/>
           </a:p>
         </p:txBody>
       </p:sp>
@@ -1410,7 +1376,7 @@
         </p:nvSpPr>
         <p:spPr>
           <a:xfrm>
-            <a:off x="838200" y="365125"/>
+            <a:off x="1217100" y="365125"/>
             <a:ext cx="10515600" cy="1325563"/>
           </a:xfrm>
           <a:prstGeom prst="rect">
@@ -1422,7 +1388,7 @@
           <a:lstStyle/>
           <a:p>
             <a:r>
-              <a:rPr lang="en-US" smtClean="0"/>
+              <a:rPr lang="en-US"/>
               <a:t>Click to edit Master title style</a:t>
             </a:r>
             <a:endParaRPr lang="en-GB"/>
@@ -1441,7 +1407,7 @@
         </p:nvSpPr>
         <p:spPr>
           <a:xfrm>
-            <a:off x="838200" y="1825625"/>
+            <a:off x="1217100" y="1825625"/>
             <a:ext cx="10515600" cy="4351338"/>
           </a:xfrm>
           <a:prstGeom prst="rect">
@@ -1454,35 +1420,35 @@
           <a:p>
             <a:pPr lvl="0"/>
             <a:r>
-              <a:rPr lang="en-US" smtClean="0"/>
+              <a:rPr lang="en-US"/>
               <a:t>Click to edit Master text styles</a:t>
             </a:r>
           </a:p>
           <a:p>
             <a:pPr lvl="1"/>
             <a:r>
-              <a:rPr lang="en-US" smtClean="0"/>
+              <a:rPr lang="en-US"/>
               <a:t>Second level</a:t>
             </a:r>
           </a:p>
           <a:p>
             <a:pPr lvl="2"/>
             <a:r>
-              <a:rPr lang="en-US" smtClean="0"/>
+              <a:rPr lang="en-US"/>
               <a:t>Third level</a:t>
             </a:r>
           </a:p>
           <a:p>
             <a:pPr lvl="3"/>
             <a:r>
-              <a:rPr lang="en-US" smtClean="0"/>
+              <a:rPr lang="en-US"/>
               <a:t>Fourth level</a:t>
             </a:r>
           </a:p>
           <a:p>
             <a:pPr lvl="4"/>
             <a:r>
-              <a:rPr lang="en-US" smtClean="0"/>
+              <a:rPr lang="en-US"/>
               <a:t>Fifth level</a:t>
             </a:r>
             <a:endParaRPr lang="en-GB"/>
@@ -1501,7 +1467,7 @@
         </p:nvSpPr>
         <p:spPr>
           <a:xfrm>
-            <a:off x="838200" y="6356350"/>
+            <a:off x="1217100" y="6356350"/>
             <a:ext cx="2743200" cy="365125"/>
           </a:xfrm>
           <a:prstGeom prst="rect">
@@ -1512,9 +1478,9 @@
           <a:bodyPr/>
           <a:lstStyle/>
           <a:p>
-            <a:fld id="{8C2DC95F-4758-45CC-8E65-674D23536E7F}" type="datetimeFigureOut">
+            <a:fld id="{AABCEFD4-195B-4BB2-BF50-CE2CA29AA4F9}" type="datetime1">
               <a:rPr lang="en-GB" smtClean="0"/>
-              <a:t>23/10/2016</a:t>
+              <a:t>14/06/2017</a:t>
             </a:fld>
             <a:endParaRPr lang="en-GB"/>
           </a:p>
@@ -1522,7 +1488,7 @@
       </p:sp>
       <p:sp>
         <p:nvSpPr>
-          <p:cNvPr id="5" name="Footer Placeholder 4"/>
+          <p:cNvPr id="7" name="Footer Placeholder 4"/>
           <p:cNvSpPr>
             <a:spLocks noGrp="1"/>
           </p:cNvSpPr>
@@ -1532,8 +1498,8 @@
         </p:nvSpPr>
         <p:spPr>
           <a:xfrm>
-            <a:off x="4038600" y="6356350"/>
-            <a:ext cx="4114800" cy="365125"/>
+            <a:off x="9487530" y="6356350"/>
+            <a:ext cx="2593747" cy="365125"/>
           </a:xfrm>
           <a:prstGeom prst="rect">
             <a:avLst/>
@@ -1541,40 +1507,21 @@
         </p:spPr>
         <p:txBody>
           <a:bodyPr/>
-          <a:lstStyle/>
-          <a:p>
-            <a:endParaRPr lang="en-GB"/>
-          </a:p>
-        </p:txBody>
-      </p:sp>
-      <p:sp>
-        <p:nvSpPr>
-          <p:cNvPr id="6" name="Slide Number Placeholder 5"/>
-          <p:cNvSpPr>
-            <a:spLocks noGrp="1"/>
-          </p:cNvSpPr>
-          <p:nvPr>
-            <p:ph type="sldNum" sz="quarter" idx="12"/>
-          </p:nvPr>
-        </p:nvSpPr>
-        <p:spPr>
-          <a:xfrm>
-            <a:off x="8610600" y="6356350"/>
-            <a:ext cx="2743200" cy="365125"/>
-          </a:xfrm>
-          <a:prstGeom prst="rect">
-            <a:avLst/>
-          </a:prstGeom>
-        </p:spPr>
-        <p:txBody>
-          <a:bodyPr/>
-          <a:lstStyle/>
-          <a:p>
-            <a:fld id="{9D9A50FB-787D-4C8F-9581-D356BA01909D}" type="slidenum">
-              <a:rPr lang="en-GB" smtClean="0"/>
-              <a:t>‹#›</a:t>
-            </a:fld>
-            <a:endParaRPr lang="en-GB"/>
+          <a:lstStyle>
+            <a:lvl1pPr>
+              <a:defRPr sz="1600"/>
+            </a:lvl1pPr>
+          </a:lstStyle>
+          <a:p>
+            <a:r>
+              <a:rPr lang="en-GB" dirty="0"/>
+              <a:t>@kev_bite / @</a:t>
+            </a:r>
+            <a:r>
+              <a:rPr lang="en-GB" dirty="0" err="1"/>
+              <a:t>YorkCodeDojo</a:t>
+            </a:r>
+            <a:endParaRPr lang="en-GB" dirty="0"/>
           </a:p>
         </p:txBody>
       </p:sp>
@@ -1620,7 +1567,7 @@
         </p:nvSpPr>
         <p:spPr>
           <a:xfrm>
-            <a:off x="831850" y="1709738"/>
+            <a:off x="1134970" y="1709738"/>
             <a:ext cx="10515600" cy="2852737"/>
           </a:xfrm>
           <a:prstGeom prst="rect">
@@ -1636,7 +1583,7 @@
           </a:lstStyle>
           <a:p>
             <a:r>
-              <a:rPr lang="en-US" smtClean="0"/>
+              <a:rPr lang="en-US"/>
               <a:t>Click to edit Master title style</a:t>
             </a:r>
             <a:endParaRPr lang="en-GB"/>
@@ -1655,7 +1602,7 @@
         </p:nvSpPr>
         <p:spPr>
           <a:xfrm>
-            <a:off x="831850" y="4589463"/>
+            <a:off x="1134970" y="4589463"/>
             <a:ext cx="10515600" cy="1500187"/>
           </a:xfrm>
           <a:prstGeom prst="rect">
@@ -1759,7 +1706,7 @@
           <a:p>
             <a:pPr lvl="0"/>
             <a:r>
-              <a:rPr lang="en-US" smtClean="0"/>
+              <a:rPr lang="en-US"/>
               <a:t>Click to edit Master text styles</a:t>
             </a:r>
           </a:p>
@@ -1777,7 +1724,7 @@
         </p:nvSpPr>
         <p:spPr>
           <a:xfrm>
-            <a:off x="838200" y="6356350"/>
+            <a:off x="1141320" y="6356350"/>
             <a:ext cx="2743200" cy="365125"/>
           </a:xfrm>
           <a:prstGeom prst="rect">
@@ -1788,9 +1735,9 @@
           <a:bodyPr/>
           <a:lstStyle/>
           <a:p>
-            <a:fld id="{8C2DC95F-4758-45CC-8E65-674D23536E7F}" type="datetimeFigureOut">
+            <a:fld id="{F11EA304-1EC6-4A9F-BF58-B6AF7EEAA671}" type="datetime1">
               <a:rPr lang="en-GB" smtClean="0"/>
-              <a:t>23/10/2016</a:t>
+              <a:t>14/06/2017</a:t>
             </a:fld>
             <a:endParaRPr lang="en-GB"/>
           </a:p>
@@ -1798,7 +1745,7 @@
       </p:sp>
       <p:sp>
         <p:nvSpPr>
-          <p:cNvPr id="5" name="Footer Placeholder 4"/>
+          <p:cNvPr id="7" name="Footer Placeholder 4"/>
           <p:cNvSpPr>
             <a:spLocks noGrp="1"/>
           </p:cNvSpPr>
@@ -1808,8 +1755,8 @@
         </p:nvSpPr>
         <p:spPr>
           <a:xfrm>
-            <a:off x="4038600" y="6356350"/>
-            <a:ext cx="4114800" cy="365125"/>
+            <a:off x="9487530" y="6356350"/>
+            <a:ext cx="2593747" cy="365125"/>
           </a:xfrm>
           <a:prstGeom prst="rect">
             <a:avLst/>
@@ -1817,40 +1764,21 @@
         </p:spPr>
         <p:txBody>
           <a:bodyPr/>
-          <a:lstStyle/>
-          <a:p>
-            <a:endParaRPr lang="en-GB"/>
-          </a:p>
-        </p:txBody>
-      </p:sp>
-      <p:sp>
-        <p:nvSpPr>
-          <p:cNvPr id="6" name="Slide Number Placeholder 5"/>
-          <p:cNvSpPr>
-            <a:spLocks noGrp="1"/>
-          </p:cNvSpPr>
-          <p:nvPr>
-            <p:ph type="sldNum" sz="quarter" idx="12"/>
-          </p:nvPr>
-        </p:nvSpPr>
-        <p:spPr>
-          <a:xfrm>
-            <a:off x="8610600" y="6356350"/>
-            <a:ext cx="2743200" cy="365125"/>
-          </a:xfrm>
-          <a:prstGeom prst="rect">
-            <a:avLst/>
-          </a:prstGeom>
-        </p:spPr>
-        <p:txBody>
-          <a:bodyPr/>
-          <a:lstStyle/>
-          <a:p>
-            <a:fld id="{9D9A50FB-787D-4C8F-9581-D356BA01909D}" type="slidenum">
-              <a:rPr lang="en-GB" smtClean="0"/>
-              <a:t>‹#›</a:t>
-            </a:fld>
-            <a:endParaRPr lang="en-GB"/>
+          <a:lstStyle>
+            <a:lvl1pPr>
+              <a:defRPr sz="1600"/>
+            </a:lvl1pPr>
+          </a:lstStyle>
+          <a:p>
+            <a:r>
+              <a:rPr lang="en-GB" dirty="0"/>
+              <a:t>@kev_bite / @</a:t>
+            </a:r>
+            <a:r>
+              <a:rPr lang="en-GB" dirty="0" err="1"/>
+              <a:t>YorkCodeDojo</a:t>
+            </a:r>
+            <a:endParaRPr lang="en-GB" dirty="0"/>
           </a:p>
         </p:txBody>
       </p:sp>
@@ -1896,7 +1824,7 @@
         </p:nvSpPr>
         <p:spPr>
           <a:xfrm>
-            <a:off x="838200" y="365125"/>
+            <a:off x="1232256" y="365125"/>
             <a:ext cx="10515600" cy="1325563"/>
           </a:xfrm>
           <a:prstGeom prst="rect">
@@ -1908,7 +1836,7 @@
           <a:lstStyle/>
           <a:p>
             <a:r>
-              <a:rPr lang="en-US" smtClean="0"/>
+              <a:rPr lang="en-US"/>
               <a:t>Click to edit Master title style</a:t>
             </a:r>
             <a:endParaRPr lang="en-GB"/>
@@ -1927,7 +1855,7 @@
         </p:nvSpPr>
         <p:spPr>
           <a:xfrm>
-            <a:off x="838200" y="1825625"/>
+            <a:off x="1232256" y="1825625"/>
             <a:ext cx="5181600" cy="4351338"/>
           </a:xfrm>
           <a:prstGeom prst="rect">
@@ -1940,35 +1868,35 @@
           <a:p>
             <a:pPr lvl="0"/>
             <a:r>
-              <a:rPr lang="en-US" smtClean="0"/>
+              <a:rPr lang="en-US"/>
               <a:t>Click to edit Master text styles</a:t>
             </a:r>
           </a:p>
           <a:p>
             <a:pPr lvl="1"/>
             <a:r>
-              <a:rPr lang="en-US" smtClean="0"/>
+              <a:rPr lang="en-US"/>
               <a:t>Second level</a:t>
             </a:r>
           </a:p>
           <a:p>
             <a:pPr lvl="2"/>
             <a:r>
-              <a:rPr lang="en-US" smtClean="0"/>
+              <a:rPr lang="en-US"/>
               <a:t>Third level</a:t>
             </a:r>
           </a:p>
           <a:p>
             <a:pPr lvl="3"/>
             <a:r>
-              <a:rPr lang="en-US" smtClean="0"/>
+              <a:rPr lang="en-US"/>
               <a:t>Fourth level</a:t>
             </a:r>
           </a:p>
           <a:p>
             <a:pPr lvl="4"/>
             <a:r>
-              <a:rPr lang="en-US" smtClean="0"/>
+              <a:rPr lang="en-US"/>
               <a:t>Fifth level</a:t>
             </a:r>
             <a:endParaRPr lang="en-GB"/>
@@ -1987,7 +1915,7 @@
         </p:nvSpPr>
         <p:spPr>
           <a:xfrm>
-            <a:off x="6172200" y="1825625"/>
+            <a:off x="6566256" y="1825625"/>
             <a:ext cx="5181600" cy="4351338"/>
           </a:xfrm>
           <a:prstGeom prst="rect">
@@ -2000,35 +1928,35 @@
           <a:p>
             <a:pPr lvl="0"/>
             <a:r>
-              <a:rPr lang="en-US" smtClean="0"/>
+              <a:rPr lang="en-US"/>
               <a:t>Click to edit Master text styles</a:t>
             </a:r>
           </a:p>
           <a:p>
             <a:pPr lvl="1"/>
             <a:r>
-              <a:rPr lang="en-US" smtClean="0"/>
+              <a:rPr lang="en-US"/>
               <a:t>Second level</a:t>
             </a:r>
           </a:p>
           <a:p>
             <a:pPr lvl="2"/>
             <a:r>
-              <a:rPr lang="en-US" smtClean="0"/>
+              <a:rPr lang="en-US"/>
               <a:t>Third level</a:t>
             </a:r>
           </a:p>
           <a:p>
             <a:pPr lvl="3"/>
             <a:r>
-              <a:rPr lang="en-US" smtClean="0"/>
+              <a:rPr lang="en-US"/>
               <a:t>Fourth level</a:t>
             </a:r>
           </a:p>
           <a:p>
             <a:pPr lvl="4"/>
             <a:r>
-              <a:rPr lang="en-US" smtClean="0"/>
+              <a:rPr lang="en-US"/>
               <a:t>Fifth level</a:t>
             </a:r>
             <a:endParaRPr lang="en-GB"/>
@@ -2047,7 +1975,7 @@
         </p:nvSpPr>
         <p:spPr>
           <a:xfrm>
-            <a:off x="838200" y="6356350"/>
+            <a:off x="1232256" y="6356350"/>
             <a:ext cx="2743200" cy="365125"/>
           </a:xfrm>
           <a:prstGeom prst="rect">
@@ -2058,9 +1986,9 @@
           <a:bodyPr/>
           <a:lstStyle/>
           <a:p>
-            <a:fld id="{8C2DC95F-4758-45CC-8E65-674D23536E7F}" type="datetimeFigureOut">
+            <a:fld id="{3E79A6BA-F320-4167-8817-CB5D36661B22}" type="datetime1">
               <a:rPr lang="en-GB" smtClean="0"/>
-              <a:t>23/10/2016</a:t>
+              <a:t>14/06/2017</a:t>
             </a:fld>
             <a:endParaRPr lang="en-GB"/>
           </a:p>
@@ -2068,7 +1996,7 @@
       </p:sp>
       <p:sp>
         <p:nvSpPr>
-          <p:cNvPr id="6" name="Footer Placeholder 5"/>
+          <p:cNvPr id="8" name="Footer Placeholder 4"/>
           <p:cNvSpPr>
             <a:spLocks noGrp="1"/>
           </p:cNvSpPr>
@@ -2078,8 +2006,8 @@
         </p:nvSpPr>
         <p:spPr>
           <a:xfrm>
-            <a:off x="4038600" y="6356350"/>
-            <a:ext cx="4114800" cy="365125"/>
+            <a:off x="9487530" y="6356350"/>
+            <a:ext cx="2593747" cy="365125"/>
           </a:xfrm>
           <a:prstGeom prst="rect">
             <a:avLst/>
@@ -2087,40 +2015,21 @@
         </p:spPr>
         <p:txBody>
           <a:bodyPr/>
-          <a:lstStyle/>
-          <a:p>
-            <a:endParaRPr lang="en-GB"/>
-          </a:p>
-        </p:txBody>
-      </p:sp>
-      <p:sp>
-        <p:nvSpPr>
-          <p:cNvPr id="7" name="Slide Number Placeholder 6"/>
-          <p:cNvSpPr>
-            <a:spLocks noGrp="1"/>
-          </p:cNvSpPr>
-          <p:nvPr>
-            <p:ph type="sldNum" sz="quarter" idx="12"/>
-          </p:nvPr>
-        </p:nvSpPr>
-        <p:spPr>
-          <a:xfrm>
-            <a:off x="8610600" y="6356350"/>
-            <a:ext cx="2743200" cy="365125"/>
-          </a:xfrm>
-          <a:prstGeom prst="rect">
-            <a:avLst/>
-          </a:prstGeom>
-        </p:spPr>
-        <p:txBody>
-          <a:bodyPr/>
-          <a:lstStyle/>
-          <a:p>
-            <a:fld id="{9D9A50FB-787D-4C8F-9581-D356BA01909D}" type="slidenum">
-              <a:rPr lang="en-GB" smtClean="0"/>
-              <a:t>‹#›</a:t>
-            </a:fld>
-            <a:endParaRPr lang="en-GB"/>
+          <a:lstStyle>
+            <a:lvl1pPr>
+              <a:defRPr sz="1600"/>
+            </a:lvl1pPr>
+          </a:lstStyle>
+          <a:p>
+            <a:r>
+              <a:rPr lang="en-GB" dirty="0"/>
+              <a:t>@kev_bite / @</a:t>
+            </a:r>
+            <a:r>
+              <a:rPr lang="en-GB" dirty="0" err="1"/>
+              <a:t>YorkCodeDojo</a:t>
+            </a:r>
+            <a:endParaRPr lang="en-GB" dirty="0"/>
           </a:p>
         </p:txBody>
       </p:sp>
@@ -2166,7 +2075,7 @@
         </p:nvSpPr>
         <p:spPr>
           <a:xfrm>
-            <a:off x="839788" y="365125"/>
+            <a:off x="1147960" y="365125"/>
             <a:ext cx="10515600" cy="1325563"/>
           </a:xfrm>
           <a:prstGeom prst="rect">
@@ -2178,7 +2087,7 @@
           <a:lstStyle/>
           <a:p>
             <a:r>
-              <a:rPr lang="en-US" smtClean="0"/>
+              <a:rPr lang="en-US"/>
               <a:t>Click to edit Master title style</a:t>
             </a:r>
             <a:endParaRPr lang="en-GB"/>
@@ -2197,7 +2106,7 @@
         </p:nvSpPr>
         <p:spPr>
           <a:xfrm>
-            <a:off x="839788" y="1681163"/>
+            <a:off x="1147960" y="1681163"/>
             <a:ext cx="5157787" cy="823912"/>
           </a:xfrm>
           <a:prstGeom prst="rect">
@@ -2247,7 +2156,7 @@
           <a:p>
             <a:pPr lvl="0"/>
             <a:r>
-              <a:rPr lang="en-US" smtClean="0"/>
+              <a:rPr lang="en-US"/>
               <a:t>Click to edit Master text styles</a:t>
             </a:r>
           </a:p>
@@ -2265,7 +2174,7 @@
         </p:nvSpPr>
         <p:spPr>
           <a:xfrm>
-            <a:off x="839788" y="2505075"/>
+            <a:off x="1147960" y="2505075"/>
             <a:ext cx="5157787" cy="3684588"/>
           </a:xfrm>
           <a:prstGeom prst="rect">
@@ -2278,35 +2187,35 @@
           <a:p>
             <a:pPr lvl="0"/>
             <a:r>
-              <a:rPr lang="en-US" smtClean="0"/>
+              <a:rPr lang="en-US"/>
               <a:t>Click to edit Master text styles</a:t>
             </a:r>
           </a:p>
           <a:p>
             <a:pPr lvl="1"/>
             <a:r>
-              <a:rPr lang="en-US" smtClean="0"/>
+              <a:rPr lang="en-US"/>
               <a:t>Second level</a:t>
             </a:r>
           </a:p>
           <a:p>
             <a:pPr lvl="2"/>
             <a:r>
-              <a:rPr lang="en-US" smtClean="0"/>
+              <a:rPr lang="en-US"/>
               <a:t>Third level</a:t>
             </a:r>
           </a:p>
           <a:p>
             <a:pPr lvl="3"/>
             <a:r>
-              <a:rPr lang="en-US" smtClean="0"/>
+              <a:rPr lang="en-US"/>
               <a:t>Fourth level</a:t>
             </a:r>
           </a:p>
           <a:p>
             <a:pPr lvl="4"/>
             <a:r>
-              <a:rPr lang="en-US" smtClean="0"/>
+              <a:rPr lang="en-US"/>
               <a:t>Fifth level</a:t>
             </a:r>
             <a:endParaRPr lang="en-GB"/>
@@ -2325,7 +2234,7 @@
         </p:nvSpPr>
         <p:spPr>
           <a:xfrm>
-            <a:off x="6172200" y="1681163"/>
+            <a:off x="6480372" y="1681163"/>
             <a:ext cx="5183188" cy="823912"/>
           </a:xfrm>
           <a:prstGeom prst="rect">
@@ -2375,7 +2284,7 @@
           <a:p>
             <a:pPr lvl="0"/>
             <a:r>
-              <a:rPr lang="en-US" smtClean="0"/>
+              <a:rPr lang="en-US"/>
               <a:t>Click to edit Master text styles</a:t>
             </a:r>
           </a:p>
@@ -2393,7 +2302,7 @@
         </p:nvSpPr>
         <p:spPr>
           <a:xfrm>
-            <a:off x="6172200" y="2505075"/>
+            <a:off x="6480372" y="2505075"/>
             <a:ext cx="5183188" cy="3684588"/>
           </a:xfrm>
           <a:prstGeom prst="rect">
@@ -2406,35 +2315,35 @@
           <a:p>
             <a:pPr lvl="0"/>
             <a:r>
-              <a:rPr lang="en-US" smtClean="0"/>
+              <a:rPr lang="en-US"/>
               <a:t>Click to edit Master text styles</a:t>
             </a:r>
           </a:p>
           <a:p>
             <a:pPr lvl="1"/>
             <a:r>
-              <a:rPr lang="en-US" smtClean="0"/>
+              <a:rPr lang="en-US"/>
               <a:t>Second level</a:t>
             </a:r>
           </a:p>
           <a:p>
             <a:pPr lvl="2"/>
             <a:r>
-              <a:rPr lang="en-US" smtClean="0"/>
+              <a:rPr lang="en-US"/>
               <a:t>Third level</a:t>
             </a:r>
           </a:p>
           <a:p>
             <a:pPr lvl="3"/>
             <a:r>
-              <a:rPr lang="en-US" smtClean="0"/>
+              <a:rPr lang="en-US"/>
               <a:t>Fourth level</a:t>
             </a:r>
           </a:p>
           <a:p>
             <a:pPr lvl="4"/>
             <a:r>
-              <a:rPr lang="en-US" smtClean="0"/>
+              <a:rPr lang="en-US"/>
               <a:t>Fifth level</a:t>
             </a:r>
             <a:endParaRPr lang="en-GB"/>
@@ -2453,7 +2362,7 @@
         </p:nvSpPr>
         <p:spPr>
           <a:xfrm>
-            <a:off x="838200" y="6356350"/>
+            <a:off x="1146372" y="6356350"/>
             <a:ext cx="2743200" cy="365125"/>
           </a:xfrm>
           <a:prstGeom prst="rect">
@@ -2464,9 +2373,9 @@
           <a:bodyPr/>
           <a:lstStyle/>
           <a:p>
-            <a:fld id="{8C2DC95F-4758-45CC-8E65-674D23536E7F}" type="datetimeFigureOut">
+            <a:fld id="{F35B6520-41B6-4B47-B9E5-C26016F094ED}" type="datetime1">
               <a:rPr lang="en-GB" smtClean="0"/>
-              <a:t>23/10/2016</a:t>
+              <a:t>14/06/2017</a:t>
             </a:fld>
             <a:endParaRPr lang="en-GB"/>
           </a:p>
@@ -2474,7 +2383,7 @@
       </p:sp>
       <p:sp>
         <p:nvSpPr>
-          <p:cNvPr id="8" name="Footer Placeholder 7"/>
+          <p:cNvPr id="10" name="Footer Placeholder 4"/>
           <p:cNvSpPr>
             <a:spLocks noGrp="1"/>
           </p:cNvSpPr>
@@ -2484,8 +2393,8 @@
         </p:nvSpPr>
         <p:spPr>
           <a:xfrm>
-            <a:off x="4038600" y="6356350"/>
-            <a:ext cx="4114800" cy="365125"/>
+            <a:off x="9487530" y="6356350"/>
+            <a:ext cx="2593747" cy="365125"/>
           </a:xfrm>
           <a:prstGeom prst="rect">
             <a:avLst/>
@@ -2493,40 +2402,21 @@
         </p:spPr>
         <p:txBody>
           <a:bodyPr/>
-          <a:lstStyle/>
-          <a:p>
-            <a:endParaRPr lang="en-GB"/>
-          </a:p>
-        </p:txBody>
-      </p:sp>
-      <p:sp>
-        <p:nvSpPr>
-          <p:cNvPr id="9" name="Slide Number Placeholder 8"/>
-          <p:cNvSpPr>
-            <a:spLocks noGrp="1"/>
-          </p:cNvSpPr>
-          <p:nvPr>
-            <p:ph type="sldNum" sz="quarter" idx="12"/>
-          </p:nvPr>
-        </p:nvSpPr>
-        <p:spPr>
-          <a:xfrm>
-            <a:off x="8610600" y="6356350"/>
-            <a:ext cx="2743200" cy="365125"/>
-          </a:xfrm>
-          <a:prstGeom prst="rect">
-            <a:avLst/>
-          </a:prstGeom>
-        </p:spPr>
-        <p:txBody>
-          <a:bodyPr/>
-          <a:lstStyle/>
-          <a:p>
-            <a:fld id="{9D9A50FB-787D-4C8F-9581-D356BA01909D}" type="slidenum">
-              <a:rPr lang="en-GB" smtClean="0"/>
-              <a:t>‹#›</a:t>
-            </a:fld>
-            <a:endParaRPr lang="en-GB"/>
+          <a:lstStyle>
+            <a:lvl1pPr>
+              <a:defRPr sz="1600"/>
+            </a:lvl1pPr>
+          </a:lstStyle>
+          <a:p>
+            <a:r>
+              <a:rPr lang="en-GB" dirty="0"/>
+              <a:t>@kev_bite / @</a:t>
+            </a:r>
+            <a:r>
+              <a:rPr lang="en-GB" dirty="0" err="1"/>
+              <a:t>YorkCodeDojo</a:t>
+            </a:r>
+            <a:endParaRPr lang="en-GB" dirty="0"/>
           </a:p>
         </p:txBody>
       </p:sp>
@@ -2572,7 +2462,7 @@
         </p:nvSpPr>
         <p:spPr>
           <a:xfrm>
-            <a:off x="838200" y="365125"/>
+            <a:off x="1176684" y="365125"/>
             <a:ext cx="10515600" cy="1325563"/>
           </a:xfrm>
           <a:prstGeom prst="rect">
@@ -2584,7 +2474,7 @@
           <a:lstStyle/>
           <a:p>
             <a:r>
-              <a:rPr lang="en-US" smtClean="0"/>
+              <a:rPr lang="en-US"/>
               <a:t>Click to edit Master title style</a:t>
             </a:r>
             <a:endParaRPr lang="en-GB"/>
@@ -2603,7 +2493,7 @@
         </p:nvSpPr>
         <p:spPr>
           <a:xfrm>
-            <a:off x="838200" y="6356350"/>
+            <a:off x="1176684" y="6356350"/>
             <a:ext cx="2743200" cy="365125"/>
           </a:xfrm>
           <a:prstGeom prst="rect">
@@ -2614,9 +2504,9 @@
           <a:bodyPr/>
           <a:lstStyle/>
           <a:p>
-            <a:fld id="{8C2DC95F-4758-45CC-8E65-674D23536E7F}" type="datetimeFigureOut">
+            <a:fld id="{04EF3FB7-C51D-4479-B63E-7CDCCC267217}" type="datetime1">
               <a:rPr lang="en-GB" smtClean="0"/>
-              <a:t>23/10/2016</a:t>
+              <a:t>14/06/2017</a:t>
             </a:fld>
             <a:endParaRPr lang="en-GB"/>
           </a:p>
@@ -2624,7 +2514,7 @@
       </p:sp>
       <p:sp>
         <p:nvSpPr>
-          <p:cNvPr id="4" name="Footer Placeholder 3"/>
+          <p:cNvPr id="6" name="Footer Placeholder 4"/>
           <p:cNvSpPr>
             <a:spLocks noGrp="1"/>
           </p:cNvSpPr>
@@ -2634,8 +2524,8 @@
         </p:nvSpPr>
         <p:spPr>
           <a:xfrm>
-            <a:off x="4038600" y="6356350"/>
-            <a:ext cx="4114800" cy="365125"/>
+            <a:off x="9487530" y="6356350"/>
+            <a:ext cx="2593747" cy="365125"/>
           </a:xfrm>
           <a:prstGeom prst="rect">
             <a:avLst/>
@@ -2643,40 +2533,21 @@
         </p:spPr>
         <p:txBody>
           <a:bodyPr/>
-          <a:lstStyle/>
-          <a:p>
-            <a:endParaRPr lang="en-GB"/>
-          </a:p>
-        </p:txBody>
-      </p:sp>
-      <p:sp>
-        <p:nvSpPr>
-          <p:cNvPr id="5" name="Slide Number Placeholder 4"/>
-          <p:cNvSpPr>
-            <a:spLocks noGrp="1"/>
-          </p:cNvSpPr>
-          <p:nvPr>
-            <p:ph type="sldNum" sz="quarter" idx="12"/>
-          </p:nvPr>
-        </p:nvSpPr>
-        <p:spPr>
-          <a:xfrm>
-            <a:off x="8610600" y="6356350"/>
-            <a:ext cx="2743200" cy="365125"/>
-          </a:xfrm>
-          <a:prstGeom prst="rect">
-            <a:avLst/>
-          </a:prstGeom>
-        </p:spPr>
-        <p:txBody>
-          <a:bodyPr/>
-          <a:lstStyle/>
-          <a:p>
-            <a:fld id="{9D9A50FB-787D-4C8F-9581-D356BA01909D}" type="slidenum">
-              <a:rPr lang="en-GB" smtClean="0"/>
-              <a:t>‹#›</a:t>
-            </a:fld>
-            <a:endParaRPr lang="en-GB"/>
+          <a:lstStyle>
+            <a:lvl1pPr>
+              <a:defRPr sz="1600"/>
+            </a:lvl1pPr>
+          </a:lstStyle>
+          <a:p>
+            <a:r>
+              <a:rPr lang="en-GB" dirty="0"/>
+              <a:t>@kev_bite / @</a:t>
+            </a:r>
+            <a:r>
+              <a:rPr lang="en-GB" dirty="0" err="1"/>
+              <a:t>YorkCodeDojo</a:t>
+            </a:r>
+            <a:endParaRPr lang="en-GB" dirty="0"/>
           </a:p>
         </p:txBody>
       </p:sp>
@@ -2722,7 +2593,7 @@
         </p:nvSpPr>
         <p:spPr>
           <a:xfrm>
-            <a:off x="838200" y="6356350"/>
+            <a:off x="1151424" y="6356350"/>
             <a:ext cx="2743200" cy="365125"/>
           </a:xfrm>
           <a:prstGeom prst="rect">
@@ -2733,9 +2604,9 @@
           <a:bodyPr/>
           <a:lstStyle/>
           <a:p>
-            <a:fld id="{8C2DC95F-4758-45CC-8E65-674D23536E7F}" type="datetimeFigureOut">
+            <a:fld id="{7C966A35-267A-470D-A615-F07C90C3E5EC}" type="datetime1">
               <a:rPr lang="en-GB" smtClean="0"/>
-              <a:t>23/10/2016</a:t>
+              <a:t>14/06/2017</a:t>
             </a:fld>
             <a:endParaRPr lang="en-GB"/>
           </a:p>
@@ -2743,7 +2614,7 @@
       </p:sp>
       <p:sp>
         <p:nvSpPr>
-          <p:cNvPr id="3" name="Footer Placeholder 2"/>
+          <p:cNvPr id="5" name="Footer Placeholder 4"/>
           <p:cNvSpPr>
             <a:spLocks noGrp="1"/>
           </p:cNvSpPr>
@@ -2753,8 +2624,8 @@
         </p:nvSpPr>
         <p:spPr>
           <a:xfrm>
-            <a:off x="4038600" y="6356350"/>
-            <a:ext cx="4114800" cy="365125"/>
+            <a:off x="9487530" y="6356350"/>
+            <a:ext cx="2593747" cy="365125"/>
           </a:xfrm>
           <a:prstGeom prst="rect">
             <a:avLst/>
@@ -2762,40 +2633,21 @@
         </p:spPr>
         <p:txBody>
           <a:bodyPr/>
-          <a:lstStyle/>
-          <a:p>
-            <a:endParaRPr lang="en-GB"/>
-          </a:p>
-        </p:txBody>
-      </p:sp>
-      <p:sp>
-        <p:nvSpPr>
-          <p:cNvPr id="4" name="Slide Number Placeholder 3"/>
-          <p:cNvSpPr>
-            <a:spLocks noGrp="1"/>
-          </p:cNvSpPr>
-          <p:nvPr>
-            <p:ph type="sldNum" sz="quarter" idx="12"/>
-          </p:nvPr>
-        </p:nvSpPr>
-        <p:spPr>
-          <a:xfrm>
-            <a:off x="8610600" y="6356350"/>
-            <a:ext cx="2743200" cy="365125"/>
-          </a:xfrm>
-          <a:prstGeom prst="rect">
-            <a:avLst/>
-          </a:prstGeom>
-        </p:spPr>
-        <p:txBody>
-          <a:bodyPr/>
-          <a:lstStyle/>
-          <a:p>
-            <a:fld id="{9D9A50FB-787D-4C8F-9581-D356BA01909D}" type="slidenum">
-              <a:rPr lang="en-GB" smtClean="0"/>
-              <a:t>‹#›</a:t>
-            </a:fld>
-            <a:endParaRPr lang="en-GB"/>
+          <a:lstStyle>
+            <a:lvl1pPr>
+              <a:defRPr sz="1600"/>
+            </a:lvl1pPr>
+          </a:lstStyle>
+          <a:p>
+            <a:r>
+              <a:rPr lang="en-GB" dirty="0"/>
+              <a:t>@kev_bite / @</a:t>
+            </a:r>
+            <a:r>
+              <a:rPr lang="en-GB" dirty="0" err="1"/>
+              <a:t>YorkCodeDojo</a:t>
+            </a:r>
+            <a:endParaRPr lang="en-GB" dirty="0"/>
           </a:p>
         </p:txBody>
       </p:sp>
@@ -2841,7 +2693,7 @@
         </p:nvSpPr>
         <p:spPr>
           <a:xfrm>
-            <a:off x="839788" y="457200"/>
+            <a:off x="1173220" y="457200"/>
             <a:ext cx="3932237" cy="1600200"/>
           </a:xfrm>
           <a:prstGeom prst="rect">
@@ -2857,7 +2709,7 @@
           </a:lstStyle>
           <a:p>
             <a:r>
-              <a:rPr lang="en-US" smtClean="0"/>
+              <a:rPr lang="en-US"/>
               <a:t>Click to edit Master title style</a:t>
             </a:r>
             <a:endParaRPr lang="en-GB"/>
@@ -2876,7 +2728,7 @@
         </p:nvSpPr>
         <p:spPr>
           <a:xfrm>
-            <a:off x="5183188" y="987425"/>
+            <a:off x="5516620" y="987425"/>
             <a:ext cx="6172200" cy="4873625"/>
           </a:xfrm>
           <a:prstGeom prst="rect">
@@ -2917,35 +2769,35 @@
           <a:p>
             <a:pPr lvl="0"/>
             <a:r>
-              <a:rPr lang="en-US" smtClean="0"/>
+              <a:rPr lang="en-US"/>
               <a:t>Click to edit Master text styles</a:t>
             </a:r>
           </a:p>
           <a:p>
             <a:pPr lvl="1"/>
             <a:r>
-              <a:rPr lang="en-US" smtClean="0"/>
+              <a:rPr lang="en-US"/>
               <a:t>Second level</a:t>
             </a:r>
           </a:p>
           <a:p>
             <a:pPr lvl="2"/>
             <a:r>
-              <a:rPr lang="en-US" smtClean="0"/>
+              <a:rPr lang="en-US"/>
               <a:t>Third level</a:t>
             </a:r>
           </a:p>
           <a:p>
             <a:pPr lvl="3"/>
             <a:r>
-              <a:rPr lang="en-US" smtClean="0"/>
+              <a:rPr lang="en-US"/>
               <a:t>Fourth level</a:t>
             </a:r>
           </a:p>
           <a:p>
             <a:pPr lvl="4"/>
             <a:r>
-              <a:rPr lang="en-US" smtClean="0"/>
+              <a:rPr lang="en-US"/>
               <a:t>Fifth level</a:t>
             </a:r>
             <a:endParaRPr lang="en-GB"/>
@@ -2964,7 +2816,7 @@
         </p:nvSpPr>
         <p:spPr>
           <a:xfrm>
-            <a:off x="839788" y="2057400"/>
+            <a:off x="1173220" y="2057400"/>
             <a:ext cx="3932237" cy="3811588"/>
           </a:xfrm>
           <a:prstGeom prst="rect">
@@ -3014,7 +2866,7 @@
           <a:p>
             <a:pPr lvl="0"/>
             <a:r>
-              <a:rPr lang="en-US" smtClean="0"/>
+              <a:rPr lang="en-US"/>
               <a:t>Click to edit Master text styles</a:t>
             </a:r>
           </a:p>
@@ -3032,7 +2884,7 @@
         </p:nvSpPr>
         <p:spPr>
           <a:xfrm>
-            <a:off x="838200" y="6356350"/>
+            <a:off x="1171632" y="6356350"/>
             <a:ext cx="2743200" cy="365125"/>
           </a:xfrm>
           <a:prstGeom prst="rect">
@@ -3043,9 +2895,9 @@
           <a:bodyPr/>
           <a:lstStyle/>
           <a:p>
-            <a:fld id="{8C2DC95F-4758-45CC-8E65-674D23536E7F}" type="datetimeFigureOut">
+            <a:fld id="{E4E76D9C-DB90-4FC6-B90B-C310798310EB}" type="datetime1">
               <a:rPr lang="en-GB" smtClean="0"/>
-              <a:t>23/10/2016</a:t>
+              <a:t>14/06/2017</a:t>
             </a:fld>
             <a:endParaRPr lang="en-GB"/>
           </a:p>
@@ -3053,7 +2905,7 @@
       </p:sp>
       <p:sp>
         <p:nvSpPr>
-          <p:cNvPr id="6" name="Footer Placeholder 5"/>
+          <p:cNvPr id="8" name="Footer Placeholder 4"/>
           <p:cNvSpPr>
             <a:spLocks noGrp="1"/>
           </p:cNvSpPr>
@@ -3063,8 +2915,8 @@
         </p:nvSpPr>
         <p:spPr>
           <a:xfrm>
-            <a:off x="4038600" y="6356350"/>
-            <a:ext cx="4114800" cy="365125"/>
+            <a:off x="9487530" y="6356350"/>
+            <a:ext cx="2593747" cy="365125"/>
           </a:xfrm>
           <a:prstGeom prst="rect">
             <a:avLst/>
@@ -3072,40 +2924,21 @@
         </p:spPr>
         <p:txBody>
           <a:bodyPr/>
-          <a:lstStyle/>
-          <a:p>
-            <a:endParaRPr lang="en-GB"/>
-          </a:p>
-        </p:txBody>
-      </p:sp>
-      <p:sp>
-        <p:nvSpPr>
-          <p:cNvPr id="7" name="Slide Number Placeholder 6"/>
-          <p:cNvSpPr>
-            <a:spLocks noGrp="1"/>
-          </p:cNvSpPr>
-          <p:nvPr>
-            <p:ph type="sldNum" sz="quarter" idx="12"/>
-          </p:nvPr>
-        </p:nvSpPr>
-        <p:spPr>
-          <a:xfrm>
-            <a:off x="8610600" y="6356350"/>
-            <a:ext cx="2743200" cy="365125"/>
-          </a:xfrm>
-          <a:prstGeom prst="rect">
-            <a:avLst/>
-          </a:prstGeom>
-        </p:spPr>
-        <p:txBody>
-          <a:bodyPr/>
-          <a:lstStyle/>
-          <a:p>
-            <a:fld id="{9D9A50FB-787D-4C8F-9581-D356BA01909D}" type="slidenum">
-              <a:rPr lang="en-GB" smtClean="0"/>
-              <a:t>‹#›</a:t>
-            </a:fld>
-            <a:endParaRPr lang="en-GB"/>
+          <a:lstStyle>
+            <a:lvl1pPr>
+              <a:defRPr sz="1600"/>
+            </a:lvl1pPr>
+          </a:lstStyle>
+          <a:p>
+            <a:r>
+              <a:rPr lang="en-GB" dirty="0"/>
+              <a:t>@kev_bite / @</a:t>
+            </a:r>
+            <a:r>
+              <a:rPr lang="en-GB" dirty="0" err="1"/>
+              <a:t>YorkCodeDojo</a:t>
+            </a:r>
+            <a:endParaRPr lang="en-GB" dirty="0"/>
           </a:p>
         </p:txBody>
       </p:sp>
@@ -3167,7 +3000,7 @@
           </a:lstStyle>
           <a:p>
             <a:r>
-              <a:rPr lang="en-US" smtClean="0"/>
+              <a:rPr lang="en-US"/>
               <a:t>Click to edit Master title style</a:t>
             </a:r>
             <a:endParaRPr lang="en-GB"/>
@@ -3235,7 +3068,7 @@
           </a:lstStyle>
           <a:p>
             <a:r>
-              <a:rPr lang="en-US" smtClean="0"/>
+              <a:rPr lang="en-US"/>
               <a:t>Click icon to add picture</a:t>
             </a:r>
             <a:endParaRPr lang="en-GB"/>
@@ -3304,7 +3137,7 @@
           <a:p>
             <a:pPr lvl="0"/>
             <a:r>
-              <a:rPr lang="en-US" smtClean="0"/>
+              <a:rPr lang="en-US"/>
               <a:t>Click to edit Master text styles</a:t>
             </a:r>
           </a:p>
@@ -3333,9 +3166,9 @@
           <a:bodyPr/>
           <a:lstStyle/>
           <a:p>
-            <a:fld id="{8C2DC95F-4758-45CC-8E65-674D23536E7F}" type="datetimeFigureOut">
+            <a:fld id="{689987CD-1521-436D-87EF-76B1F28B10EA}" type="datetime1">
               <a:rPr lang="en-GB" smtClean="0"/>
-              <a:t>23/10/2016</a:t>
+              <a:t>14/06/2017</a:t>
             </a:fld>
             <a:endParaRPr lang="en-GB"/>
           </a:p>
@@ -3343,7 +3176,7 @@
       </p:sp>
       <p:sp>
         <p:nvSpPr>
-          <p:cNvPr id="6" name="Footer Placeholder 5"/>
+          <p:cNvPr id="8" name="Footer Placeholder 4"/>
           <p:cNvSpPr>
             <a:spLocks noGrp="1"/>
           </p:cNvSpPr>
@@ -3353,8 +3186,8 @@
         </p:nvSpPr>
         <p:spPr>
           <a:xfrm>
-            <a:off x="4038600" y="6356350"/>
-            <a:ext cx="4114800" cy="365125"/>
+            <a:off x="9487530" y="6356350"/>
+            <a:ext cx="2593747" cy="365125"/>
           </a:xfrm>
           <a:prstGeom prst="rect">
             <a:avLst/>
@@ -3362,40 +3195,21 @@
         </p:spPr>
         <p:txBody>
           <a:bodyPr/>
-          <a:lstStyle/>
-          <a:p>
-            <a:endParaRPr lang="en-GB"/>
-          </a:p>
-        </p:txBody>
-      </p:sp>
-      <p:sp>
-        <p:nvSpPr>
-          <p:cNvPr id="7" name="Slide Number Placeholder 6"/>
-          <p:cNvSpPr>
-            <a:spLocks noGrp="1"/>
-          </p:cNvSpPr>
-          <p:nvPr>
-            <p:ph type="sldNum" sz="quarter" idx="12"/>
-          </p:nvPr>
-        </p:nvSpPr>
-        <p:spPr>
-          <a:xfrm>
-            <a:off x="8610600" y="6356350"/>
-            <a:ext cx="2743200" cy="365125"/>
-          </a:xfrm>
-          <a:prstGeom prst="rect">
-            <a:avLst/>
-          </a:prstGeom>
-        </p:spPr>
-        <p:txBody>
-          <a:bodyPr/>
-          <a:lstStyle/>
-          <a:p>
-            <a:fld id="{9D9A50FB-787D-4C8F-9581-D356BA01909D}" type="slidenum">
-              <a:rPr lang="en-GB" smtClean="0"/>
-              <a:t>‹#›</a:t>
-            </a:fld>
-            <a:endParaRPr lang="en-GB"/>
+          <a:lstStyle>
+            <a:lvl1pPr>
+              <a:defRPr sz="1600"/>
+            </a:lvl1pPr>
+          </a:lstStyle>
+          <a:p>
+            <a:r>
+              <a:rPr lang="en-GB" dirty="0"/>
+              <a:t>@kev_bite / @</a:t>
+            </a:r>
+            <a:r>
+              <a:rPr lang="en-GB" dirty="0" err="1"/>
+              <a:t>YorkCodeDojo</a:t>
+            </a:r>
+            <a:endParaRPr lang="en-GB" dirty="0"/>
           </a:p>
         </p:txBody>
       </p:sp>
@@ -3484,6 +3298,7 @@
     <p:sldLayoutId id="2147483657" r:id="rId9"/>
     <p:sldLayoutId id="2147483658" r:id="rId10"/>
   </p:sldLayoutIdLst>
+  <p:hf sldNum="0" hdr="0" dt="0"/>
   <p:txStyles>
     <p:titleStyle>
       <a:lvl1pPr algn="l" defTabSz="914400" rtl="0" eaLnBrk="1" latinLnBrk="0" hangingPunct="1">
@@ -3807,7 +3622,7 @@
         </p:blipFill>
         <p:spPr bwMode="auto">
           <a:xfrm>
-            <a:off x="2385657" y="146301"/>
+            <a:off x="2385657" y="114551"/>
             <a:ext cx="8391525" cy="6419851"/>
           </a:xfrm>
           <a:prstGeom prst="rect">
@@ -3846,16 +3661,44 @@
           <a:lstStyle/>
           <a:p>
             <a:r>
-              <a:rPr lang="en-GB" dirty="0" smtClean="0">
+              <a:rPr lang="en-GB" dirty="0">
                 <a:solidFill>
                   <a:schemeClr val="accent6"/>
                 </a:solidFill>
               </a:rPr>
               <a:t>Kevin Smith</a:t>
             </a:r>
+          </a:p>
+          <a:p>
+            <a:r>
+              <a:rPr lang="en-GB" sz="1200" dirty="0">
+                <a:solidFill>
+                  <a:srgbClr val="FFFF00"/>
+                </a:solidFill>
+              </a:rPr>
+              <a:t>@kev_bite / kevsoft.net</a:t>
+            </a:r>
+          </a:p>
+          <a:p>
+            <a:r>
+              <a:rPr lang="en-GB" sz="1200" dirty="0">
+                <a:solidFill>
+                  <a:srgbClr val="FFFF00"/>
+                </a:solidFill>
+              </a:rPr>
+              <a:t>@</a:t>
+            </a:r>
+            <a:r>
+              <a:rPr lang="en-GB" sz="1200" dirty="0" err="1">
+                <a:solidFill>
+                  <a:srgbClr val="FFFF00"/>
+                </a:solidFill>
+              </a:rPr>
+              <a:t>YorkCodeDojo</a:t>
+            </a:r>
             <a:endParaRPr lang="en-GB" dirty="0">
               <a:solidFill>
-                <a:schemeClr val="accent6"/>
+                <a:srgbClr val="FFFF00"/>
               </a:solidFill>
             </a:endParaRPr>
           </a:p>
@@ -3935,13 +3778,6 @@
   <p:clrMapOvr>
     <a:masterClrMapping/>
   </p:clrMapOvr>
-  <p:timing>
-    <p:tnLst>
-      <p:par>
-        <p:cTn id="1" dur="indefinite" restart="never" nodeType="tmRoot"/>
-      </p:par>
-    </p:tnLst>
-  </p:timing>
 </p:sld>
 </file>
 
@@ -3974,8 +3810,8 @@
         </p:nvSpPr>
         <p:spPr>
           <a:xfrm>
-            <a:off x="1152658" y="365125"/>
-            <a:ext cx="10201141" cy="1325563"/>
+            <a:off x="1106904" y="365125"/>
+            <a:ext cx="10246895" cy="1325563"/>
           </a:xfrm>
         </p:spPr>
         <p:txBody>
@@ -3983,10 +3819,9 @@
           <a:lstStyle/>
           <a:p>
             <a:r>
-              <a:rPr lang="en-GB" dirty="0" smtClean="0"/>
-              <a:t>Let me code (Java)</a:t>
-            </a:r>
-            <a:endParaRPr lang="en-GB" dirty="0"/>
+              <a:rPr lang="en-GB" dirty="0"/>
+              <a:t>Scoring</a:t>
+            </a:r>
           </a:p>
         </p:txBody>
       </p:sp>
@@ -4002,101 +3837,122 @@
         </p:nvSpPr>
         <p:spPr>
           <a:xfrm>
-            <a:off x="1249250" y="1825625"/>
-            <a:ext cx="10104549" cy="4351338"/>
+            <a:off x="1106904" y="1825625"/>
+            <a:ext cx="10246896" cy="4351338"/>
           </a:xfrm>
         </p:spPr>
         <p:txBody>
           <a:bodyPr/>
           <a:lstStyle/>
           <a:p>
-            <a:pPr marL="0" indent="0">
-              <a:buNone/>
-            </a:pPr>
-            <a:r>
-              <a:rPr lang="en-GB" dirty="0"/>
-              <a:t>package </a:t>
-            </a:r>
-            <a:r>
-              <a:rPr lang="en-GB" dirty="0" smtClean="0"/>
-              <a:t>{team-name};</a:t>
-            </a:r>
-            <a:endParaRPr lang="en-GB" dirty="0"/>
-          </a:p>
-          <a:p>
-            <a:pPr marL="0" indent="0">
-              <a:buNone/>
-            </a:pPr>
-            <a:endParaRPr lang="en-GB" dirty="0"/>
-          </a:p>
-          <a:p>
-            <a:pPr marL="0" indent="0">
-              <a:buNone/>
-            </a:pPr>
-            <a:r>
-              <a:rPr lang="en-GB" dirty="0"/>
-              <a:t>import </a:t>
-            </a:r>
-            <a:r>
-              <a:rPr lang="en-GB" dirty="0" err="1"/>
-              <a:t>robocode.HitByBulletEvent</a:t>
-            </a:r>
-            <a:r>
-              <a:rPr lang="en-GB" dirty="0"/>
-              <a:t>;</a:t>
-            </a:r>
-          </a:p>
-          <a:p>
-            <a:pPr marL="0" indent="0">
-              <a:buNone/>
-            </a:pPr>
-            <a:r>
-              <a:rPr lang="en-GB" dirty="0"/>
-              <a:t>import </a:t>
-            </a:r>
-            <a:r>
-              <a:rPr lang="en-GB" dirty="0" err="1"/>
-              <a:t>robocode.HitRobotEvent</a:t>
-            </a:r>
-            <a:r>
-              <a:rPr lang="en-GB" dirty="0"/>
-              <a:t>;</a:t>
-            </a:r>
-          </a:p>
-          <a:p>
-            <a:pPr marL="0" indent="0">
-              <a:buNone/>
-            </a:pPr>
-            <a:r>
-              <a:rPr lang="en-GB" dirty="0"/>
-              <a:t>import </a:t>
-            </a:r>
-            <a:r>
-              <a:rPr lang="en-GB" dirty="0" err="1"/>
-              <a:t>robocode.Robot</a:t>
-            </a:r>
-            <a:r>
-              <a:rPr lang="en-GB" dirty="0" smtClean="0"/>
-              <a:t>;</a:t>
-            </a:r>
-          </a:p>
-          <a:p>
-            <a:pPr marL="0" indent="0">
-              <a:buNone/>
-            </a:pPr>
-            <a:endParaRPr lang="en-GB" dirty="0" smtClean="0"/>
-          </a:p>
-          <a:p>
-            <a:pPr marL="0" indent="0">
-              <a:buNone/>
-            </a:pPr>
-            <a:r>
-              <a:rPr lang="en-GB" dirty="0"/>
-              <a:t>public class </a:t>
-            </a:r>
-            <a:r>
-              <a:rPr lang="en-GB" dirty="0" smtClean="0"/>
-              <a:t>{bot-name} extends Robot { }</a:t>
+            <a:r>
+              <a:rPr lang="en-GB" dirty="0"/>
+              <a:t>Total Score</a:t>
+            </a:r>
+          </a:p>
+          <a:p>
+            <a:r>
+              <a:rPr lang="en-GB" dirty="0"/>
+              <a:t>Survival Score</a:t>
+            </a:r>
+          </a:p>
+          <a:p>
+            <a:r>
+              <a:rPr lang="en-GB" dirty="0"/>
+              <a:t>Last Survivor Bonus</a:t>
+            </a:r>
+          </a:p>
+          <a:p>
+            <a:r>
+              <a:rPr lang="en-GB" dirty="0"/>
+              <a:t>Bullet Damage</a:t>
+            </a:r>
+          </a:p>
+          <a:p>
+            <a:r>
+              <a:rPr lang="en-GB" dirty="0"/>
+              <a:t>Bullet Damage Bonus</a:t>
+            </a:r>
+          </a:p>
+          <a:p>
+            <a:r>
+              <a:rPr lang="en-GB" dirty="0"/>
+              <a:t>Ram Damage</a:t>
+            </a:r>
+          </a:p>
+          <a:p>
+            <a:r>
+              <a:rPr lang="en-GB" dirty="0"/>
+              <a:t>Ram Damage Bonus</a:t>
+            </a:r>
+          </a:p>
+          <a:p>
+            <a:r>
+              <a:rPr lang="en-GB" dirty="0"/>
+              <a:t>1sts, 2nds, 3rds</a:t>
+            </a:r>
+          </a:p>
+        </p:txBody>
+      </p:sp>
+      <p:pic>
+        <p:nvPicPr>
+          <p:cNvPr id="6146" name="Picture 2" descr="Shows the battle results for 3 sample robots that have just completed a battle of 10 rounds"/>
+          <p:cNvPicPr>
+            <a:picLocks noChangeAspect="1" noChangeArrowheads="1"/>
+          </p:cNvPicPr>
+          <p:nvPr/>
+        </p:nvPicPr>
+        <p:blipFill>
+          <a:blip r:embed="rId3">
+            <a:extLst>
+              <a:ext uri="{28A0092B-C50C-407E-A947-70E740481C1C}">
+                <a14:useLocalDpi xmlns:a14="http://schemas.microsoft.com/office/drawing/2010/main" val="0"/>
+              </a:ext>
+            </a:extLst>
+          </a:blip>
+          <a:srcRect/>
+          <a:stretch>
+            <a:fillRect/>
+          </a:stretch>
+        </p:blipFill>
+        <p:spPr bwMode="auto">
+          <a:xfrm>
+            <a:off x="5613099" y="3569050"/>
+            <a:ext cx="6029325" cy="1209676"/>
+          </a:xfrm>
+          <a:prstGeom prst="rect">
+            <a:avLst/>
+          </a:prstGeom>
+          <a:noFill/>
+          <a:extLst>
+            <a:ext uri="{909E8E84-426E-40DD-AFC4-6F175D3DCCD1}">
+              <a14:hiddenFill xmlns:a14="http://schemas.microsoft.com/office/drawing/2010/main">
+                <a:solidFill>
+                  <a:srgbClr val="FFFFFF"/>
+                </a:solidFill>
+              </a14:hiddenFill>
+            </a:ext>
+          </a:extLst>
+        </p:spPr>
+      </p:pic>
+      <p:sp>
+        <p:nvSpPr>
+          <p:cNvPr id="5" name="Footer Placeholder 4"/>
+          <p:cNvSpPr>
+            <a:spLocks noGrp="1"/>
+          </p:cNvSpPr>
+          <p:nvPr>
+            <p:ph type="ftr" sz="quarter" idx="11"/>
+          </p:nvPr>
+        </p:nvSpPr>
+        <p:spPr/>
+        <p:txBody>
+          <a:bodyPr/>
+          <a:lstStyle/>
+          <a:p>
+            <a:r>
+              <a:rPr lang="en-GB"/>
+              <a:t>@kev_bite / @YorkCodeDojo</a:t>
             </a:r>
             <a:endParaRPr lang="en-GB" dirty="0"/>
           </a:p>
@@ -4105,7 +3961,7 @@
     </p:spTree>
     <p:extLst>
       <p:ext uri="{BB962C8B-B14F-4D97-AF65-F5344CB8AC3E}">
-        <p14:creationId xmlns:p14="http://schemas.microsoft.com/office/powerpoint/2010/main" val="2519980438"/>
+        <p14:creationId xmlns:p14="http://schemas.microsoft.com/office/powerpoint/2010/main" val="2946231848"/>
       </p:ext>
     </p:extLst>
   </p:cSld>
@@ -4144,8 +4000,8 @@
         </p:nvSpPr>
         <p:spPr>
           <a:xfrm>
-            <a:off x="1152658" y="365125"/>
-            <a:ext cx="10201141" cy="1325563"/>
+            <a:off x="1241658" y="365125"/>
+            <a:ext cx="10112141" cy="1325563"/>
           </a:xfrm>
         </p:spPr>
         <p:txBody>
@@ -4153,10 +4009,9 @@
           <a:lstStyle/>
           <a:p>
             <a:r>
-              <a:rPr lang="en-GB" dirty="0" smtClean="0"/>
-              <a:t>Let me code (C#)</a:t>
-            </a:r>
-            <a:endParaRPr lang="en-GB" dirty="0"/>
+              <a:rPr lang="en-GB" dirty="0"/>
+              <a:t>Show me some code</a:t>
+            </a:r>
           </a:p>
         </p:txBody>
       </p:sp>
@@ -4172,105 +4027,170 @@
         </p:nvSpPr>
         <p:spPr>
           <a:xfrm>
-            <a:off x="1249250" y="1825625"/>
-            <a:ext cx="10104549" cy="4351338"/>
+            <a:off x="1241657" y="1151857"/>
+            <a:ext cx="10112142" cy="4351338"/>
           </a:xfrm>
         </p:spPr>
         <p:txBody>
           <a:bodyPr/>
           <a:lstStyle/>
           <a:p>
-            <a:pPr marL="0" indent="0">
-              <a:buNone/>
-            </a:pPr>
-            <a:r>
-              <a:rPr lang="en-GB" dirty="0"/>
-              <a:t>using </a:t>
+            <a:r>
+              <a:rPr lang="en-GB" dirty="0"/>
+              <a:t>Inherit/Extend `</a:t>
+            </a:r>
+            <a:r>
+              <a:rPr lang="en-GB" dirty="0">
+                <a:solidFill>
+                  <a:schemeClr val="accent6"/>
+                </a:solidFill>
+              </a:rPr>
+              <a:t>Robot</a:t>
+            </a:r>
+            <a:r>
+              <a:rPr lang="en-GB" dirty="0"/>
+              <a:t>` class</a:t>
+            </a:r>
+          </a:p>
+          <a:p>
+            <a:r>
+              <a:rPr lang="en-GB" dirty="0"/>
+              <a:t>Override  `void Run()`</a:t>
+            </a:r>
+          </a:p>
+          <a:p>
+            <a:r>
+              <a:rPr lang="en-GB" dirty="0"/>
+              <a:t>Override `void </a:t>
             </a:r>
             <a:r>
               <a:rPr lang="en-GB" dirty="0" err="1"/>
-              <a:t>Robocode</a:t>
-            </a:r>
-            <a:r>
-              <a:rPr lang="en-GB" dirty="0"/>
-              <a:t>;</a:t>
-            </a:r>
-          </a:p>
-          <a:p>
-            <a:pPr marL="0" indent="0">
-              <a:buNone/>
-            </a:pPr>
-            <a:r>
-              <a:rPr lang="en-GB" dirty="0"/>
-              <a:t>using </a:t>
+              <a:t>OnScannedRobot</a:t>
+            </a:r>
+            <a:r>
+              <a:rPr lang="en-GB" dirty="0"/>
+              <a:t>(</a:t>
+            </a:r>
+            <a:r>
+              <a:rPr lang="en-GB" dirty="0" err="1">
+                <a:solidFill>
+                  <a:schemeClr val="accent6"/>
+                </a:solidFill>
+              </a:rPr>
+              <a:t>ScannedRobotEvent</a:t>
+            </a:r>
+            <a:r>
+              <a:rPr lang="en-GB" dirty="0"/>
+              <a:t> e)`</a:t>
+            </a:r>
+          </a:p>
+          <a:p>
+            <a:r>
+              <a:rPr lang="en-GB" dirty="0"/>
+              <a:t>Override `void </a:t>
             </a:r>
             <a:r>
               <a:rPr lang="en-GB" dirty="0" err="1"/>
-              <a:t>Robocode.Util</a:t>
-            </a:r>
-            <a:r>
-              <a:rPr lang="en-GB" dirty="0"/>
-              <a:t>;</a:t>
-            </a:r>
-          </a:p>
-          <a:p>
-            <a:pPr marL="0" indent="0">
-              <a:buNone/>
-            </a:pPr>
+              <a:t>OnHitByBullet</a:t>
+            </a:r>
+            <a:r>
+              <a:rPr lang="en-GB" dirty="0"/>
+              <a:t>(</a:t>
+            </a:r>
+            <a:r>
+              <a:rPr lang="en-GB" dirty="0" err="1">
+                <a:solidFill>
+                  <a:schemeClr val="accent6"/>
+                </a:solidFill>
+              </a:rPr>
+              <a:t>HitByBulletEvent</a:t>
+            </a:r>
+            <a:r>
+              <a:rPr lang="en-GB" dirty="0"/>
+              <a:t> e)`</a:t>
+            </a:r>
+          </a:p>
+          <a:p>
+            <a:r>
+              <a:rPr lang="en-GB" dirty="0"/>
+              <a:t>Override `void </a:t>
+            </a:r>
+            <a:r>
+              <a:rPr lang="en-GB" dirty="0" err="1"/>
+              <a:t>OnHitRobot</a:t>
+            </a:r>
+            <a:r>
+              <a:rPr lang="en-GB" dirty="0"/>
+              <a:t>(</a:t>
+            </a:r>
+            <a:r>
+              <a:rPr lang="en-GB" dirty="0" err="1">
+                <a:solidFill>
+                  <a:schemeClr val="accent6"/>
+                </a:solidFill>
+              </a:rPr>
+              <a:t>HitRobotEvent</a:t>
+            </a:r>
+            <a:r>
+              <a:rPr lang="en-GB" dirty="0"/>
+              <a:t> e)`</a:t>
+            </a:r>
+          </a:p>
+          <a:p>
             <a:endParaRPr lang="en-GB" dirty="0"/>
           </a:p>
           <a:p>
-            <a:pPr marL="0" indent="0">
-              <a:buNone/>
-            </a:pPr>
-            <a:r>
-              <a:rPr lang="en-GB" dirty="0"/>
-              <a:t>namespace </a:t>
-            </a:r>
-            <a:r>
-              <a:rPr lang="en-GB" dirty="0" smtClean="0"/>
-              <a:t>{team-name}</a:t>
-            </a:r>
+            <a:r>
+              <a:rPr lang="en-GB" dirty="0"/>
+              <a:t>C# - </a:t>
+            </a:r>
+            <a:r>
+              <a:rPr lang="en-GB" sz="2000" dirty="0">
+                <a:hlinkClick r:id="rId2"/>
+              </a:rPr>
+              <a:t>https://github.com/robo-code/robocode/blob/master/plugins/dotnet/robocode.dotnet.samples/src/SampleCs/MyFirstRobot.cs</a:t>
+            </a:r>
+            <a:endParaRPr lang="en-GB" sz="2000" dirty="0"/>
+          </a:p>
+          <a:p>
+            <a:r>
+              <a:rPr lang="en-GB" dirty="0"/>
+              <a:t>Java - </a:t>
+            </a:r>
+            <a:r>
+              <a:rPr lang="en-GB" sz="2000" dirty="0">
+                <a:hlinkClick r:id="rId3"/>
+              </a:rPr>
+              <a:t>https://github.com/robo-code/robocode/blob/master/robocode.samples/src/main/java/sample/MyFirstRobot.java</a:t>
+            </a:r>
+            <a:endParaRPr lang="en-GB" sz="2000" dirty="0"/>
+          </a:p>
+          <a:p>
             <a:endParaRPr lang="en-GB" dirty="0"/>
           </a:p>
           <a:p>
-            <a:pPr marL="0" indent="0">
-              <a:buNone/>
-            </a:pPr>
-            <a:r>
-              <a:rPr lang="en-GB" dirty="0" smtClean="0"/>
-              <a:t>{</a:t>
-            </a:r>
-          </a:p>
-          <a:p>
-            <a:pPr marL="0" indent="0">
-              <a:buNone/>
-            </a:pPr>
-            <a:r>
-              <a:rPr lang="en-GB" dirty="0" smtClean="0"/>
-              <a:t>    public </a:t>
-            </a:r>
-            <a:r>
-              <a:rPr lang="en-GB" dirty="0"/>
-              <a:t>class </a:t>
-            </a:r>
-            <a:r>
-              <a:rPr lang="en-GB" smtClean="0"/>
-              <a:t>{bot-name}: </a:t>
-            </a:r>
-            <a:r>
-              <a:rPr lang="en-GB" dirty="0" smtClean="0"/>
-              <a:t>Robot { }</a:t>
-            </a:r>
             <a:endParaRPr lang="en-GB" dirty="0"/>
           </a:p>
-          <a:p>
-            <a:pPr marL="0" indent="0">
-              <a:buNone/>
-            </a:pPr>
-            <a:r>
-              <a:rPr lang="en-GB" dirty="0" smtClean="0"/>
-              <a:t>}</a:t>
+        </p:txBody>
+      </p:sp>
+      <p:sp>
+        <p:nvSpPr>
+          <p:cNvPr id="5" name="Footer Placeholder 4"/>
+          <p:cNvSpPr>
+            <a:spLocks noGrp="1"/>
+          </p:cNvSpPr>
+          <p:nvPr>
+            <p:ph type="ftr" sz="quarter" idx="11"/>
+          </p:nvPr>
+        </p:nvSpPr>
+        <p:spPr/>
+        <p:txBody>
+          <a:bodyPr/>
+          <a:lstStyle/>
+          <a:p>
+            <a:r>
+              <a:rPr lang="en-GB"/>
+              <a:t>@kev_bite / @YorkCodeDojo</a:t>
             </a:r>
             <a:endParaRPr lang="en-GB" dirty="0"/>
           </a:p>
@@ -4279,7 +4199,7 @@
     </p:spTree>
     <p:extLst>
       <p:ext uri="{BB962C8B-B14F-4D97-AF65-F5344CB8AC3E}">
-        <p14:creationId xmlns:p14="http://schemas.microsoft.com/office/powerpoint/2010/main" val="104557241"/>
+        <p14:creationId xmlns:p14="http://schemas.microsoft.com/office/powerpoint/2010/main" val="1215422961"/>
       </p:ext>
     </p:extLst>
   </p:cSld>
@@ -4318,8 +4238,8 @@
         </p:nvSpPr>
         <p:spPr>
           <a:xfrm>
-            <a:off x="1174282" y="365125"/>
-            <a:ext cx="10179518" cy="1325563"/>
+            <a:off x="1241658" y="365125"/>
+            <a:ext cx="10112141" cy="1325563"/>
           </a:xfrm>
         </p:spPr>
         <p:txBody>
@@ -4327,10 +4247,9 @@
           <a:lstStyle/>
           <a:p>
             <a:r>
-              <a:rPr lang="en-GB" dirty="0" smtClean="0"/>
-              <a:t>Resources</a:t>
-            </a:r>
-            <a:endParaRPr lang="en-GB" dirty="0"/>
+              <a:rPr lang="en-GB" dirty="0"/>
+              <a:t>More code…</a:t>
+            </a:r>
           </a:p>
         </p:txBody>
       </p:sp>
@@ -4346,8 +4265,8 @@
         </p:nvSpPr>
         <p:spPr>
           <a:xfrm>
-            <a:off x="1174282" y="1825625"/>
-            <a:ext cx="10179518" cy="4351338"/>
+            <a:off x="1241657" y="1151857"/>
+            <a:ext cx="10112142" cy="4351338"/>
           </a:xfrm>
         </p:spPr>
         <p:txBody>
@@ -4356,77 +4275,237 @@
           <a:p>
             <a:r>
               <a:rPr lang="en-GB" dirty="0"/>
-              <a:t>Wiki - </a:t>
+              <a:t>Ahead(</a:t>
             </a:r>
             <a:r>
               <a:rPr lang="en-GB" dirty="0">
-                <a:hlinkClick r:id="rId2"/>
+                <a:solidFill>
+                  <a:schemeClr val="accent6"/>
+                </a:solidFill>
               </a:rPr>
-              <a:t>http://robowiki.net</a:t>
-            </a:r>
-            <a:r>
-              <a:rPr lang="en-GB" dirty="0" smtClean="0">
-                <a:hlinkClick r:id="rId2"/>
+              <a:t>double</a:t>
+            </a:r>
+            <a:r>
+              <a:rPr lang="en-GB" dirty="0"/>
+              <a:t> distance) / Back(</a:t>
+            </a:r>
+            <a:r>
+              <a:rPr lang="en-GB" dirty="0">
+                <a:solidFill>
+                  <a:schemeClr val="accent6"/>
+                </a:solidFill>
               </a:rPr>
-              <a:t>/</a:t>
-            </a:r>
-            <a:endParaRPr lang="en-GB" dirty="0" smtClean="0"/>
-          </a:p>
-          <a:p>
-            <a:r>
-              <a:rPr lang="en-GB" dirty="0" smtClean="0"/>
-              <a:t>Java </a:t>
-            </a:r>
-            <a:r>
-              <a:rPr lang="en-GB" dirty="0"/>
-              <a:t>Examples - </a:t>
+              <a:t>double</a:t>
+            </a:r>
+            <a:r>
+              <a:rPr lang="en-GB" dirty="0"/>
+              <a:t> distance) </a:t>
+            </a:r>
+          </a:p>
+          <a:p>
+            <a:r>
+              <a:rPr lang="en-GB" dirty="0" err="1"/>
+              <a:t>TurnGunLeft</a:t>
+            </a:r>
+            <a:r>
+              <a:rPr lang="en-GB" dirty="0"/>
+              <a:t>(</a:t>
             </a:r>
             <a:r>
               <a:rPr lang="en-GB" dirty="0">
-                <a:hlinkClick r:id="rId3"/>
+                <a:solidFill>
+                  <a:schemeClr val="accent6"/>
+                </a:solidFill>
               </a:rPr>
-              <a:t>https://github.com/robo-code/robocode/blob/master/robocode.samples/src/main/java/sample</a:t>
-            </a:r>
-            <a:r>
-              <a:rPr lang="en-GB" dirty="0" smtClean="0">
-                <a:hlinkClick r:id="rId3"/>
+              <a:t>double</a:t>
+            </a:r>
+            <a:r>
+              <a:rPr lang="en-GB" dirty="0"/>
+              <a:t> degrees) / </a:t>
+            </a:r>
+            <a:r>
+              <a:rPr lang="en-GB" dirty="0" err="1"/>
+              <a:t>TurnGunRight</a:t>
+            </a:r>
+            <a:r>
+              <a:rPr lang="en-GB" dirty="0"/>
+              <a:t>(</a:t>
+            </a:r>
+            <a:r>
+              <a:rPr lang="en-GB" dirty="0">
+                <a:solidFill>
+                  <a:schemeClr val="accent6"/>
+                </a:solidFill>
               </a:rPr>
-              <a:t>/</a:t>
-            </a:r>
-            <a:endParaRPr lang="en-GB" dirty="0" smtClean="0"/>
-          </a:p>
-          <a:p>
-            <a:r>
-              <a:rPr lang="en-GB" dirty="0" smtClean="0"/>
-              <a:t>C</a:t>
-            </a:r>
-            <a:r>
-              <a:rPr lang="en-GB" dirty="0"/>
-              <a:t># Examples - </a:t>
+              <a:t>double</a:t>
+            </a:r>
+            <a:r>
+              <a:rPr lang="en-GB" dirty="0"/>
+              <a:t> degrees)</a:t>
+            </a:r>
+          </a:p>
+          <a:p>
+            <a:r>
+              <a:rPr lang="en-GB" dirty="0" err="1"/>
+              <a:t>TurnLeft</a:t>
+            </a:r>
+            <a:r>
+              <a:rPr lang="en-GB" dirty="0"/>
+              <a:t>(</a:t>
             </a:r>
             <a:r>
               <a:rPr lang="en-GB" dirty="0">
-                <a:hlinkClick r:id="rId4"/>
+                <a:solidFill>
+                  <a:schemeClr val="accent6"/>
+                </a:solidFill>
               </a:rPr>
-              <a:t>https://</a:t>
-            </a:r>
-            <a:r>
-              <a:rPr lang="en-GB" dirty="0" smtClean="0">
-                <a:hlinkClick r:id="rId4"/>
+              <a:t>double </a:t>
+            </a:r>
+            <a:r>
+              <a:rPr lang="en-GB" dirty="0"/>
+              <a:t>degrees) / </a:t>
+            </a:r>
+            <a:r>
+              <a:rPr lang="en-GB" dirty="0" err="1"/>
+              <a:t>TurnRight</a:t>
+            </a:r>
+            <a:r>
+              <a:rPr lang="en-GB" dirty="0"/>
+              <a:t>(</a:t>
+            </a:r>
+            <a:r>
+              <a:rPr lang="en-GB" dirty="0">
+                <a:solidFill>
+                  <a:schemeClr val="accent6"/>
+                </a:solidFill>
               </a:rPr>
-              <a:t>github.com/robo-code/robocode/blob/master/plugins/dotnet/robocode.dotnet.samples/src/SampleCs</a:t>
-            </a:r>
-            <a:endParaRPr lang="en-GB" dirty="0" smtClean="0"/>
-          </a:p>
-          <a:p>
-            <a:endParaRPr lang="en-GB" dirty="0" smtClean="0"/>
+              <a:t>double</a:t>
+            </a:r>
+            <a:r>
+              <a:rPr lang="en-GB" dirty="0"/>
+              <a:t> degrees)</a:t>
+            </a:r>
+          </a:p>
+          <a:p>
+            <a:r>
+              <a:rPr lang="en-GB" dirty="0" err="1"/>
+              <a:t>TurnRadarLeft</a:t>
+            </a:r>
+            <a:r>
+              <a:rPr lang="en-GB" dirty="0"/>
+              <a:t>(</a:t>
+            </a:r>
+            <a:r>
+              <a:rPr lang="en-GB" dirty="0">
+                <a:solidFill>
+                  <a:schemeClr val="accent6"/>
+                </a:solidFill>
+              </a:rPr>
+              <a:t>double</a:t>
+            </a:r>
+            <a:r>
+              <a:rPr lang="en-GB" dirty="0"/>
+              <a:t> degrees) / </a:t>
+            </a:r>
+            <a:r>
+              <a:rPr lang="en-GB" dirty="0" err="1"/>
+              <a:t>TurnRadarRight</a:t>
+            </a:r>
+            <a:r>
+              <a:rPr lang="en-GB" dirty="0"/>
+              <a:t>(</a:t>
+            </a:r>
+            <a:r>
+              <a:rPr lang="en-GB" dirty="0">
+                <a:solidFill>
+                  <a:schemeClr val="accent6"/>
+                </a:solidFill>
+              </a:rPr>
+              <a:t>double</a:t>
+            </a:r>
+            <a:r>
+              <a:rPr lang="en-GB" dirty="0"/>
+              <a:t> degrees)</a:t>
+            </a:r>
+          </a:p>
+          <a:p>
+            <a:r>
+              <a:rPr lang="en-GB" dirty="0" err="1"/>
+              <a:t>DoNothing</a:t>
+            </a:r>
+            <a:r>
+              <a:rPr lang="en-GB" dirty="0"/>
+              <a:t>() </a:t>
+            </a:r>
+          </a:p>
+          <a:p>
+            <a:r>
+              <a:rPr lang="en-GB" dirty="0"/>
+              <a:t>Fire(</a:t>
+            </a:r>
+            <a:r>
+              <a:rPr lang="en-GB" dirty="0">
+                <a:solidFill>
+                  <a:schemeClr val="accent6"/>
+                </a:solidFill>
+              </a:rPr>
+              <a:t>double</a:t>
+            </a:r>
+            <a:r>
+              <a:rPr lang="en-GB" dirty="0"/>
+              <a:t> power) </a:t>
+            </a:r>
+          </a:p>
+          <a:p>
+            <a:r>
+              <a:rPr lang="en-GB" dirty="0"/>
+              <a:t>Stop()</a:t>
+            </a:r>
+          </a:p>
+          <a:p>
+            <a:r>
+              <a:rPr lang="en-GB" dirty="0"/>
+              <a:t>Resume() </a:t>
+            </a:r>
+          </a:p>
+          <a:p>
+            <a:r>
+              <a:rPr lang="en-GB" dirty="0"/>
+              <a:t>Scan()</a:t>
+            </a:r>
+          </a:p>
+          <a:p>
+            <a:endParaRPr lang="en-GB" dirty="0"/>
+          </a:p>
+        </p:txBody>
+      </p:sp>
+      <p:sp>
+        <p:nvSpPr>
+          <p:cNvPr id="5" name="Footer Placeholder 4"/>
+          <p:cNvSpPr>
+            <a:spLocks noGrp="1"/>
+          </p:cNvSpPr>
+          <p:nvPr>
+            <p:ph type="ftr" sz="quarter" idx="11"/>
+          </p:nvPr>
+        </p:nvSpPr>
+        <p:spPr/>
+        <p:txBody>
+          <a:bodyPr/>
+          <a:lstStyle/>
+          <a:p>
+            <a:r>
+              <a:rPr lang="en-GB"/>
+              <a:t>@kev_bite / @YorkCodeDojo</a:t>
+            </a:r>
+            <a:endParaRPr lang="en-GB" dirty="0"/>
           </a:p>
         </p:txBody>
       </p:sp>
     </p:spTree>
     <p:extLst>
       <p:ext uri="{BB962C8B-B14F-4D97-AF65-F5344CB8AC3E}">
-        <p14:creationId xmlns:p14="http://schemas.microsoft.com/office/powerpoint/2010/main" val="2595973926"/>
+        <p14:creationId xmlns:p14="http://schemas.microsoft.com/office/powerpoint/2010/main" val="1379503367"/>
       </p:ext>
     </p:extLst>
   </p:cSld>
@@ -4465,8 +4544,8 @@
         </p:nvSpPr>
         <p:spPr>
           <a:xfrm>
-            <a:off x="1078028" y="365125"/>
-            <a:ext cx="10275772" cy="1325563"/>
+            <a:off x="1152658" y="365125"/>
+            <a:ext cx="10201141" cy="1325563"/>
           </a:xfrm>
         </p:spPr>
         <p:txBody>
@@ -4474,10 +4553,9 @@
           <a:lstStyle/>
           <a:p>
             <a:r>
-              <a:rPr lang="en-GB" dirty="0" smtClean="0"/>
-              <a:t>Bot Ideas</a:t>
-            </a:r>
-            <a:endParaRPr lang="en-GB" dirty="0"/>
+              <a:rPr lang="en-GB" dirty="0"/>
+              <a:t>Let me code (Java)</a:t>
+            </a:r>
           </a:p>
         </p:txBody>
       </p:sp>
@@ -4493,35 +4571,190 @@
         </p:nvSpPr>
         <p:spPr>
           <a:xfrm>
-            <a:off x="1078028" y="1825625"/>
-            <a:ext cx="10275771" cy="4351338"/>
+            <a:off x="1249250" y="1825625"/>
+            <a:ext cx="10104549" cy="4351338"/>
           </a:xfrm>
         </p:spPr>
         <p:txBody>
           <a:bodyPr/>
           <a:lstStyle/>
           <a:p>
-            <a:r>
-              <a:rPr lang="en-GB" dirty="0" smtClean="0"/>
-              <a:t>Running and Firing</a:t>
-            </a:r>
-          </a:p>
-          <a:p>
-            <a:r>
-              <a:rPr lang="en-GB" dirty="0" smtClean="0"/>
-              <a:t>Scan, Fire then Ram</a:t>
-            </a:r>
-          </a:p>
-          <a:p>
-            <a:r>
-              <a:rPr lang="en-GB" dirty="0" smtClean="0"/>
-              <a:t>Spin and Fire</a:t>
-            </a:r>
-          </a:p>
-          <a:p>
-            <a:r>
-              <a:rPr lang="en-GB" dirty="0" smtClean="0"/>
-              <a:t>Machine Learning</a:t>
+            <a:pPr marL="0" indent="0">
+              <a:buNone/>
+            </a:pPr>
+            <a:r>
+              <a:rPr lang="en-GB" dirty="0">
+                <a:solidFill>
+                  <a:schemeClr val="accent5"/>
+                </a:solidFill>
+              </a:rPr>
+              <a:t>package</a:t>
+            </a:r>
+            <a:r>
+              <a:rPr lang="en-GB" dirty="0"/>
+              <a:t> {team-name};</a:t>
+            </a:r>
+          </a:p>
+          <a:p>
+            <a:pPr marL="0" indent="0">
+              <a:buNone/>
+            </a:pPr>
+            <a:endParaRPr lang="en-GB" dirty="0"/>
+          </a:p>
+          <a:p>
+            <a:pPr marL="0" indent="0">
+              <a:buNone/>
+            </a:pPr>
+            <a:r>
+              <a:rPr lang="en-GB" dirty="0">
+                <a:solidFill>
+                  <a:schemeClr val="accent5"/>
+                </a:solidFill>
+              </a:rPr>
+              <a:t>import</a:t>
+            </a:r>
+            <a:r>
+              <a:rPr lang="en-GB" dirty="0"/>
+              <a:t> </a:t>
+            </a:r>
+            <a:r>
+              <a:rPr lang="en-GB" dirty="0" err="1"/>
+              <a:t>robocode.HitByBulletEvent</a:t>
+            </a:r>
+            <a:r>
+              <a:rPr lang="en-GB" dirty="0"/>
+              <a:t>;</a:t>
+            </a:r>
+          </a:p>
+          <a:p>
+            <a:pPr marL="0" indent="0">
+              <a:buNone/>
+            </a:pPr>
+            <a:r>
+              <a:rPr lang="en-GB" dirty="0">
+                <a:solidFill>
+                  <a:schemeClr val="accent5"/>
+                </a:solidFill>
+              </a:rPr>
+              <a:t>import</a:t>
+            </a:r>
+            <a:r>
+              <a:rPr lang="en-GB" dirty="0"/>
+              <a:t> </a:t>
+            </a:r>
+            <a:r>
+              <a:rPr lang="en-GB" dirty="0" err="1"/>
+              <a:t>robocode.HitRobotEvent</a:t>
+            </a:r>
+            <a:r>
+              <a:rPr lang="en-GB" dirty="0"/>
+              <a:t>;</a:t>
+            </a:r>
+          </a:p>
+          <a:p>
+            <a:pPr marL="0" indent="0">
+              <a:buNone/>
+            </a:pPr>
+            <a:r>
+              <a:rPr lang="en-GB" dirty="0">
+                <a:solidFill>
+                  <a:schemeClr val="accent5"/>
+                </a:solidFill>
+              </a:rPr>
+              <a:t>import</a:t>
+            </a:r>
+            <a:r>
+              <a:rPr lang="en-GB" dirty="0"/>
+              <a:t> </a:t>
+            </a:r>
+            <a:r>
+              <a:rPr lang="en-GB" dirty="0" err="1"/>
+              <a:t>robocode.Robot</a:t>
+            </a:r>
+            <a:r>
+              <a:rPr lang="en-GB" dirty="0"/>
+              <a:t>;</a:t>
+            </a:r>
+          </a:p>
+          <a:p>
+            <a:pPr marL="0" indent="0">
+              <a:buNone/>
+            </a:pPr>
+            <a:endParaRPr lang="en-GB" dirty="0"/>
+          </a:p>
+          <a:p>
+            <a:pPr marL="0" indent="0">
+              <a:buNone/>
+            </a:pPr>
+            <a:r>
+              <a:rPr lang="en-GB" dirty="0">
+                <a:solidFill>
+                  <a:schemeClr val="accent5"/>
+                </a:solidFill>
+              </a:rPr>
+              <a:t>public</a:t>
+            </a:r>
+            <a:r>
+              <a:rPr lang="en-GB" dirty="0"/>
+              <a:t> </a:t>
+            </a:r>
+            <a:r>
+              <a:rPr lang="en-GB" dirty="0">
+                <a:solidFill>
+                  <a:schemeClr val="accent5"/>
+                </a:solidFill>
+              </a:rPr>
+              <a:t>class</a:t>
+            </a:r>
+            <a:r>
+              <a:rPr lang="en-GB" dirty="0"/>
+              <a:t> {bot-name} </a:t>
+            </a:r>
+            <a:r>
+              <a:rPr lang="en-GB" dirty="0">
+                <a:solidFill>
+                  <a:schemeClr val="accent5"/>
+                </a:solidFill>
+              </a:rPr>
+              <a:t>extends</a:t>
+            </a:r>
+            <a:r>
+              <a:rPr lang="en-GB" dirty="0"/>
+              <a:t> </a:t>
+            </a:r>
+            <a:r>
+              <a:rPr lang="en-GB" dirty="0">
+                <a:solidFill>
+                  <a:schemeClr val="accent6"/>
+                </a:solidFill>
+              </a:rPr>
+              <a:t>Robot</a:t>
+            </a:r>
+            <a:r>
+              <a:rPr lang="en-GB" dirty="0"/>
+              <a:t> { }</a:t>
+            </a:r>
+          </a:p>
+        </p:txBody>
+      </p:sp>
+      <p:sp>
+        <p:nvSpPr>
+          <p:cNvPr id="5" name="Footer Placeholder 4"/>
+          <p:cNvSpPr>
+            <a:spLocks noGrp="1"/>
+          </p:cNvSpPr>
+          <p:nvPr>
+            <p:ph type="ftr" sz="quarter" idx="11"/>
+          </p:nvPr>
+        </p:nvSpPr>
+        <p:spPr/>
+        <p:txBody>
+          <a:bodyPr/>
+          <a:lstStyle/>
+          <a:p>
+            <a:r>
+              <a:rPr lang="en-GB"/>
+              <a:t>@kev_bite / @YorkCodeDojo</a:t>
             </a:r>
             <a:endParaRPr lang="en-GB" dirty="0"/>
           </a:p>
@@ -4530,7 +4763,7 @@
     </p:spTree>
     <p:extLst>
       <p:ext uri="{BB962C8B-B14F-4D97-AF65-F5344CB8AC3E}">
-        <p14:creationId xmlns:p14="http://schemas.microsoft.com/office/powerpoint/2010/main" val="643095895"/>
+        <p14:creationId xmlns:p14="http://schemas.microsoft.com/office/powerpoint/2010/main" val="2519980438"/>
       </p:ext>
     </p:extLst>
   </p:cSld>
@@ -4569,6 +4802,1064 @@
         </p:nvSpPr>
         <p:spPr>
           <a:xfrm>
+            <a:off x="1152658" y="365125"/>
+            <a:ext cx="10201141" cy="1325563"/>
+          </a:xfrm>
+        </p:spPr>
+        <p:txBody>
+          <a:bodyPr/>
+          <a:lstStyle/>
+          <a:p>
+            <a:r>
+              <a:rPr lang="en-GB" dirty="0"/>
+              <a:t>Let me code (C#)</a:t>
+            </a:r>
+          </a:p>
+        </p:txBody>
+      </p:sp>
+      <p:sp>
+        <p:nvSpPr>
+          <p:cNvPr id="3" name="Content Placeholder 2"/>
+          <p:cNvSpPr>
+            <a:spLocks noGrp="1"/>
+          </p:cNvSpPr>
+          <p:nvPr>
+            <p:ph idx="1"/>
+          </p:nvPr>
+        </p:nvSpPr>
+        <p:spPr>
+          <a:xfrm>
+            <a:off x="1249250" y="1825625"/>
+            <a:ext cx="10104549" cy="4351338"/>
+          </a:xfrm>
+        </p:spPr>
+        <p:txBody>
+          <a:bodyPr/>
+          <a:lstStyle/>
+          <a:p>
+            <a:pPr marL="0" indent="0">
+              <a:buNone/>
+            </a:pPr>
+            <a:r>
+              <a:rPr lang="en-GB" dirty="0">
+                <a:solidFill>
+                  <a:schemeClr val="accent5"/>
+                </a:solidFill>
+              </a:rPr>
+              <a:t>using</a:t>
+            </a:r>
+            <a:r>
+              <a:rPr lang="en-GB" dirty="0"/>
+              <a:t> </a:t>
+            </a:r>
+            <a:r>
+              <a:rPr lang="en-GB" dirty="0" err="1"/>
+              <a:t>Robocode</a:t>
+            </a:r>
+            <a:r>
+              <a:rPr lang="en-GB" dirty="0"/>
+              <a:t>;</a:t>
+            </a:r>
+          </a:p>
+          <a:p>
+            <a:pPr marL="0" indent="0">
+              <a:buNone/>
+            </a:pPr>
+            <a:r>
+              <a:rPr lang="en-GB" dirty="0">
+                <a:solidFill>
+                  <a:schemeClr val="accent5"/>
+                </a:solidFill>
+              </a:rPr>
+              <a:t>using</a:t>
+            </a:r>
+            <a:r>
+              <a:rPr lang="en-GB" dirty="0"/>
+              <a:t> </a:t>
+            </a:r>
+            <a:r>
+              <a:rPr lang="en-GB" dirty="0" err="1"/>
+              <a:t>Robocode.Util</a:t>
+            </a:r>
+            <a:r>
+              <a:rPr lang="en-GB" dirty="0"/>
+              <a:t>;</a:t>
+            </a:r>
+          </a:p>
+          <a:p>
+            <a:pPr marL="0" indent="0">
+              <a:buNone/>
+            </a:pPr>
+            <a:endParaRPr lang="en-GB" dirty="0"/>
+          </a:p>
+          <a:p>
+            <a:pPr marL="0" indent="0">
+              <a:buNone/>
+            </a:pPr>
+            <a:r>
+              <a:rPr lang="en-GB" dirty="0">
+                <a:solidFill>
+                  <a:schemeClr val="accent5"/>
+                </a:solidFill>
+              </a:rPr>
+              <a:t>namespace</a:t>
+            </a:r>
+            <a:r>
+              <a:rPr lang="en-GB" dirty="0"/>
+              <a:t> {team-name}</a:t>
+            </a:r>
+          </a:p>
+          <a:p>
+            <a:pPr marL="0" indent="0">
+              <a:buNone/>
+            </a:pPr>
+            <a:r>
+              <a:rPr lang="en-GB" dirty="0"/>
+              <a:t>{</a:t>
+            </a:r>
+          </a:p>
+          <a:p>
+            <a:pPr marL="0" indent="0">
+              <a:buNone/>
+            </a:pPr>
+            <a:r>
+              <a:rPr lang="en-GB" dirty="0"/>
+              <a:t>    </a:t>
+            </a:r>
+            <a:r>
+              <a:rPr lang="en-GB" dirty="0">
+                <a:solidFill>
+                  <a:schemeClr val="accent5"/>
+                </a:solidFill>
+              </a:rPr>
+              <a:t>public</a:t>
+            </a:r>
+            <a:r>
+              <a:rPr lang="en-GB" dirty="0"/>
+              <a:t> </a:t>
+            </a:r>
+            <a:r>
+              <a:rPr lang="en-GB" dirty="0">
+                <a:solidFill>
+                  <a:schemeClr val="accent5"/>
+                </a:solidFill>
+              </a:rPr>
+              <a:t>class</a:t>
+            </a:r>
+            <a:r>
+              <a:rPr lang="en-GB" dirty="0"/>
+              <a:t> {bot-name}: </a:t>
+            </a:r>
+            <a:r>
+              <a:rPr lang="en-GB" dirty="0">
+                <a:solidFill>
+                  <a:schemeClr val="accent6"/>
+                </a:solidFill>
+              </a:rPr>
+              <a:t>Robot</a:t>
+            </a:r>
+            <a:r>
+              <a:rPr lang="en-GB" dirty="0"/>
+              <a:t> { }</a:t>
+            </a:r>
+          </a:p>
+          <a:p>
+            <a:pPr marL="0" indent="0">
+              <a:buNone/>
+            </a:pPr>
+            <a:r>
+              <a:rPr lang="en-GB" dirty="0"/>
+              <a:t>}</a:t>
+            </a:r>
+          </a:p>
+        </p:txBody>
+      </p:sp>
+      <p:sp>
+        <p:nvSpPr>
+          <p:cNvPr id="5" name="Footer Placeholder 4"/>
+          <p:cNvSpPr>
+            <a:spLocks noGrp="1"/>
+          </p:cNvSpPr>
+          <p:nvPr>
+            <p:ph type="ftr" sz="quarter" idx="11"/>
+          </p:nvPr>
+        </p:nvSpPr>
+        <p:spPr/>
+        <p:txBody>
+          <a:bodyPr/>
+          <a:lstStyle/>
+          <a:p>
+            <a:r>
+              <a:rPr lang="en-GB"/>
+              <a:t>@kev_bite / @YorkCodeDojo</a:t>
+            </a:r>
+            <a:endParaRPr lang="en-GB" dirty="0"/>
+          </a:p>
+        </p:txBody>
+      </p:sp>
+    </p:spTree>
+    <p:extLst>
+      <p:ext uri="{BB962C8B-B14F-4D97-AF65-F5344CB8AC3E}">
+        <p14:creationId xmlns:p14="http://schemas.microsoft.com/office/powerpoint/2010/main" val="104557241"/>
+      </p:ext>
+    </p:extLst>
+  </p:cSld>
+  <p:clrMapOvr>
+    <a:masterClrMapping/>
+  </p:clrMapOvr>
+</p:sld>
+</file>
+
+<file path=ppt/slides/slide15.xml><?xml version="1.0" encoding="utf-8"?>
+<p:sld xmlns:a="http://schemas.openxmlformats.org/drawingml/2006/main" xmlns:r="http://schemas.openxmlformats.org/officeDocument/2006/relationships" xmlns:p="http://schemas.openxmlformats.org/presentationml/2006/main">
+  <p:cSld>
+    <p:spTree>
+      <p:nvGrpSpPr>
+        <p:cNvPr id="1" name=""/>
+        <p:cNvGrpSpPr/>
+        <p:nvPr/>
+      </p:nvGrpSpPr>
+      <p:grpSpPr>
+        <a:xfrm>
+          <a:off x="0" y="0"/>
+          <a:ext cx="0" cy="0"/>
+          <a:chOff x="0" y="0"/>
+          <a:chExt cx="0" cy="0"/>
+        </a:xfrm>
+      </p:grpSpPr>
+      <p:sp>
+        <p:nvSpPr>
+          <p:cNvPr id="16" name="Title 15"/>
+          <p:cNvSpPr>
+            <a:spLocks noGrp="1"/>
+          </p:cNvSpPr>
+          <p:nvPr>
+            <p:ph type="title"/>
+          </p:nvPr>
+        </p:nvSpPr>
+        <p:spPr/>
+        <p:txBody>
+          <a:bodyPr/>
+          <a:lstStyle/>
+          <a:p>
+            <a:r>
+              <a:rPr lang="en-GB" dirty="0"/>
+              <a:t>Example Robot</a:t>
+            </a:r>
+          </a:p>
+        </p:txBody>
+      </p:sp>
+      <p:sp>
+        <p:nvSpPr>
+          <p:cNvPr id="4" name="Footer Placeholder 3"/>
+          <p:cNvSpPr>
+            <a:spLocks noGrp="1"/>
+          </p:cNvSpPr>
+          <p:nvPr>
+            <p:ph type="ftr" sz="quarter" idx="11"/>
+          </p:nvPr>
+        </p:nvSpPr>
+        <p:spPr/>
+        <p:txBody>
+          <a:bodyPr/>
+          <a:lstStyle/>
+          <a:p>
+            <a:r>
+              <a:rPr lang="en-GB"/>
+              <a:t>@kev_bite / @YorkCodeDojo</a:t>
+            </a:r>
+            <a:endParaRPr lang="en-GB" dirty="0"/>
+          </a:p>
+        </p:txBody>
+      </p:sp>
+      <p:sp>
+        <p:nvSpPr>
+          <p:cNvPr id="13" name="TextBox 12"/>
+          <p:cNvSpPr txBox="1"/>
+          <p:nvPr/>
+        </p:nvSpPr>
+        <p:spPr>
+          <a:xfrm>
+            <a:off x="1277931" y="1395306"/>
+            <a:ext cx="8904119" cy="5078313"/>
+          </a:xfrm>
+          <a:prstGeom prst="rect">
+            <a:avLst/>
+          </a:prstGeom>
+          <a:noFill/>
+        </p:spPr>
+        <p:txBody>
+          <a:bodyPr wrap="square" rtlCol="0">
+            <a:spAutoFit/>
+          </a:bodyPr>
+          <a:lstStyle/>
+          <a:p>
+            <a:r>
+              <a:rPr lang="en-GB" dirty="0">
+                <a:solidFill>
+                  <a:schemeClr val="accent5"/>
+                </a:solidFill>
+              </a:rPr>
+              <a:t>public</a:t>
+            </a:r>
+            <a:r>
+              <a:rPr lang="en-GB" dirty="0"/>
+              <a:t> </a:t>
+            </a:r>
+            <a:r>
+              <a:rPr lang="en-GB" dirty="0">
+                <a:solidFill>
+                  <a:schemeClr val="accent5"/>
+                </a:solidFill>
+              </a:rPr>
+              <a:t>class</a:t>
+            </a:r>
+            <a:r>
+              <a:rPr lang="en-GB" dirty="0"/>
+              <a:t> </a:t>
+            </a:r>
+            <a:r>
+              <a:rPr lang="en-GB" dirty="0">
+                <a:solidFill>
+                  <a:schemeClr val="accent6"/>
+                </a:solidFill>
+              </a:rPr>
+              <a:t>Fire</a:t>
+            </a:r>
+            <a:r>
+              <a:rPr lang="en-GB" dirty="0"/>
+              <a:t> </a:t>
+            </a:r>
+            <a:r>
+              <a:rPr lang="en-GB" dirty="0">
+                <a:solidFill>
+                  <a:schemeClr val="accent5"/>
+                </a:solidFill>
+              </a:rPr>
+              <a:t>extends</a:t>
+            </a:r>
+            <a:r>
+              <a:rPr lang="en-GB" dirty="0"/>
+              <a:t> </a:t>
+            </a:r>
+            <a:r>
+              <a:rPr lang="en-GB" dirty="0">
+                <a:solidFill>
+                  <a:schemeClr val="accent6"/>
+                </a:solidFill>
+              </a:rPr>
+              <a:t>Robot</a:t>
+            </a:r>
+            <a:r>
+              <a:rPr lang="en-GB" dirty="0"/>
+              <a:t> {</a:t>
+            </a:r>
+          </a:p>
+          <a:p>
+            <a:endParaRPr lang="en-GB" dirty="0"/>
+          </a:p>
+          <a:p>
+            <a:r>
+              <a:rPr lang="en-GB" dirty="0"/>
+              <a:t>  </a:t>
+            </a:r>
+            <a:r>
+              <a:rPr lang="en-GB" dirty="0">
+                <a:solidFill>
+                  <a:schemeClr val="accent5"/>
+                </a:solidFill>
+              </a:rPr>
+              <a:t>public</a:t>
+            </a:r>
+            <a:r>
+              <a:rPr lang="en-GB" dirty="0"/>
+              <a:t> </a:t>
+            </a:r>
+            <a:r>
+              <a:rPr lang="en-GB" dirty="0">
+                <a:solidFill>
+                  <a:schemeClr val="accent5"/>
+                </a:solidFill>
+              </a:rPr>
+              <a:t>void</a:t>
+            </a:r>
+            <a:r>
+              <a:rPr lang="en-GB" dirty="0"/>
+              <a:t> run() {</a:t>
+            </a:r>
+          </a:p>
+          <a:p>
+            <a:r>
+              <a:rPr lang="en-GB" dirty="0"/>
+              <a:t>      // Spin the gun around slowly... forever</a:t>
+            </a:r>
+          </a:p>
+          <a:p>
+            <a:r>
+              <a:rPr lang="en-GB" dirty="0"/>
+              <a:t>      </a:t>
+            </a:r>
+            <a:r>
+              <a:rPr lang="en-GB" dirty="0">
+                <a:solidFill>
+                  <a:schemeClr val="accent5"/>
+                </a:solidFill>
+              </a:rPr>
+              <a:t>while</a:t>
+            </a:r>
+            <a:r>
+              <a:rPr lang="en-GB" dirty="0"/>
+              <a:t> (</a:t>
+            </a:r>
+            <a:r>
+              <a:rPr lang="en-GB" dirty="0">
+                <a:solidFill>
+                  <a:schemeClr val="accent5"/>
+                </a:solidFill>
+              </a:rPr>
+              <a:t>true</a:t>
+            </a:r>
+            <a:r>
+              <a:rPr lang="en-GB" dirty="0"/>
+              <a:t>) {</a:t>
+            </a:r>
+          </a:p>
+          <a:p>
+            <a:r>
+              <a:rPr lang="en-GB" dirty="0"/>
+              <a:t>          </a:t>
+            </a:r>
+            <a:r>
+              <a:rPr lang="en-GB" dirty="0" err="1"/>
+              <a:t>turnGunRight</a:t>
+            </a:r>
+            <a:r>
+              <a:rPr lang="en-GB" dirty="0"/>
+              <a:t>(5);</a:t>
+            </a:r>
+          </a:p>
+          <a:p>
+            <a:r>
+              <a:rPr lang="en-GB" dirty="0"/>
+              <a:t>          fire(1);</a:t>
+            </a:r>
+          </a:p>
+          <a:p>
+            <a:r>
+              <a:rPr lang="en-GB" dirty="0"/>
+              <a:t>      }</a:t>
+            </a:r>
+          </a:p>
+          <a:p>
+            <a:r>
+              <a:rPr lang="en-GB" dirty="0"/>
+              <a:t>  }</a:t>
+            </a:r>
+          </a:p>
+          <a:p>
+            <a:endParaRPr lang="en-GB" dirty="0"/>
+          </a:p>
+          <a:p>
+            <a:r>
+              <a:rPr lang="en-GB" dirty="0"/>
+              <a:t>  </a:t>
+            </a:r>
+            <a:r>
+              <a:rPr lang="en-GB" dirty="0">
+                <a:solidFill>
+                  <a:schemeClr val="accent5"/>
+                </a:solidFill>
+              </a:rPr>
+              <a:t>public</a:t>
+            </a:r>
+            <a:r>
+              <a:rPr lang="en-GB" dirty="0"/>
+              <a:t> </a:t>
+            </a:r>
+            <a:r>
+              <a:rPr lang="en-GB" dirty="0">
+                <a:solidFill>
+                  <a:schemeClr val="accent5"/>
+                </a:solidFill>
+              </a:rPr>
+              <a:t>void</a:t>
+            </a:r>
+            <a:r>
+              <a:rPr lang="en-GB" dirty="0"/>
+              <a:t> </a:t>
+            </a:r>
+            <a:r>
+              <a:rPr lang="en-GB" dirty="0" err="1"/>
+              <a:t>onHitRobot</a:t>
+            </a:r>
+            <a:r>
+              <a:rPr lang="en-GB" dirty="0"/>
+              <a:t>(</a:t>
+            </a:r>
+            <a:r>
+              <a:rPr lang="en-GB" dirty="0" err="1">
+                <a:solidFill>
+                  <a:schemeClr val="accent6"/>
+                </a:solidFill>
+              </a:rPr>
+              <a:t>HitRobotEvent</a:t>
+            </a:r>
+            <a:r>
+              <a:rPr lang="en-GB" dirty="0"/>
+              <a:t> e) {</a:t>
+            </a:r>
+          </a:p>
+          <a:p>
+            <a:r>
+              <a:rPr lang="en-GB" dirty="0"/>
+              <a:t>      </a:t>
+            </a:r>
+            <a:r>
+              <a:rPr lang="en-GB" dirty="0">
+                <a:solidFill>
+                  <a:schemeClr val="accent5"/>
+                </a:solidFill>
+              </a:rPr>
+              <a:t>double</a:t>
+            </a:r>
+            <a:r>
+              <a:rPr lang="en-GB" dirty="0"/>
+              <a:t> </a:t>
+            </a:r>
+            <a:r>
+              <a:rPr lang="en-GB" dirty="0" err="1"/>
+              <a:t>turnGunAmt</a:t>
+            </a:r>
+            <a:r>
+              <a:rPr lang="en-GB" dirty="0"/>
+              <a:t> =</a:t>
+            </a:r>
+          </a:p>
+          <a:p>
+            <a:r>
+              <a:rPr lang="en-GB" dirty="0"/>
+              <a:t>         </a:t>
+            </a:r>
+            <a:r>
+              <a:rPr lang="en-GB" dirty="0" err="1"/>
+              <a:t>normalRelativeAngleDegrees</a:t>
+            </a:r>
+            <a:r>
+              <a:rPr lang="en-GB" dirty="0"/>
+              <a:t>(</a:t>
+            </a:r>
+            <a:r>
+              <a:rPr lang="en-GB" dirty="0" err="1"/>
+              <a:t>e.getBearing</a:t>
+            </a:r>
+            <a:r>
+              <a:rPr lang="en-GB" dirty="0"/>
+              <a:t>() + </a:t>
+            </a:r>
+            <a:r>
+              <a:rPr lang="en-GB" dirty="0" err="1"/>
+              <a:t>getHeading</a:t>
+            </a:r>
+            <a:r>
+              <a:rPr lang="en-GB" dirty="0"/>
+              <a:t>() - </a:t>
+            </a:r>
+            <a:r>
+              <a:rPr lang="en-GB" dirty="0" err="1"/>
+              <a:t>getGunHeading</a:t>
+            </a:r>
+            <a:r>
+              <a:rPr lang="en-GB" dirty="0"/>
+              <a:t>());</a:t>
+            </a:r>
+          </a:p>
+          <a:p>
+            <a:endParaRPr lang="en-GB" dirty="0"/>
+          </a:p>
+          <a:p>
+            <a:r>
+              <a:rPr lang="en-GB" dirty="0"/>
+              <a:t>      </a:t>
+            </a:r>
+            <a:r>
+              <a:rPr lang="en-GB" dirty="0" err="1"/>
+              <a:t>turnGunRight</a:t>
+            </a:r>
+            <a:r>
+              <a:rPr lang="en-GB" dirty="0"/>
+              <a:t>(</a:t>
+            </a:r>
+            <a:r>
+              <a:rPr lang="en-GB" dirty="0" err="1"/>
+              <a:t>turnGunAmt</a:t>
+            </a:r>
+            <a:r>
+              <a:rPr lang="en-GB" dirty="0"/>
+              <a:t>);</a:t>
+            </a:r>
+          </a:p>
+          <a:p>
+            <a:r>
+              <a:rPr lang="en-GB" dirty="0"/>
+              <a:t>      fire(3);</a:t>
+            </a:r>
+          </a:p>
+          <a:p>
+            <a:r>
+              <a:rPr lang="en-GB" dirty="0"/>
+              <a:t>  }</a:t>
+            </a:r>
+          </a:p>
+          <a:p>
+            <a:r>
+              <a:rPr lang="en-GB" dirty="0"/>
+              <a:t>}</a:t>
+            </a:r>
+            <a:endParaRPr lang="en-GB" dirty="0"/>
+          </a:p>
+        </p:txBody>
+      </p:sp>
+    </p:spTree>
+    <p:extLst>
+      <p:ext uri="{BB962C8B-B14F-4D97-AF65-F5344CB8AC3E}">
+        <p14:creationId xmlns:p14="http://schemas.microsoft.com/office/powerpoint/2010/main" val="4204330987"/>
+      </p:ext>
+    </p:extLst>
+  </p:cSld>
+  <p:clrMapOvr>
+    <a:masterClrMapping/>
+  </p:clrMapOvr>
+</p:sld>
+</file>
+
+<file path=ppt/slides/slide16.xml><?xml version="1.0" encoding="utf-8"?>
+<p:sld xmlns:a="http://schemas.openxmlformats.org/drawingml/2006/main" xmlns:r="http://schemas.openxmlformats.org/officeDocument/2006/relationships" xmlns:p="http://schemas.openxmlformats.org/presentationml/2006/main">
+  <p:cSld>
+    <p:spTree>
+      <p:nvGrpSpPr>
+        <p:cNvPr id="1" name=""/>
+        <p:cNvGrpSpPr/>
+        <p:nvPr/>
+      </p:nvGrpSpPr>
+      <p:grpSpPr>
+        <a:xfrm>
+          <a:off x="0" y="0"/>
+          <a:ext cx="0" cy="0"/>
+          <a:chOff x="0" y="0"/>
+          <a:chExt cx="0" cy="0"/>
+        </a:xfrm>
+      </p:grpSpPr>
+      <p:sp>
+        <p:nvSpPr>
+          <p:cNvPr id="2" name="Title 1"/>
+          <p:cNvSpPr>
+            <a:spLocks noGrp="1"/>
+          </p:cNvSpPr>
+          <p:nvPr>
+            <p:ph type="title"/>
+          </p:nvPr>
+        </p:nvSpPr>
+        <p:spPr>
+          <a:xfrm>
+            <a:off x="1174282" y="365125"/>
+            <a:ext cx="10179518" cy="1325563"/>
+          </a:xfrm>
+        </p:spPr>
+        <p:txBody>
+          <a:bodyPr/>
+          <a:lstStyle/>
+          <a:p>
+            <a:r>
+              <a:rPr lang="en-GB" dirty="0"/>
+              <a:t>Resources</a:t>
+            </a:r>
+          </a:p>
+        </p:txBody>
+      </p:sp>
+      <p:sp>
+        <p:nvSpPr>
+          <p:cNvPr id="3" name="Content Placeholder 2"/>
+          <p:cNvSpPr>
+            <a:spLocks noGrp="1"/>
+          </p:cNvSpPr>
+          <p:nvPr>
+            <p:ph idx="1"/>
+          </p:nvPr>
+        </p:nvSpPr>
+        <p:spPr>
+          <a:xfrm>
+            <a:off x="1174282" y="1825625"/>
+            <a:ext cx="10179518" cy="4351338"/>
+          </a:xfrm>
+        </p:spPr>
+        <p:txBody>
+          <a:bodyPr/>
+          <a:lstStyle/>
+          <a:p>
+            <a:r>
+              <a:rPr lang="en-GB" dirty="0"/>
+              <a:t>Wiki - </a:t>
+            </a:r>
+            <a:r>
+              <a:rPr lang="en-GB" dirty="0">
+                <a:hlinkClick r:id="rId2"/>
+              </a:rPr>
+              <a:t>http://robowiki.net/</a:t>
+            </a:r>
+            <a:endParaRPr lang="en-GB" dirty="0"/>
+          </a:p>
+          <a:p>
+            <a:r>
+              <a:rPr lang="en-GB" dirty="0"/>
+              <a:t>Java Examples - </a:t>
+            </a:r>
+            <a:r>
+              <a:rPr lang="en-GB" dirty="0">
+                <a:hlinkClick r:id="rId3"/>
+              </a:rPr>
+              <a:t>https://github.com/robo-code/robocode/blob/master/robocode.samples/src/main/java/sample/</a:t>
+            </a:r>
+            <a:endParaRPr lang="en-GB" dirty="0"/>
+          </a:p>
+          <a:p>
+            <a:r>
+              <a:rPr lang="en-GB" dirty="0"/>
+              <a:t>C# Examples - </a:t>
+            </a:r>
+            <a:r>
+              <a:rPr lang="en-GB" dirty="0">
+                <a:hlinkClick r:id="rId4"/>
+              </a:rPr>
+              <a:t>https://github.com/robo-code/robocode/blob/master/plugins/dotnet/robocode.dotnet.samples/src/SampleCs</a:t>
+            </a:r>
+            <a:endParaRPr lang="en-GB" dirty="0"/>
+          </a:p>
+          <a:p>
+            <a:endParaRPr lang="en-GB" dirty="0"/>
+          </a:p>
+        </p:txBody>
+      </p:sp>
+      <p:sp>
+        <p:nvSpPr>
+          <p:cNvPr id="5" name="Footer Placeholder 4"/>
+          <p:cNvSpPr>
+            <a:spLocks noGrp="1"/>
+          </p:cNvSpPr>
+          <p:nvPr>
+            <p:ph type="ftr" sz="quarter" idx="11"/>
+          </p:nvPr>
+        </p:nvSpPr>
+        <p:spPr/>
+        <p:txBody>
+          <a:bodyPr/>
+          <a:lstStyle/>
+          <a:p>
+            <a:r>
+              <a:rPr lang="en-GB"/>
+              <a:t>@kev_bite / @YorkCodeDojo</a:t>
+            </a:r>
+            <a:endParaRPr lang="en-GB" dirty="0"/>
+          </a:p>
+        </p:txBody>
+      </p:sp>
+    </p:spTree>
+    <p:extLst>
+      <p:ext uri="{BB962C8B-B14F-4D97-AF65-F5344CB8AC3E}">
+        <p14:creationId xmlns:p14="http://schemas.microsoft.com/office/powerpoint/2010/main" val="2595973926"/>
+      </p:ext>
+    </p:extLst>
+  </p:cSld>
+  <p:clrMapOvr>
+    <a:masterClrMapping/>
+  </p:clrMapOvr>
+</p:sld>
+</file>
+
+<file path=ppt/slides/slide17.xml><?xml version="1.0" encoding="utf-8"?>
+<p:sld xmlns:a="http://schemas.openxmlformats.org/drawingml/2006/main" xmlns:r="http://schemas.openxmlformats.org/officeDocument/2006/relationships" xmlns:p="http://schemas.openxmlformats.org/presentationml/2006/main">
+  <p:cSld>
+    <p:spTree>
+      <p:nvGrpSpPr>
+        <p:cNvPr id="1" name=""/>
+        <p:cNvGrpSpPr/>
+        <p:nvPr/>
+      </p:nvGrpSpPr>
+      <p:grpSpPr>
+        <a:xfrm>
+          <a:off x="0" y="0"/>
+          <a:ext cx="0" cy="0"/>
+          <a:chOff x="0" y="0"/>
+          <a:chExt cx="0" cy="0"/>
+        </a:xfrm>
+      </p:grpSpPr>
+      <p:sp>
+        <p:nvSpPr>
+          <p:cNvPr id="2" name="Title 1"/>
+          <p:cNvSpPr>
+            <a:spLocks noGrp="1"/>
+          </p:cNvSpPr>
+          <p:nvPr>
+            <p:ph type="title"/>
+          </p:nvPr>
+        </p:nvSpPr>
+        <p:spPr>
+          <a:xfrm>
+            <a:off x="1078028" y="365125"/>
+            <a:ext cx="10275772" cy="1325563"/>
+          </a:xfrm>
+        </p:spPr>
+        <p:txBody>
+          <a:bodyPr/>
+          <a:lstStyle/>
+          <a:p>
+            <a:r>
+              <a:rPr lang="en-GB" dirty="0"/>
+              <a:t>Bot Ideas</a:t>
+            </a:r>
+          </a:p>
+        </p:txBody>
+      </p:sp>
+      <p:sp>
+        <p:nvSpPr>
+          <p:cNvPr id="3" name="Content Placeholder 2"/>
+          <p:cNvSpPr>
+            <a:spLocks noGrp="1"/>
+          </p:cNvSpPr>
+          <p:nvPr>
+            <p:ph idx="1"/>
+          </p:nvPr>
+        </p:nvSpPr>
+        <p:spPr>
+          <a:xfrm>
+            <a:off x="1078028" y="1825625"/>
+            <a:ext cx="10275771" cy="4351338"/>
+          </a:xfrm>
+        </p:spPr>
+        <p:txBody>
+          <a:bodyPr/>
+          <a:lstStyle/>
+          <a:p>
+            <a:r>
+              <a:rPr lang="en-GB" dirty="0"/>
+              <a:t>Running and Firing</a:t>
+            </a:r>
+          </a:p>
+          <a:p>
+            <a:r>
+              <a:rPr lang="en-GB" dirty="0"/>
+              <a:t>Scan, Fire then Ram</a:t>
+            </a:r>
+          </a:p>
+          <a:p>
+            <a:r>
+              <a:rPr lang="en-GB" dirty="0"/>
+              <a:t>Spin and Fire</a:t>
+            </a:r>
+          </a:p>
+          <a:p>
+            <a:r>
+              <a:rPr lang="en-GB" dirty="0"/>
+              <a:t>Artificial Intelligence</a:t>
+            </a:r>
+          </a:p>
+          <a:p>
+            <a:r>
+              <a:rPr lang="en-GB" dirty="0"/>
+              <a:t>Machine Learning</a:t>
+            </a:r>
+          </a:p>
+        </p:txBody>
+      </p:sp>
+      <p:sp>
+        <p:nvSpPr>
+          <p:cNvPr id="5" name="Footer Placeholder 4"/>
+          <p:cNvSpPr>
+            <a:spLocks noGrp="1"/>
+          </p:cNvSpPr>
+          <p:nvPr>
+            <p:ph type="ftr" sz="quarter" idx="11"/>
+          </p:nvPr>
+        </p:nvSpPr>
+        <p:spPr/>
+        <p:txBody>
+          <a:bodyPr/>
+          <a:lstStyle/>
+          <a:p>
+            <a:r>
+              <a:rPr lang="en-GB"/>
+              <a:t>@kev_bite / @YorkCodeDojo</a:t>
+            </a:r>
+            <a:endParaRPr lang="en-GB" dirty="0"/>
+          </a:p>
+        </p:txBody>
+      </p:sp>
+    </p:spTree>
+    <p:extLst>
+      <p:ext uri="{BB962C8B-B14F-4D97-AF65-F5344CB8AC3E}">
+        <p14:creationId xmlns:p14="http://schemas.microsoft.com/office/powerpoint/2010/main" val="643095895"/>
+      </p:ext>
+    </p:extLst>
+  </p:cSld>
+  <p:clrMapOvr>
+    <a:masterClrMapping/>
+  </p:clrMapOvr>
+</p:sld>
+</file>
+
+<file path=ppt/slides/slide18.xml><?xml version="1.0" encoding="utf-8"?>
+<p:sld xmlns:a="http://schemas.openxmlformats.org/drawingml/2006/main" xmlns:r="http://schemas.openxmlformats.org/officeDocument/2006/relationships" xmlns:p="http://schemas.openxmlformats.org/presentationml/2006/main">
+  <p:cSld>
+    <p:spTree>
+      <p:nvGrpSpPr>
+        <p:cNvPr id="1" name=""/>
+        <p:cNvGrpSpPr/>
+        <p:nvPr/>
+      </p:nvGrpSpPr>
+      <p:grpSpPr>
+        <a:xfrm>
+          <a:off x="0" y="0"/>
+          <a:ext cx="0" cy="0"/>
+          <a:chOff x="0" y="0"/>
+          <a:chExt cx="0" cy="0"/>
+        </a:xfrm>
+      </p:grpSpPr>
+      <p:sp>
+        <p:nvSpPr>
+          <p:cNvPr id="2" name="Title 1"/>
+          <p:cNvSpPr>
+            <a:spLocks noGrp="1"/>
+          </p:cNvSpPr>
+          <p:nvPr>
+            <p:ph type="title"/>
+          </p:nvPr>
+        </p:nvSpPr>
+        <p:spPr>
+          <a:xfrm>
+            <a:off x="1025124" y="365125"/>
+            <a:ext cx="10515600" cy="1325563"/>
+          </a:xfrm>
+        </p:spPr>
+        <p:txBody>
+          <a:bodyPr/>
+          <a:lstStyle/>
+          <a:p>
+            <a:r>
+              <a:rPr lang="en-GB" dirty="0"/>
+              <a:t>Packing Robot</a:t>
+            </a:r>
+          </a:p>
+        </p:txBody>
+      </p:sp>
+      <p:sp>
+        <p:nvSpPr>
+          <p:cNvPr id="3" name="Content Placeholder 2"/>
+          <p:cNvSpPr>
+            <a:spLocks noGrp="1"/>
+          </p:cNvSpPr>
+          <p:nvPr>
+            <p:ph idx="1"/>
+          </p:nvPr>
+        </p:nvSpPr>
+        <p:spPr>
+          <a:xfrm>
+            <a:off x="1141320" y="1825625"/>
+            <a:ext cx="10515600" cy="4351338"/>
+          </a:xfrm>
+        </p:spPr>
+        <p:txBody>
+          <a:bodyPr/>
+          <a:lstStyle/>
+          <a:p>
+            <a:r>
+              <a:rPr lang="en-GB" dirty="0"/>
+              <a:t>Java - </a:t>
+            </a:r>
+            <a:r>
+              <a:rPr lang="en-GB" dirty="0">
+                <a:hlinkClick r:id="rId2"/>
+              </a:rPr>
+              <a:t>http://robowiki.net/wiki/Robocode/Package_Robot</a:t>
+            </a:r>
+            <a:endParaRPr lang="en-GB" dirty="0"/>
+          </a:p>
+          <a:p>
+            <a:r>
+              <a:rPr lang="en-GB" dirty="0"/>
+              <a:t>.NET – Send </a:t>
+            </a:r>
+            <a:r>
+              <a:rPr lang="en-GB" dirty="0" err="1"/>
+              <a:t>Dlls</a:t>
+            </a:r>
+            <a:endParaRPr lang="en-GB" dirty="0"/>
+          </a:p>
+        </p:txBody>
+      </p:sp>
+      <p:sp>
+        <p:nvSpPr>
+          <p:cNvPr id="5" name="Footer Placeholder 4"/>
+          <p:cNvSpPr>
+            <a:spLocks noGrp="1"/>
+          </p:cNvSpPr>
+          <p:nvPr>
+            <p:ph type="ftr" sz="quarter" idx="11"/>
+          </p:nvPr>
+        </p:nvSpPr>
+        <p:spPr/>
+        <p:txBody>
+          <a:bodyPr/>
+          <a:lstStyle/>
+          <a:p>
+            <a:r>
+              <a:rPr lang="en-GB"/>
+              <a:t>@kev_bite / @YorkCodeDojo</a:t>
+            </a:r>
+            <a:endParaRPr lang="en-GB" dirty="0"/>
+          </a:p>
+        </p:txBody>
+      </p:sp>
+    </p:spTree>
+    <p:extLst>
+      <p:ext uri="{BB962C8B-B14F-4D97-AF65-F5344CB8AC3E}">
+        <p14:creationId xmlns:p14="http://schemas.microsoft.com/office/powerpoint/2010/main" val="446718360"/>
+      </p:ext>
+    </p:extLst>
+  </p:cSld>
+  <p:clrMapOvr>
+    <a:masterClrMapping/>
+  </p:clrMapOvr>
+</p:sld>
+</file>
+
+<file path=ppt/slides/slide19.xml><?xml version="1.0" encoding="utf-8"?>
+<p:sld xmlns:a="http://schemas.openxmlformats.org/drawingml/2006/main" xmlns:r="http://schemas.openxmlformats.org/officeDocument/2006/relationships" xmlns:p="http://schemas.openxmlformats.org/presentationml/2006/main">
+  <p:cSld>
+    <p:spTree>
+      <p:nvGrpSpPr>
+        <p:cNvPr id="1" name=""/>
+        <p:cNvGrpSpPr/>
+        <p:nvPr/>
+      </p:nvGrpSpPr>
+      <p:grpSpPr>
+        <a:xfrm>
+          <a:off x="0" y="0"/>
+          <a:ext cx="0" cy="0"/>
+          <a:chOff x="0" y="0"/>
+          <a:chExt cx="0" cy="0"/>
+        </a:xfrm>
+      </p:grpSpPr>
+      <p:sp>
+        <p:nvSpPr>
+          <p:cNvPr id="2" name="Title 1"/>
+          <p:cNvSpPr>
+            <a:spLocks noGrp="1"/>
+          </p:cNvSpPr>
+          <p:nvPr>
+            <p:ph type="title"/>
+          </p:nvPr>
+        </p:nvSpPr>
+        <p:spPr>
+          <a:xfrm>
             <a:off x="1310184" y="365125"/>
             <a:ext cx="10043615" cy="1325563"/>
           </a:xfrm>
@@ -4578,10 +5869,9 @@
           <a:lstStyle/>
           <a:p>
             <a:r>
-              <a:rPr lang="en-GB" dirty="0" smtClean="0"/>
+              <a:rPr lang="en-GB" dirty="0"/>
               <a:t>Exercises</a:t>
             </a:r>
-            <a:endParaRPr lang="en-GB" dirty="0"/>
           </a:p>
         </p:txBody>
       </p:sp>
@@ -4606,7 +5896,7 @@
           <a:lstStyle/>
           <a:p>
             <a:r>
-              <a:rPr lang="en-GB" dirty="0" smtClean="0"/>
+              <a:rPr lang="en-GB" dirty="0"/>
               <a:t>Pair Up</a:t>
             </a:r>
           </a:p>
@@ -4615,34 +5905,45 @@
           </a:p>
           <a:p>
             <a:r>
-              <a:rPr lang="en-GB" dirty="0" smtClean="0"/>
+              <a:rPr lang="en-GB" dirty="0"/>
               <a:t>Make an Awesome Bot</a:t>
             </a:r>
           </a:p>
           <a:p>
-            <a:endParaRPr lang="en-GB" dirty="0" smtClean="0"/>
-          </a:p>
-          <a:p>
-            <a:r>
-              <a:rPr lang="en-GB" dirty="0" smtClean="0"/>
-              <a:t>Explain Ideas &amp; </a:t>
-            </a:r>
-            <a:r>
-              <a:rPr lang="en-GB" dirty="0"/>
-              <a:t>B</a:t>
-            </a:r>
-            <a:r>
-              <a:rPr lang="en-GB" dirty="0" smtClean="0"/>
-              <a:t>attle</a:t>
-            </a:r>
-          </a:p>
-          <a:p>
-            <a:endParaRPr lang="en-GB" dirty="0" smtClean="0"/>
-          </a:p>
-          <a:p>
-            <a:r>
-              <a:rPr lang="en-GB" dirty="0" smtClean="0"/>
-              <a:t>Pub</a:t>
+            <a:endParaRPr lang="en-GB" dirty="0"/>
+          </a:p>
+          <a:p>
+            <a:r>
+              <a:rPr lang="en-GB" dirty="0"/>
+              <a:t>Explain Ideas &amp; Battle</a:t>
+            </a:r>
+          </a:p>
+          <a:p>
+            <a:pPr marL="0" indent="0">
+              <a:buNone/>
+            </a:pPr>
+            <a:endParaRPr lang="en-GB" dirty="0"/>
+          </a:p>
+        </p:txBody>
+      </p:sp>
+      <p:sp>
+        <p:nvSpPr>
+          <p:cNvPr id="5" name="Footer Placeholder 4"/>
+          <p:cNvSpPr>
+            <a:spLocks noGrp="1"/>
+          </p:cNvSpPr>
+          <p:nvPr>
+            <p:ph type="ftr" sz="quarter" idx="11"/>
+          </p:nvPr>
+        </p:nvSpPr>
+        <p:spPr/>
+        <p:txBody>
+          <a:bodyPr/>
+          <a:lstStyle/>
+          <a:p>
+            <a:r>
+              <a:rPr lang="en-GB"/>
+              <a:t>@kev_bite / @YorkCodeDojo</a:t>
             </a:r>
             <a:endParaRPr lang="en-GB" dirty="0"/>
           </a:p>
@@ -4658,13 +5959,6 @@
   <p:clrMapOvr>
     <a:masterClrMapping/>
   </p:clrMapOvr>
-  <p:timing>
-    <p:tnLst>
-      <p:par>
-        <p:cTn id="1" dur="indefinite" restart="never" nodeType="tmRoot"/>
-      </p:par>
-    </p:tnLst>
-  </p:timing>
 </p:sld>
 </file>
 
@@ -4706,18 +6000,17 @@
           <a:lstStyle/>
           <a:p>
             <a:r>
-              <a:rPr lang="en-GB" dirty="0" smtClean="0"/>
+              <a:rPr lang="en-GB" dirty="0"/>
               <a:t>What’s </a:t>
             </a:r>
             <a:r>
-              <a:rPr lang="en-GB" dirty="0" err="1" smtClean="0"/>
+              <a:rPr lang="en-GB" dirty="0" err="1"/>
               <a:t>Robocode</a:t>
             </a:r>
             <a:r>
-              <a:rPr lang="en-GB" dirty="0" smtClean="0"/>
+              <a:rPr lang="en-GB" dirty="0"/>
               <a:t>?</a:t>
             </a:r>
-            <a:endParaRPr lang="en-GB" dirty="0"/>
           </a:p>
         </p:txBody>
       </p:sp>
@@ -4750,11 +6043,7 @@
             </a:r>
             <a:r>
               <a:rPr lang="en-GB" dirty="0"/>
-              <a:t> is a programming game where the goal is to code a robot battle tank to compete against other robots in a battle arena</a:t>
-            </a:r>
-            <a:r>
-              <a:rPr lang="en-GB" dirty="0" smtClean="0"/>
-              <a:t>.</a:t>
+              <a:t> is a programming game where the goal is to code a robot battle tank to compete against other robots in a battle arena.</a:t>
             </a:r>
           </a:p>
           <a:p>
@@ -4769,11 +6058,29 @@
             </a:pPr>
             <a:r>
               <a:rPr lang="en-GB" dirty="0"/>
-              <a:t>Runs on the Java </a:t>
-            </a:r>
-            <a:r>
-              <a:rPr lang="en-GB" dirty="0" smtClean="0"/>
-              <a:t>Runtime but bots can be developed in Java or any language that is compiled down to IL (C#, F#, VB.NET)</a:t>
+              <a:t>Runs on the Java Runtime but bots can be developed in Java or any language that is compiled down to IL (C#, F#, VB.NET)</a:t>
+            </a:r>
+          </a:p>
+        </p:txBody>
+      </p:sp>
+      <p:sp>
+        <p:nvSpPr>
+          <p:cNvPr id="5" name="Footer Placeholder 4"/>
+          <p:cNvSpPr>
+            <a:spLocks noGrp="1"/>
+          </p:cNvSpPr>
+          <p:nvPr>
+            <p:ph type="ftr" sz="quarter" idx="11"/>
+          </p:nvPr>
+        </p:nvSpPr>
+        <p:spPr/>
+        <p:txBody>
+          <a:bodyPr/>
+          <a:lstStyle/>
+          <a:p>
+            <a:r>
+              <a:rPr lang="en-GB"/>
+              <a:t>@kev_bite / @YorkCodeDojo</a:t>
             </a:r>
             <a:endParaRPr lang="en-GB" dirty="0"/>
           </a:p>
@@ -4789,13 +6096,6 @@
   <p:clrMapOvr>
     <a:masterClrMapping/>
   </p:clrMapOvr>
-  <p:timing>
-    <p:tnLst>
-      <p:par>
-        <p:cTn id="1" dur="indefinite" restart="never" nodeType="tmRoot"/>
-      </p:par>
-    </p:tnLst>
-  </p:timing>
 </p:sld>
 </file>
 
@@ -4837,10 +6137,9 @@
           <a:lstStyle/>
           <a:p>
             <a:r>
-              <a:rPr lang="en-GB" dirty="0" smtClean="0"/>
+              <a:rPr lang="en-GB" dirty="0"/>
               <a:t>What do I need?</a:t>
             </a:r>
-            <a:endParaRPr lang="en-GB" dirty="0"/>
           </a:p>
         </p:txBody>
       </p:sp>
@@ -4865,132 +6164,120 @@
           <a:lstStyle/>
           <a:p>
             <a:r>
-              <a:rPr lang="en-GB" dirty="0" smtClean="0"/>
-              <a:t>Java </a:t>
-            </a:r>
-            <a:r>
-              <a:rPr lang="en-GB" dirty="0"/>
-              <a:t>Standard Edition - </a:t>
+              <a:rPr lang="en-GB" dirty="0"/>
+              <a:t>Java Standard Edition - </a:t>
             </a:r>
             <a:r>
               <a:rPr lang="en-GB" sz="2000" dirty="0">
                 <a:hlinkClick r:id="rId2"/>
               </a:rPr>
-              <a:t>https://java.com/en/download</a:t>
-            </a:r>
-            <a:r>
-              <a:rPr lang="en-GB" sz="2000" dirty="0" smtClean="0">
-                <a:hlinkClick r:id="rId2"/>
-              </a:rPr>
-              <a:t>/</a:t>
-            </a:r>
-            <a:endParaRPr lang="en-GB" sz="2000" dirty="0" smtClean="0"/>
-          </a:p>
-          <a:p>
-            <a:r>
-              <a:rPr lang="en-GB" dirty="0" err="1" smtClean="0"/>
+              <a:t>https://java.com/en/download/</a:t>
+            </a:r>
+            <a:endParaRPr lang="en-GB" sz="2000" dirty="0"/>
+          </a:p>
+          <a:p>
+            <a:r>
+              <a:rPr lang="en-GB" dirty="0" err="1"/>
               <a:t>Robocode</a:t>
             </a:r>
             <a:r>
               <a:rPr lang="en-GB" dirty="0"/>
-              <a:t> </a:t>
-            </a:r>
-            <a:r>
-              <a:rPr lang="en-GB" dirty="0" smtClean="0"/>
-              <a:t>- </a:t>
-            </a:r>
-            <a:r>
-              <a:rPr lang="en-GB" sz="2000" dirty="0" smtClean="0">
-                <a:hlinkClick r:id="rId3"/>
-              </a:rPr>
-              <a:t>https</a:t>
+              <a:t> - </a:t>
             </a:r>
             <a:r>
               <a:rPr lang="en-GB" sz="2000" dirty="0">
                 <a:hlinkClick r:id="rId3"/>
               </a:rPr>
-              <a:t>://</a:t>
-            </a:r>
-            <a:r>
-              <a:rPr lang="en-GB" sz="2000" dirty="0" smtClean="0">
-                <a:hlinkClick r:id="rId3"/>
-              </a:rPr>
-              <a:t>sourceforge.net/projects/robocode/files/robocode/1.9.2.5/</a:t>
-            </a:r>
-            <a:endParaRPr lang="en-GB" sz="2000" dirty="0" smtClean="0"/>
+              <a:t>https://sourceforge.net/projects/robocode/files/robocode/1.9.2.6/</a:t>
+            </a:r>
+            <a:endParaRPr lang="en-GB" sz="2000" dirty="0"/>
           </a:p>
           <a:p>
             <a:pPr lvl="1"/>
             <a:r>
-              <a:rPr lang="en-GB" dirty="0" smtClean="0"/>
-              <a:t>robocode-1.9.2.5-setup.jar</a:t>
+              <a:rPr lang="en-GB" dirty="0"/>
+              <a:t>robocode-1.9.2.6-setup.jar</a:t>
             </a:r>
           </a:p>
           <a:p>
             <a:pPr lvl="1"/>
             <a:r>
-              <a:rPr lang="en-GB" dirty="0" smtClean="0"/>
-              <a:t>robocode.dotnet-1.9.2.5-setup.jar</a:t>
-            </a:r>
-          </a:p>
-          <a:p>
-            <a:endParaRPr lang="en-GB" dirty="0" smtClean="0"/>
-          </a:p>
-          <a:p>
-            <a:r>
-              <a:rPr lang="en-GB" dirty="0" smtClean="0"/>
+              <a:rPr lang="en-GB" dirty="0"/>
+              <a:t>robocode.dotnet-1.9.2.6-setup.jar</a:t>
+            </a:r>
+          </a:p>
+          <a:p>
+            <a:endParaRPr lang="en-GB" dirty="0"/>
+          </a:p>
+          <a:p>
+            <a:r>
+              <a:rPr lang="en-GB" dirty="0"/>
               <a:t>An IDE – Eclipse, NetBeans, Visual Studio </a:t>
             </a:r>
             <a:r>
-              <a:rPr lang="en-GB" dirty="0" err="1" smtClean="0"/>
+              <a:rPr lang="en-GB" dirty="0" err="1"/>
               <a:t>etc</a:t>
             </a:r>
             <a:r>
-              <a:rPr lang="en-GB" dirty="0" smtClean="0"/>
+              <a:rPr lang="en-GB" dirty="0"/>
               <a:t>…</a:t>
             </a:r>
           </a:p>
           <a:p>
             <a:r>
-              <a:rPr lang="en-GB" dirty="0" smtClean="0"/>
-              <a:t>or </a:t>
-            </a:r>
-            <a:r>
-              <a:rPr lang="en-GB" dirty="0"/>
-              <a:t>notepad </a:t>
-            </a:r>
-            <a:r>
-              <a:rPr lang="en-GB" dirty="0" smtClean="0"/>
-              <a:t>&amp; </a:t>
-            </a:r>
-            <a:r>
-              <a:rPr lang="en-GB" dirty="0" err="1" smtClean="0"/>
+              <a:rPr lang="en-GB" dirty="0"/>
+              <a:t>or notepad &amp; </a:t>
+            </a:r>
+            <a:r>
+              <a:rPr lang="en-GB" dirty="0" err="1"/>
               <a:t>javac</a:t>
             </a:r>
             <a:r>
-              <a:rPr lang="en-GB" dirty="0" smtClean="0"/>
+              <a:rPr lang="en-GB" dirty="0"/>
               <a:t>/</a:t>
             </a:r>
             <a:r>
-              <a:rPr lang="en-GB" dirty="0" err="1" smtClean="0"/>
+              <a:rPr lang="en-GB" dirty="0" err="1"/>
               <a:t>csc</a:t>
             </a:r>
-            <a:endParaRPr lang="en-GB" dirty="0" smtClean="0"/>
-          </a:p>
-          <a:p>
-            <a:r>
-              <a:rPr lang="en-GB" dirty="0" smtClean="0"/>
+            <a:endParaRPr lang="en-GB" dirty="0"/>
+          </a:p>
+          <a:p>
+            <a:r>
+              <a:rPr lang="en-GB" dirty="0"/>
               <a:t>or use my VM</a:t>
             </a:r>
-            <a:endParaRPr lang="en-GB" dirty="0" smtClean="0"/>
           </a:p>
           <a:p>
             <a:pPr lvl="1"/>
-            <a:endParaRPr lang="en-GB" dirty="0" smtClean="0"/>
+            <a:endParaRPr lang="en-GB" dirty="0"/>
           </a:p>
           <a:p>
             <a:pPr lvl="1"/>
-            <a:endParaRPr lang="en-GB" dirty="0" smtClean="0"/>
+            <a:endParaRPr lang="en-GB" dirty="0"/>
+          </a:p>
+        </p:txBody>
+      </p:sp>
+      <p:sp>
+        <p:nvSpPr>
+          <p:cNvPr id="5" name="Footer Placeholder 4"/>
+          <p:cNvSpPr>
+            <a:spLocks noGrp="1"/>
+          </p:cNvSpPr>
+          <p:nvPr>
+            <p:ph type="ftr" sz="quarter" idx="11"/>
+          </p:nvPr>
+        </p:nvSpPr>
+        <p:spPr/>
+        <p:txBody>
+          <a:bodyPr/>
+          <a:lstStyle/>
+          <a:p>
+            <a:r>
+              <a:rPr lang="en-GB"/>
+              <a:t>@kev_bite / @YorkCodeDojo</a:t>
+            </a:r>
+            <a:endParaRPr lang="en-GB" dirty="0"/>
           </a:p>
         </p:txBody>
       </p:sp>
@@ -5045,10 +6332,9 @@
           <a:lstStyle/>
           <a:p>
             <a:r>
-              <a:rPr lang="en-GB" dirty="0" smtClean="0"/>
+              <a:rPr lang="en-GB" dirty="0"/>
               <a:t>No JavaScript?!</a:t>
             </a:r>
-            <a:endParaRPr lang="en-GB" dirty="0"/>
           </a:p>
         </p:txBody>
       </p:sp>
@@ -5073,80 +6359,92 @@
           <a:lstStyle/>
           <a:p>
             <a:r>
-              <a:rPr lang="en-GB" dirty="0" err="1" smtClean="0"/>
+              <a:rPr lang="en-GB" dirty="0" err="1"/>
               <a:t>RoboJS</a:t>
             </a:r>
             <a:r>
-              <a:rPr lang="en-GB" dirty="0" smtClean="0"/>
+              <a:rPr lang="en-GB" dirty="0"/>
               <a:t> – </a:t>
             </a:r>
             <a:r>
-              <a:rPr lang="en-GB" dirty="0" err="1" smtClean="0"/>
+              <a:rPr lang="en-GB" dirty="0" err="1"/>
               <a:t>Robocode</a:t>
             </a:r>
             <a:r>
-              <a:rPr lang="en-GB" dirty="0" smtClean="0"/>
+              <a:rPr lang="en-GB" dirty="0"/>
               <a:t> in JavaScript</a:t>
             </a:r>
           </a:p>
           <a:p>
             <a:pPr lvl="1"/>
             <a:r>
-              <a:rPr lang="en-GB" dirty="0" smtClean="0"/>
+              <a:rPr lang="en-GB" dirty="0"/>
               <a:t>Port of </a:t>
             </a:r>
             <a:r>
-              <a:rPr lang="en-GB" dirty="0" err="1" smtClean="0"/>
+              <a:rPr lang="en-GB" dirty="0" err="1"/>
               <a:t>Robocode</a:t>
             </a:r>
-            <a:endParaRPr lang="en-GB" dirty="0" smtClean="0"/>
+            <a:endParaRPr lang="en-GB" dirty="0"/>
           </a:p>
           <a:p>
             <a:pPr lvl="1"/>
             <a:r>
-              <a:rPr lang="en-GB" dirty="0" smtClean="0"/>
+              <a:rPr lang="en-GB" dirty="0"/>
               <a:t>Only runs JavaScript</a:t>
             </a:r>
           </a:p>
           <a:p>
             <a:pPr lvl="1"/>
             <a:r>
-              <a:rPr lang="en-GB" dirty="0" smtClean="0"/>
-              <a:t>Requires hacking </a:t>
-            </a:r>
-            <a:r>
-              <a:rPr lang="en-GB" dirty="0" smtClean="0"/>
-              <a:t>HTML</a:t>
+              <a:rPr lang="en-GB" dirty="0"/>
+              <a:t>Requires hacking HTML</a:t>
             </a:r>
           </a:p>
           <a:p>
             <a:pPr lvl="1"/>
             <a:r>
-              <a:rPr lang="en-GB" dirty="0" smtClean="0"/>
+              <a:rPr lang="en-GB" dirty="0"/>
               <a:t>Can’t play in battle at end</a:t>
             </a:r>
-            <a:endParaRPr lang="en-GB" dirty="0" smtClean="0"/>
           </a:p>
           <a:p>
             <a:pPr lvl="1"/>
-            <a:endParaRPr lang="en-GB" dirty="0" smtClean="0"/>
+            <a:endParaRPr lang="en-GB" dirty="0"/>
           </a:p>
           <a:p>
             <a:r>
               <a:rPr lang="en-GB" dirty="0">
                 <a:hlinkClick r:id="rId2"/>
               </a:rPr>
-              <a:t>http://gumuz.nl/projects/robojs</a:t>
-            </a:r>
-            <a:r>
-              <a:rPr lang="en-GB" dirty="0" smtClean="0">
-                <a:hlinkClick r:id="rId2"/>
-              </a:rPr>
-              <a:t>/</a:t>
-            </a:r>
-            <a:endParaRPr lang="en-GB" dirty="0" smtClean="0"/>
-          </a:p>
-          <a:p>
+              <a:t>http://gumuz.nl/projects/robojs/</a:t>
+            </a:r>
+            <a:endParaRPr lang="en-GB" dirty="0"/>
+          </a:p>
+          <a:p>
+            <a:endParaRPr lang="en-GB" dirty="0"/>
+          </a:p>
+        </p:txBody>
+      </p:sp>
+      <p:sp>
+        <p:nvSpPr>
+          <p:cNvPr id="5" name="Footer Placeholder 4"/>
+          <p:cNvSpPr>
+            <a:spLocks noGrp="1"/>
+          </p:cNvSpPr>
+          <p:nvPr>
+            <p:ph type="ftr" sz="quarter" idx="11"/>
+          </p:nvPr>
+        </p:nvSpPr>
+        <p:spPr/>
+        <p:txBody>
+          <a:bodyPr/>
+          <a:lstStyle/>
+          <a:p>
+            <a:r>
+              <a:rPr lang="en-GB"/>
+              <a:t>@kev_bite / @YorkCodeDojo</a:t>
+            </a:r>
             <a:endParaRPr lang="en-GB" dirty="0"/>
           </a:p>
         </p:txBody>
@@ -5202,10 +6500,9 @@
           <a:lstStyle/>
           <a:p>
             <a:r>
-              <a:rPr lang="en-GB" dirty="0" smtClean="0"/>
+              <a:rPr lang="en-GB" dirty="0"/>
               <a:t>The Arena</a:t>
             </a:r>
-            <a:endParaRPr lang="en-GB" dirty="0"/>
           </a:p>
         </p:txBody>
       </p:sp>
@@ -5248,6 +6545,29 @@
           </a:extLst>
         </p:spPr>
       </p:pic>
+      <p:sp>
+        <p:nvSpPr>
+          <p:cNvPr id="4" name="Footer Placeholder 3"/>
+          <p:cNvSpPr>
+            <a:spLocks noGrp="1"/>
+          </p:cNvSpPr>
+          <p:nvPr>
+            <p:ph type="ftr" sz="quarter" idx="11"/>
+          </p:nvPr>
+        </p:nvSpPr>
+        <p:spPr/>
+        <p:txBody>
+          <a:bodyPr/>
+          <a:lstStyle/>
+          <a:p>
+            <a:r>
+              <a:rPr lang="en-GB"/>
+              <a:t>@kev_bite / @YorkCodeDojo</a:t>
+            </a:r>
+            <a:endParaRPr lang="en-GB" dirty="0"/>
+          </a:p>
+        </p:txBody>
+      </p:sp>
     </p:spTree>
     <p:extLst>
       <p:ext uri="{BB962C8B-B14F-4D97-AF65-F5344CB8AC3E}">
@@ -5396,6 +6716,29 @@
           </a:extLst>
         </p:spPr>
       </p:pic>
+      <p:sp>
+        <p:nvSpPr>
+          <p:cNvPr id="5" name="Footer Placeholder 4"/>
+          <p:cNvSpPr>
+            <a:spLocks noGrp="1"/>
+          </p:cNvSpPr>
+          <p:nvPr>
+            <p:ph type="ftr" sz="quarter" idx="11"/>
+          </p:nvPr>
+        </p:nvSpPr>
+        <p:spPr/>
+        <p:txBody>
+          <a:bodyPr/>
+          <a:lstStyle/>
+          <a:p>
+            <a:r>
+              <a:rPr lang="en-GB"/>
+              <a:t>@kev_bite / @YorkCodeDojo</a:t>
+            </a:r>
+            <a:endParaRPr lang="en-GB" dirty="0"/>
+          </a:p>
+        </p:txBody>
+      </p:sp>
     </p:spTree>
     <p:extLst>
       <p:ext uri="{BB962C8B-B14F-4D97-AF65-F5344CB8AC3E}">
@@ -5426,150 +6769,16 @@
           <a:chExt cx="0" cy="0"/>
         </a:xfrm>
       </p:grpSpPr>
-      <p:sp>
-        <p:nvSpPr>
-          <p:cNvPr id="2" name="Title 1"/>
-          <p:cNvSpPr>
-            <a:spLocks noGrp="1"/>
-          </p:cNvSpPr>
-          <p:nvPr>
-            <p:ph type="title"/>
-          </p:nvPr>
-        </p:nvSpPr>
-        <p:spPr>
-          <a:xfrm>
-            <a:off x="1106904" y="365125"/>
-            <a:ext cx="10246895" cy="1325563"/>
-          </a:xfrm>
-        </p:spPr>
-        <p:txBody>
-          <a:bodyPr/>
-          <a:lstStyle/>
-          <a:p>
-            <a:r>
-              <a:rPr lang="en-GB" dirty="0" smtClean="0"/>
-              <a:t>Scoring</a:t>
-            </a:r>
-            <a:endParaRPr lang="en-GB" dirty="0"/>
-          </a:p>
-        </p:txBody>
-      </p:sp>
-      <p:sp>
-        <p:nvSpPr>
-          <p:cNvPr id="3" name="Content Placeholder 2"/>
-          <p:cNvSpPr>
-            <a:spLocks noGrp="1"/>
-          </p:cNvSpPr>
-          <p:nvPr>
-            <p:ph idx="1"/>
-          </p:nvPr>
-        </p:nvSpPr>
-        <p:spPr>
-          <a:xfrm>
-            <a:off x="1106904" y="1825625"/>
-            <a:ext cx="10246896" cy="4351338"/>
-          </a:xfrm>
-        </p:spPr>
-        <p:txBody>
-          <a:bodyPr/>
-          <a:lstStyle/>
-          <a:p>
-            <a:r>
-              <a:rPr lang="en-GB" dirty="0"/>
-              <a:t>Total </a:t>
-            </a:r>
-            <a:r>
-              <a:rPr lang="en-GB" dirty="0" smtClean="0"/>
-              <a:t>Score</a:t>
-            </a:r>
-          </a:p>
-          <a:p>
-            <a:r>
-              <a:rPr lang="en-GB" dirty="0" smtClean="0"/>
-              <a:t>Survival Score</a:t>
-            </a:r>
-          </a:p>
-          <a:p>
-            <a:r>
-              <a:rPr lang="en-GB" dirty="0" smtClean="0"/>
-              <a:t>Last </a:t>
-            </a:r>
-            <a:r>
-              <a:rPr lang="en-GB" dirty="0"/>
-              <a:t>Survivor </a:t>
-            </a:r>
-            <a:r>
-              <a:rPr lang="en-GB" dirty="0" smtClean="0"/>
-              <a:t>Bonus</a:t>
-            </a:r>
-          </a:p>
-          <a:p>
-            <a:r>
-              <a:rPr lang="en-GB" dirty="0" smtClean="0"/>
-              <a:t>Bullet Damage</a:t>
-            </a:r>
-          </a:p>
-          <a:p>
-            <a:r>
-              <a:rPr lang="en-GB" dirty="0" smtClean="0"/>
-              <a:t>Bullet </a:t>
-            </a:r>
-            <a:r>
-              <a:rPr lang="en-GB" dirty="0"/>
-              <a:t>Damage </a:t>
-            </a:r>
-            <a:r>
-              <a:rPr lang="en-GB" dirty="0" smtClean="0"/>
-              <a:t>Bonus</a:t>
-            </a:r>
-          </a:p>
-          <a:p>
-            <a:r>
-              <a:rPr lang="en-GB" dirty="0" smtClean="0"/>
-              <a:t>Ram Damage</a:t>
-            </a:r>
-          </a:p>
-          <a:p>
-            <a:r>
-              <a:rPr lang="en-GB" dirty="0" smtClean="0"/>
-              <a:t>Ram </a:t>
-            </a:r>
-            <a:r>
-              <a:rPr lang="en-GB" dirty="0"/>
-              <a:t>Damage </a:t>
-            </a:r>
-            <a:r>
-              <a:rPr lang="en-GB" dirty="0" smtClean="0"/>
-              <a:t>Bonus</a:t>
-            </a:r>
-          </a:p>
-          <a:p>
-            <a:r>
-              <a:rPr lang="en-GB" dirty="0" smtClean="0"/>
-              <a:t>1sts</a:t>
-            </a:r>
-            <a:r>
-              <a:rPr lang="en-GB" dirty="0"/>
-              <a:t>, 2nds, </a:t>
-            </a:r>
-            <a:r>
-              <a:rPr lang="en-GB" dirty="0" smtClean="0"/>
-              <a:t>3rds</a:t>
-            </a:r>
-            <a:endParaRPr lang="en-GB" dirty="0"/>
-          </a:p>
-        </p:txBody>
-      </p:sp>
       <p:pic>
         <p:nvPicPr>
-          <p:cNvPr id="6146" name="Picture 2" descr="Shows the battle results for 3 sample robots that have just completed a battle of 10 rounds"/>
+          <p:cNvPr id="1026" name="Picture 2" descr="https://lh5.googleusercontent.com/-3GK5-5ErZpo/AAAAAAAAAAI/AAAAAAAAAFY/-koba5-1MFQ/photo.jpg"/>
           <p:cNvPicPr>
             <a:picLocks noChangeAspect="1" noChangeArrowheads="1"/>
           </p:cNvPicPr>
           <p:nvPr/>
         </p:nvPicPr>
         <p:blipFill>
-          <a:blip r:embed="rId3">
+          <a:blip r:embed="rId2">
             <a:extLst>
               <a:ext uri="{28A0092B-C50C-407E-A947-70E740481C1C}">
                 <a14:useLocalDpi xmlns:a14="http://schemas.microsoft.com/office/drawing/2010/main" val="0"/>
@@ -5582,9 +6791,9 @@
           </a:stretch>
         </p:blipFill>
         <p:spPr bwMode="auto">
-          <a:xfrm>
-            <a:off x="5613099" y="3569050"/>
-            <a:ext cx="6029325" cy="1209676"/>
+          <a:xfrm rot="5400000">
+            <a:off x="1135063" y="2336801"/>
+            <a:ext cx="1728787" cy="1728787"/>
           </a:xfrm>
           <a:prstGeom prst="rect">
             <a:avLst/>
@@ -5601,16 +6810,797 @@
           </a:extLst>
         </p:spPr>
       </p:pic>
+      <p:sp>
+        <p:nvSpPr>
+          <p:cNvPr id="6" name="TextBox 5"/>
+          <p:cNvSpPr txBox="1"/>
+          <p:nvPr/>
+        </p:nvSpPr>
+        <p:spPr>
+          <a:xfrm>
+            <a:off x="1135063" y="4727020"/>
+            <a:ext cx="9954111" cy="830997"/>
+          </a:xfrm>
+          <a:prstGeom prst="rect">
+            <a:avLst/>
+          </a:prstGeom>
+          <a:noFill/>
+        </p:spPr>
+        <p:txBody>
+          <a:bodyPr wrap="square" rtlCol="0">
+            <a:spAutoFit/>
+          </a:bodyPr>
+          <a:lstStyle/>
+          <a:p>
+            <a:pPr algn="ctr"/>
+            <a:r>
+              <a:rPr lang="en-GB" sz="4800" dirty="0"/>
+              <a:t>Forward</a:t>
+            </a:r>
+          </a:p>
+        </p:txBody>
+      </p:sp>
+      <p:sp>
+        <p:nvSpPr>
+          <p:cNvPr id="8" name="TextBox 7"/>
+          <p:cNvSpPr txBox="1"/>
+          <p:nvPr/>
+        </p:nvSpPr>
+        <p:spPr>
+          <a:xfrm>
+            <a:off x="1135062" y="4727020"/>
+            <a:ext cx="9869488" cy="830997"/>
+          </a:xfrm>
+          <a:prstGeom prst="rect">
+            <a:avLst/>
+          </a:prstGeom>
+          <a:noFill/>
+        </p:spPr>
+        <p:txBody>
+          <a:bodyPr wrap="square" rtlCol="0">
+            <a:spAutoFit/>
+          </a:bodyPr>
+          <a:lstStyle/>
+          <a:p>
+            <a:pPr algn="ctr"/>
+            <a:r>
+              <a:rPr lang="en-GB" sz="4800" dirty="0"/>
+              <a:t>Backward</a:t>
+            </a:r>
+          </a:p>
+        </p:txBody>
+      </p:sp>
+      <p:sp>
+        <p:nvSpPr>
+          <p:cNvPr id="9" name="TextBox 8"/>
+          <p:cNvSpPr txBox="1"/>
+          <p:nvPr/>
+        </p:nvSpPr>
+        <p:spPr>
+          <a:xfrm>
+            <a:off x="1135064" y="4727020"/>
+            <a:ext cx="9954110" cy="830997"/>
+          </a:xfrm>
+          <a:prstGeom prst="rect">
+            <a:avLst/>
+          </a:prstGeom>
+          <a:noFill/>
+        </p:spPr>
+        <p:txBody>
+          <a:bodyPr wrap="square" rtlCol="0">
+            <a:spAutoFit/>
+          </a:bodyPr>
+          <a:lstStyle/>
+          <a:p>
+            <a:pPr algn="ctr"/>
+            <a:r>
+              <a:rPr lang="en-GB" sz="4800" dirty="0"/>
+              <a:t>Turn Right</a:t>
+            </a:r>
+          </a:p>
+        </p:txBody>
+      </p:sp>
+      <p:sp>
+        <p:nvSpPr>
+          <p:cNvPr id="10" name="TextBox 9"/>
+          <p:cNvSpPr txBox="1"/>
+          <p:nvPr/>
+        </p:nvSpPr>
+        <p:spPr>
+          <a:xfrm>
+            <a:off x="1135063" y="4727020"/>
+            <a:ext cx="9954111" cy="830997"/>
+          </a:xfrm>
+          <a:prstGeom prst="rect">
+            <a:avLst/>
+          </a:prstGeom>
+          <a:noFill/>
+        </p:spPr>
+        <p:txBody>
+          <a:bodyPr wrap="square" rtlCol="0">
+            <a:spAutoFit/>
+          </a:bodyPr>
+          <a:lstStyle/>
+          <a:p>
+            <a:pPr algn="ctr"/>
+            <a:r>
+              <a:rPr lang="en-GB" sz="4800" dirty="0"/>
+              <a:t>Turn Left</a:t>
+            </a:r>
+          </a:p>
+        </p:txBody>
+      </p:sp>
+      <p:sp>
+        <p:nvSpPr>
+          <p:cNvPr id="7" name="Title 6"/>
+          <p:cNvSpPr>
+            <a:spLocks noGrp="1"/>
+          </p:cNvSpPr>
+          <p:nvPr>
+            <p:ph type="title"/>
+          </p:nvPr>
+        </p:nvSpPr>
+        <p:spPr>
+          <a:xfrm>
+            <a:off x="1054100" y="365125"/>
+            <a:ext cx="10515600" cy="1325563"/>
+          </a:xfrm>
+        </p:spPr>
+        <p:txBody>
+          <a:bodyPr/>
+          <a:lstStyle/>
+          <a:p>
+            <a:r>
+              <a:rPr lang="en-GB" dirty="0"/>
+              <a:t>Movements</a:t>
+            </a:r>
+          </a:p>
+        </p:txBody>
+      </p:sp>
+      <p:sp>
+        <p:nvSpPr>
+          <p:cNvPr id="3" name="Footer Placeholder 2"/>
+          <p:cNvSpPr>
+            <a:spLocks noGrp="1"/>
+          </p:cNvSpPr>
+          <p:nvPr>
+            <p:ph type="ftr" sz="quarter" idx="11"/>
+          </p:nvPr>
+        </p:nvSpPr>
+        <p:spPr/>
+        <p:txBody>
+          <a:bodyPr/>
+          <a:lstStyle/>
+          <a:p>
+            <a:r>
+              <a:rPr lang="en-GB"/>
+              <a:t>@kev_bite / @YorkCodeDojo</a:t>
+            </a:r>
+            <a:endParaRPr lang="en-GB" dirty="0"/>
+          </a:p>
+        </p:txBody>
+      </p:sp>
     </p:spTree>
     <p:extLst>
       <p:ext uri="{BB962C8B-B14F-4D97-AF65-F5344CB8AC3E}">
-        <p14:creationId xmlns:p14="http://schemas.microsoft.com/office/powerpoint/2010/main" val="2946231848"/>
+        <p14:creationId xmlns:p14="http://schemas.microsoft.com/office/powerpoint/2010/main" val="1696721120"/>
       </p:ext>
     </p:extLst>
   </p:cSld>
   <p:clrMapOvr>
     <a:masterClrMapping/>
   </p:clrMapOvr>
+  <p:timing>
+    <p:tnLst>
+      <p:par>
+        <p:cTn id="1" dur="indefinite" restart="never" nodeType="tmRoot">
+          <p:childTnLst>
+            <p:seq concurrent="1" nextAc="seek">
+              <p:cTn id="2" dur="indefinite" nodeType="mainSeq">
+                <p:childTnLst>
+                  <p:par>
+                    <p:cTn id="3" fill="hold">
+                      <p:stCondLst>
+                        <p:cond delay="indefinite"/>
+                      </p:stCondLst>
+                      <p:childTnLst>
+                        <p:par>
+                          <p:cTn id="4" fill="hold">
+                            <p:stCondLst>
+                              <p:cond delay="0"/>
+                            </p:stCondLst>
+                            <p:childTnLst>
+                              <p:par>
+                                <p:cTn id="5" presetID="10" presetClass="entr" presetSubtype="0" fill="hold" grpId="0" nodeType="clickEffect">
+                                  <p:stCondLst>
+                                    <p:cond delay="0"/>
+                                  </p:stCondLst>
+                                  <p:childTnLst>
+                                    <p:set>
+                                      <p:cBhvr>
+                                        <p:cTn id="6" dur="1" fill="hold">
+                                          <p:stCondLst>
+                                            <p:cond delay="0"/>
+                                          </p:stCondLst>
+                                        </p:cTn>
+                                        <p:tgtEl>
+                                          <p:spTgt spid="6"/>
+                                        </p:tgtEl>
+                                        <p:attrNameLst>
+                                          <p:attrName>style.visibility</p:attrName>
+                                        </p:attrNameLst>
+                                      </p:cBhvr>
+                                      <p:to>
+                                        <p:strVal val="visible"/>
+                                      </p:to>
+                                    </p:set>
+                                    <p:animEffect transition="in" filter="fade">
+                                      <p:cBhvr>
+                                        <p:cTn id="7" dur="500"/>
+                                        <p:tgtEl>
+                                          <p:spTgt spid="6"/>
+                                        </p:tgtEl>
+                                      </p:cBhvr>
+                                    </p:animEffect>
+                                  </p:childTnLst>
+                                </p:cTn>
+                              </p:par>
+                              <p:par>
+                                <p:cTn id="8" presetID="42" presetClass="path" presetSubtype="0" accel="50000" decel="50000" fill="hold" nodeType="withEffect">
+                                  <p:stCondLst>
+                                    <p:cond delay="0"/>
+                                  </p:stCondLst>
+                                  <p:childTnLst>
+                                    <p:animMotion origin="layout" path="M -2.29167E-6 3.33333E-6 L 0.72357 -0.00556 " pathEditMode="relative" rAng="0" ptsTypes="AA">
+                                      <p:cBhvr>
+                                        <p:cTn id="9" dur="5000" fill="hold"/>
+                                        <p:tgtEl>
+                                          <p:spTgt spid="1026"/>
+                                        </p:tgtEl>
+                                        <p:attrNameLst>
+                                          <p:attrName>ppt_x</p:attrName>
+                                          <p:attrName>ppt_y</p:attrName>
+                                        </p:attrNameLst>
+                                      </p:cBhvr>
+                                      <p:rCtr x="36172" y="-278"/>
+                                    </p:animMotion>
+                                  </p:childTnLst>
+                                </p:cTn>
+                              </p:par>
+                            </p:childTnLst>
+                          </p:cTn>
+                        </p:par>
+                        <p:par>
+                          <p:cTn id="10" fill="hold">
+                            <p:stCondLst>
+                              <p:cond delay="5000"/>
+                            </p:stCondLst>
+                            <p:childTnLst>
+                              <p:par>
+                                <p:cTn id="11" presetID="10" presetClass="exit" presetSubtype="0" fill="hold" grpId="1" nodeType="afterEffect">
+                                  <p:stCondLst>
+                                    <p:cond delay="0"/>
+                                  </p:stCondLst>
+                                  <p:childTnLst>
+                                    <p:animEffect transition="out" filter="fade">
+                                      <p:cBhvr>
+                                        <p:cTn id="12" dur="500"/>
+                                        <p:tgtEl>
+                                          <p:spTgt spid="6"/>
+                                        </p:tgtEl>
+                                      </p:cBhvr>
+                                    </p:animEffect>
+                                    <p:set>
+                                      <p:cBhvr>
+                                        <p:cTn id="13" dur="1" fill="hold">
+                                          <p:stCondLst>
+                                            <p:cond delay="499"/>
+                                          </p:stCondLst>
+                                        </p:cTn>
+                                        <p:tgtEl>
+                                          <p:spTgt spid="6"/>
+                                        </p:tgtEl>
+                                        <p:attrNameLst>
+                                          <p:attrName>style.visibility</p:attrName>
+                                        </p:attrNameLst>
+                                      </p:cBhvr>
+                                      <p:to>
+                                        <p:strVal val="hidden"/>
+                                      </p:to>
+                                    </p:set>
+                                  </p:childTnLst>
+                                </p:cTn>
+                              </p:par>
+                            </p:childTnLst>
+                          </p:cTn>
+                        </p:par>
+                      </p:childTnLst>
+                    </p:cTn>
+                  </p:par>
+                  <p:par>
+                    <p:cTn id="14" fill="hold">
+                      <p:stCondLst>
+                        <p:cond delay="indefinite"/>
+                      </p:stCondLst>
+                      <p:childTnLst>
+                        <p:par>
+                          <p:cTn id="15" fill="hold">
+                            <p:stCondLst>
+                              <p:cond delay="0"/>
+                            </p:stCondLst>
+                            <p:childTnLst>
+                              <p:par>
+                                <p:cTn id="16" presetID="10" presetClass="entr" presetSubtype="0" fill="hold" grpId="1" nodeType="clickEffect">
+                                  <p:stCondLst>
+                                    <p:cond delay="0"/>
+                                  </p:stCondLst>
+                                  <p:childTnLst>
+                                    <p:set>
+                                      <p:cBhvr>
+                                        <p:cTn id="17" dur="1" fill="hold">
+                                          <p:stCondLst>
+                                            <p:cond delay="0"/>
+                                          </p:stCondLst>
+                                        </p:cTn>
+                                        <p:tgtEl>
+                                          <p:spTgt spid="8"/>
+                                        </p:tgtEl>
+                                        <p:attrNameLst>
+                                          <p:attrName>style.visibility</p:attrName>
+                                        </p:attrNameLst>
+                                      </p:cBhvr>
+                                      <p:to>
+                                        <p:strVal val="visible"/>
+                                      </p:to>
+                                    </p:set>
+                                    <p:animEffect transition="in" filter="fade">
+                                      <p:cBhvr>
+                                        <p:cTn id="18" dur="500"/>
+                                        <p:tgtEl>
+                                          <p:spTgt spid="8"/>
+                                        </p:tgtEl>
+                                      </p:cBhvr>
+                                    </p:animEffect>
+                                  </p:childTnLst>
+                                </p:cTn>
+                              </p:par>
+                              <p:par>
+                                <p:cTn id="19" presetID="42" presetClass="path" presetSubtype="0" accel="50000" decel="50000" fill="hold" nodeType="withEffect">
+                                  <p:stCondLst>
+                                    <p:cond delay="0"/>
+                                  </p:stCondLst>
+                                  <p:childTnLst>
+                                    <p:animMotion origin="layout" path="M 0.72357 -0.00556 L 0.35482 -0.00186 " pathEditMode="relative" rAng="0" ptsTypes="AA">
+                                      <p:cBhvr>
+                                        <p:cTn id="20" dur="3000" fill="hold"/>
+                                        <p:tgtEl>
+                                          <p:spTgt spid="1026"/>
+                                        </p:tgtEl>
+                                        <p:attrNameLst>
+                                          <p:attrName>ppt_x</p:attrName>
+                                          <p:attrName>ppt_y</p:attrName>
+                                        </p:attrNameLst>
+                                      </p:cBhvr>
+                                      <p:rCtr x="-18438" y="185"/>
+                                    </p:animMotion>
+                                  </p:childTnLst>
+                                </p:cTn>
+                              </p:par>
+                            </p:childTnLst>
+                          </p:cTn>
+                        </p:par>
+                        <p:par>
+                          <p:cTn id="21" fill="hold">
+                            <p:stCondLst>
+                              <p:cond delay="3000"/>
+                            </p:stCondLst>
+                            <p:childTnLst>
+                              <p:par>
+                                <p:cTn id="22" presetID="10" presetClass="exit" presetSubtype="0" fill="hold" grpId="0" nodeType="afterEffect">
+                                  <p:stCondLst>
+                                    <p:cond delay="0"/>
+                                  </p:stCondLst>
+                                  <p:childTnLst>
+                                    <p:animEffect transition="out" filter="fade">
+                                      <p:cBhvr>
+                                        <p:cTn id="23" dur="500"/>
+                                        <p:tgtEl>
+                                          <p:spTgt spid="8"/>
+                                        </p:tgtEl>
+                                      </p:cBhvr>
+                                    </p:animEffect>
+                                    <p:set>
+                                      <p:cBhvr>
+                                        <p:cTn id="24" dur="1" fill="hold">
+                                          <p:stCondLst>
+                                            <p:cond delay="499"/>
+                                          </p:stCondLst>
+                                        </p:cTn>
+                                        <p:tgtEl>
+                                          <p:spTgt spid="8"/>
+                                        </p:tgtEl>
+                                        <p:attrNameLst>
+                                          <p:attrName>style.visibility</p:attrName>
+                                        </p:attrNameLst>
+                                      </p:cBhvr>
+                                      <p:to>
+                                        <p:strVal val="hidden"/>
+                                      </p:to>
+                                    </p:set>
+                                  </p:childTnLst>
+                                </p:cTn>
+                              </p:par>
+                            </p:childTnLst>
+                          </p:cTn>
+                        </p:par>
+                      </p:childTnLst>
+                    </p:cTn>
+                  </p:par>
+                  <p:par>
+                    <p:cTn id="25" fill="hold">
+                      <p:stCondLst>
+                        <p:cond delay="indefinite"/>
+                      </p:stCondLst>
+                      <p:childTnLst>
+                        <p:par>
+                          <p:cTn id="26" fill="hold">
+                            <p:stCondLst>
+                              <p:cond delay="0"/>
+                            </p:stCondLst>
+                            <p:childTnLst>
+                              <p:par>
+                                <p:cTn id="27" presetID="10" presetClass="entr" presetSubtype="0" fill="hold" grpId="1" nodeType="clickEffect">
+                                  <p:stCondLst>
+                                    <p:cond delay="0"/>
+                                  </p:stCondLst>
+                                  <p:childTnLst>
+                                    <p:set>
+                                      <p:cBhvr>
+                                        <p:cTn id="28" dur="1" fill="hold">
+                                          <p:stCondLst>
+                                            <p:cond delay="0"/>
+                                          </p:stCondLst>
+                                        </p:cTn>
+                                        <p:tgtEl>
+                                          <p:spTgt spid="9"/>
+                                        </p:tgtEl>
+                                        <p:attrNameLst>
+                                          <p:attrName>style.visibility</p:attrName>
+                                        </p:attrNameLst>
+                                      </p:cBhvr>
+                                      <p:to>
+                                        <p:strVal val="visible"/>
+                                      </p:to>
+                                    </p:set>
+                                    <p:animEffect transition="in" filter="fade">
+                                      <p:cBhvr>
+                                        <p:cTn id="29" dur="500"/>
+                                        <p:tgtEl>
+                                          <p:spTgt spid="9"/>
+                                        </p:tgtEl>
+                                      </p:cBhvr>
+                                    </p:animEffect>
+                                  </p:childTnLst>
+                                </p:cTn>
+                              </p:par>
+                              <p:par>
+                                <p:cTn id="30" presetID="8" presetClass="emph" presetSubtype="0" fill="hold" nodeType="withEffect">
+                                  <p:stCondLst>
+                                    <p:cond delay="0"/>
+                                  </p:stCondLst>
+                                  <p:childTnLst>
+                                    <p:animRot by="43200000">
+                                      <p:cBhvr>
+                                        <p:cTn id="31" dur="5000" fill="hold"/>
+                                        <p:tgtEl>
+                                          <p:spTgt spid="1026"/>
+                                        </p:tgtEl>
+                                        <p:attrNameLst>
+                                          <p:attrName>r</p:attrName>
+                                        </p:attrNameLst>
+                                      </p:cBhvr>
+                                    </p:animRot>
+                                  </p:childTnLst>
+                                </p:cTn>
+                              </p:par>
+                            </p:childTnLst>
+                          </p:cTn>
+                        </p:par>
+                        <p:par>
+                          <p:cTn id="32" fill="hold">
+                            <p:stCondLst>
+                              <p:cond delay="5000"/>
+                            </p:stCondLst>
+                            <p:childTnLst>
+                              <p:par>
+                                <p:cTn id="33" presetID="10" presetClass="exit" presetSubtype="0" fill="hold" grpId="0" nodeType="afterEffect">
+                                  <p:stCondLst>
+                                    <p:cond delay="0"/>
+                                  </p:stCondLst>
+                                  <p:childTnLst>
+                                    <p:animEffect transition="out" filter="fade">
+                                      <p:cBhvr>
+                                        <p:cTn id="34" dur="500"/>
+                                        <p:tgtEl>
+                                          <p:spTgt spid="9"/>
+                                        </p:tgtEl>
+                                      </p:cBhvr>
+                                    </p:animEffect>
+                                    <p:set>
+                                      <p:cBhvr>
+                                        <p:cTn id="35" dur="1" fill="hold">
+                                          <p:stCondLst>
+                                            <p:cond delay="499"/>
+                                          </p:stCondLst>
+                                        </p:cTn>
+                                        <p:tgtEl>
+                                          <p:spTgt spid="9"/>
+                                        </p:tgtEl>
+                                        <p:attrNameLst>
+                                          <p:attrName>style.visibility</p:attrName>
+                                        </p:attrNameLst>
+                                      </p:cBhvr>
+                                      <p:to>
+                                        <p:strVal val="hidden"/>
+                                      </p:to>
+                                    </p:set>
+                                  </p:childTnLst>
+                                </p:cTn>
+                              </p:par>
+                            </p:childTnLst>
+                          </p:cTn>
+                        </p:par>
+                      </p:childTnLst>
+                    </p:cTn>
+                  </p:par>
+                  <p:par>
+                    <p:cTn id="36" fill="hold">
+                      <p:stCondLst>
+                        <p:cond delay="indefinite"/>
+                      </p:stCondLst>
+                      <p:childTnLst>
+                        <p:par>
+                          <p:cTn id="37" fill="hold">
+                            <p:stCondLst>
+                              <p:cond delay="0"/>
+                            </p:stCondLst>
+                            <p:childTnLst>
+                              <p:par>
+                                <p:cTn id="38" presetID="10" presetClass="entr" presetSubtype="0" fill="hold" grpId="0" nodeType="clickEffect">
+                                  <p:stCondLst>
+                                    <p:cond delay="0"/>
+                                  </p:stCondLst>
+                                  <p:childTnLst>
+                                    <p:set>
+                                      <p:cBhvr>
+                                        <p:cTn id="39" dur="1" fill="hold">
+                                          <p:stCondLst>
+                                            <p:cond delay="0"/>
+                                          </p:stCondLst>
+                                        </p:cTn>
+                                        <p:tgtEl>
+                                          <p:spTgt spid="10"/>
+                                        </p:tgtEl>
+                                        <p:attrNameLst>
+                                          <p:attrName>style.visibility</p:attrName>
+                                        </p:attrNameLst>
+                                      </p:cBhvr>
+                                      <p:to>
+                                        <p:strVal val="visible"/>
+                                      </p:to>
+                                    </p:set>
+                                    <p:animEffect transition="in" filter="fade">
+                                      <p:cBhvr>
+                                        <p:cTn id="40" dur="500"/>
+                                        <p:tgtEl>
+                                          <p:spTgt spid="10"/>
+                                        </p:tgtEl>
+                                      </p:cBhvr>
+                                    </p:animEffect>
+                                  </p:childTnLst>
+                                </p:cTn>
+                              </p:par>
+                              <p:par>
+                                <p:cTn id="41" presetID="8" presetClass="emph" presetSubtype="0" fill="hold" nodeType="withEffect">
+                                  <p:stCondLst>
+                                    <p:cond delay="0"/>
+                                  </p:stCondLst>
+                                  <p:childTnLst>
+                                    <p:animRot by="-43200000">
+                                      <p:cBhvr>
+                                        <p:cTn id="42" dur="5000" fill="hold"/>
+                                        <p:tgtEl>
+                                          <p:spTgt spid="1026"/>
+                                        </p:tgtEl>
+                                        <p:attrNameLst>
+                                          <p:attrName>r</p:attrName>
+                                        </p:attrNameLst>
+                                      </p:cBhvr>
+                                    </p:animRot>
+                                  </p:childTnLst>
+                                </p:cTn>
+                              </p:par>
+                            </p:childTnLst>
+                          </p:cTn>
+                        </p:par>
+                        <p:par>
+                          <p:cTn id="43" fill="hold">
+                            <p:stCondLst>
+                              <p:cond delay="5000"/>
+                            </p:stCondLst>
+                            <p:childTnLst>
+                              <p:par>
+                                <p:cTn id="44" presetID="10" presetClass="exit" presetSubtype="0" fill="hold" grpId="1" nodeType="afterEffect">
+                                  <p:stCondLst>
+                                    <p:cond delay="0"/>
+                                  </p:stCondLst>
+                                  <p:childTnLst>
+                                    <p:animEffect transition="out" filter="fade">
+                                      <p:cBhvr>
+                                        <p:cTn id="45" dur="500"/>
+                                        <p:tgtEl>
+                                          <p:spTgt spid="10"/>
+                                        </p:tgtEl>
+                                      </p:cBhvr>
+                                    </p:animEffect>
+                                    <p:set>
+                                      <p:cBhvr>
+                                        <p:cTn id="46" dur="1" fill="hold">
+                                          <p:stCondLst>
+                                            <p:cond delay="499"/>
+                                          </p:stCondLst>
+                                        </p:cTn>
+                                        <p:tgtEl>
+                                          <p:spTgt spid="10"/>
+                                        </p:tgtEl>
+                                        <p:attrNameLst>
+                                          <p:attrName>style.visibility</p:attrName>
+                                        </p:attrNameLst>
+                                      </p:cBhvr>
+                                      <p:to>
+                                        <p:strVal val="hidden"/>
+                                      </p:to>
+                                    </p:set>
+                                  </p:childTnLst>
+                                </p:cTn>
+                              </p:par>
+                            </p:childTnLst>
+                          </p:cTn>
+                        </p:par>
+                      </p:childTnLst>
+                    </p:cTn>
+                  </p:par>
+                  <p:par>
+                    <p:cTn id="47" fill="hold">
+                      <p:stCondLst>
+                        <p:cond delay="indefinite"/>
+                      </p:stCondLst>
+                      <p:childTnLst>
+                        <p:par>
+                          <p:cTn id="48" fill="hold">
+                            <p:stCondLst>
+                              <p:cond delay="0"/>
+                            </p:stCondLst>
+                            <p:childTnLst>
+                              <p:par>
+                                <p:cTn id="49" presetID="63" presetClass="path" presetSubtype="0" accel="50000" decel="50000" fill="hold" nodeType="clickEffect">
+                                  <p:stCondLst>
+                                    <p:cond delay="0"/>
+                                  </p:stCondLst>
+                                  <p:childTnLst>
+                                    <p:animMotion origin="layout" path="M 0.35482 -0.00186 L 0.5974 -0.0044 " pathEditMode="relative" rAng="0" ptsTypes="AA">
+                                      <p:cBhvr>
+                                        <p:cTn id="50" dur="2000" fill="hold"/>
+                                        <p:tgtEl>
+                                          <p:spTgt spid="1026"/>
+                                        </p:tgtEl>
+                                        <p:attrNameLst>
+                                          <p:attrName>ppt_x</p:attrName>
+                                          <p:attrName>ppt_y</p:attrName>
+                                        </p:attrNameLst>
+                                      </p:cBhvr>
+                                      <p:rCtr x="12044" y="-139"/>
+                                    </p:animMotion>
+                                  </p:childTnLst>
+                                </p:cTn>
+                              </p:par>
+                            </p:childTnLst>
+                          </p:cTn>
+                        </p:par>
+                        <p:par>
+                          <p:cTn id="51" fill="hold">
+                            <p:stCondLst>
+                              <p:cond delay="2000"/>
+                            </p:stCondLst>
+                            <p:childTnLst>
+                              <p:par>
+                                <p:cTn id="52" presetID="8" presetClass="emph" presetSubtype="0" fill="hold" nodeType="afterEffect">
+                                  <p:stCondLst>
+                                    <p:cond delay="0"/>
+                                  </p:stCondLst>
+                                  <p:childTnLst>
+                                    <p:animRot by="-2700000">
+                                      <p:cBhvr>
+                                        <p:cTn id="53" dur="500" fill="hold"/>
+                                        <p:tgtEl>
+                                          <p:spTgt spid="1026"/>
+                                        </p:tgtEl>
+                                        <p:attrNameLst>
+                                          <p:attrName>r</p:attrName>
+                                        </p:attrNameLst>
+                                      </p:cBhvr>
+                                    </p:animRot>
+                                  </p:childTnLst>
+                                </p:cTn>
+                              </p:par>
+                            </p:childTnLst>
+                          </p:cTn>
+                        </p:par>
+                        <p:par>
+                          <p:cTn id="54" fill="hold">
+                            <p:stCondLst>
+                              <p:cond delay="2500"/>
+                            </p:stCondLst>
+                            <p:childTnLst>
+                              <p:par>
+                                <p:cTn id="55" presetID="0" presetClass="path" presetSubtype="0" accel="50000" decel="50000" fill="hold" nodeType="afterEffect">
+                                  <p:stCondLst>
+                                    <p:cond delay="0"/>
+                                  </p:stCondLst>
+                                  <p:childTnLst>
+                                    <p:animMotion origin="layout" path="M 0.5974 -0.00417 L 0.95899 -0.58241 L 0.96237 -0.57408 " pathEditMode="relative" ptsTypes="AAA">
+                                      <p:cBhvr>
+                                        <p:cTn id="56" dur="2000" fill="hold"/>
+                                        <p:tgtEl>
+                                          <p:spTgt spid="1026"/>
+                                        </p:tgtEl>
+                                        <p:attrNameLst>
+                                          <p:attrName>ppt_x</p:attrName>
+                                          <p:attrName>ppt_y</p:attrName>
+                                        </p:attrNameLst>
+                                      </p:cBhvr>
+                                    </p:animMotion>
+                                  </p:childTnLst>
+                                </p:cTn>
+                              </p:par>
+                            </p:childTnLst>
+                          </p:cTn>
+                        </p:par>
+                      </p:childTnLst>
+                    </p:cTn>
+                  </p:par>
+                </p:childTnLst>
+              </p:cTn>
+              <p:prevCondLst>
+                <p:cond evt="onPrev" delay="0">
+                  <p:tgtEl>
+                    <p:sldTgt/>
+                  </p:tgtEl>
+                </p:cond>
+              </p:prevCondLst>
+              <p:nextCondLst>
+                <p:cond evt="onNext" delay="0">
+                  <p:tgtEl>
+                    <p:sldTgt/>
+                  </p:tgtEl>
+                </p:cond>
+              </p:nextCondLst>
+            </p:seq>
+          </p:childTnLst>
+        </p:cTn>
+      </p:par>
+    </p:tnLst>
+    <p:bldLst>
+      <p:bldP spid="6" grpId="0"/>
+      <p:bldP spid="6" grpId="1"/>
+      <p:bldP spid="8" grpId="0"/>
+      <p:bldP spid="8" grpId="1"/>
+      <p:bldP spid="9" grpId="0"/>
+      <p:bldP spid="9" grpId="1"/>
+      <p:bldP spid="10" grpId="0"/>
+      <p:bldP spid="10" grpId="1"/>
+    </p:bldLst>
+  </p:timing>
 </p:sld>
 </file>
 
@@ -5643,8 +7633,8 @@
         </p:nvSpPr>
         <p:spPr>
           <a:xfrm>
-            <a:off x="1241658" y="365125"/>
-            <a:ext cx="10112141" cy="1325563"/>
+            <a:off x="1162050" y="365125"/>
+            <a:ext cx="10515600" cy="1325563"/>
           </a:xfrm>
         </p:spPr>
         <p:txBody>
@@ -5652,183 +7642,453 @@
           <a:lstStyle/>
           <a:p>
             <a:r>
-              <a:rPr lang="en-GB" dirty="0" smtClean="0"/>
-              <a:t>Show me some code</a:t>
-            </a:r>
-            <a:endParaRPr lang="en-GB" dirty="0"/>
-          </a:p>
-        </p:txBody>
-      </p:sp>
-      <p:sp>
-        <p:nvSpPr>
-          <p:cNvPr id="3" name="Content Placeholder 2"/>
-          <p:cNvSpPr>
-            <a:spLocks noGrp="1"/>
-          </p:cNvSpPr>
-          <p:nvPr>
-            <p:ph idx="1"/>
-          </p:nvPr>
+              <a:rPr lang="en-GB" dirty="0"/>
+              <a:t>Attacking</a:t>
+            </a:r>
+          </a:p>
+        </p:txBody>
+      </p:sp>
+      <p:sp>
+        <p:nvSpPr>
+          <p:cNvPr id="5" name="TextBox 4"/>
+          <p:cNvSpPr txBox="1"/>
+          <p:nvPr/>
         </p:nvSpPr>
         <p:spPr>
           <a:xfrm>
-            <a:off x="1241657" y="1151857"/>
-            <a:ext cx="10112142" cy="4351338"/>
-          </a:xfrm>
-        </p:spPr>
+            <a:off x="1223963" y="4758162"/>
+            <a:ext cx="9954111" cy="830997"/>
+          </a:xfrm>
+          <a:prstGeom prst="rect">
+            <a:avLst/>
+          </a:prstGeom>
+          <a:noFill/>
+        </p:spPr>
+        <p:txBody>
+          <a:bodyPr wrap="square" rtlCol="0">
+            <a:spAutoFit/>
+          </a:bodyPr>
+          <a:lstStyle/>
+          <a:p>
+            <a:pPr algn="ctr"/>
+            <a:r>
+              <a:rPr lang="en-GB" sz="4800" dirty="0"/>
+              <a:t>Turn Radar Right</a:t>
+            </a:r>
+          </a:p>
+        </p:txBody>
+      </p:sp>
+      <p:pic>
+        <p:nvPicPr>
+          <p:cNvPr id="6" name="Picture 5"/>
+          <p:cNvPicPr>
+            <a:picLocks noChangeAspect="1"/>
+          </p:cNvPicPr>
+          <p:nvPr/>
+        </p:nvPicPr>
+        <p:blipFill>
+          <a:blip r:embed="rId2"/>
+          <a:stretch>
+            <a:fillRect/>
+          </a:stretch>
+        </p:blipFill>
+        <p:spPr>
+          <a:xfrm>
+            <a:off x="5603832" y="2492972"/>
+            <a:ext cx="1619333" cy="1619333"/>
+          </a:xfrm>
+          <a:prstGeom prst="rect">
+            <a:avLst/>
+          </a:prstGeom>
+        </p:spPr>
+      </p:pic>
+      <p:pic>
+        <p:nvPicPr>
+          <p:cNvPr id="7" name="Picture 6"/>
+          <p:cNvPicPr>
+            <a:picLocks noChangeAspect="1"/>
+          </p:cNvPicPr>
+          <p:nvPr/>
+        </p:nvPicPr>
+        <p:blipFill rotWithShape="1">
+          <a:blip r:embed="rId3"/>
+          <a:srcRect l="-9902" t="-1664" r="-10258" b="-18498"/>
+          <a:stretch/>
+        </p:blipFill>
+        <p:spPr>
+          <a:xfrm>
+            <a:off x="5449824" y="2674925"/>
+            <a:ext cx="1945843" cy="1945843"/>
+          </a:xfrm>
+          <a:prstGeom prst="rect">
+            <a:avLst/>
+          </a:prstGeom>
+        </p:spPr>
+      </p:pic>
+      <p:sp>
+        <p:nvSpPr>
+          <p:cNvPr id="9" name="Isosceles Triangle 8"/>
+          <p:cNvSpPr/>
+          <p:nvPr/>
+        </p:nvSpPr>
+        <p:spPr>
+          <a:xfrm rot="10800000">
+            <a:off x="4970771" y="1144311"/>
+            <a:ext cx="2920018" cy="2652266"/>
+          </a:xfrm>
+          <a:prstGeom prst="triangle">
+            <a:avLst/>
+          </a:prstGeom>
+          <a:solidFill>
+            <a:srgbClr val="CCECFF">
+              <a:alpha val="50196"/>
+            </a:srgbClr>
+          </a:solidFill>
+          <a:ln>
+            <a:noFill/>
+          </a:ln>
+          <a:effectLst>
+            <a:softEdge rad="63500"/>
+          </a:effectLst>
+        </p:spPr>
+        <p:style>
+          <a:lnRef idx="2">
+            <a:schemeClr val="accent1">
+              <a:shade val="50000"/>
+            </a:schemeClr>
+          </a:lnRef>
+          <a:fillRef idx="1">
+            <a:schemeClr val="accent1"/>
+          </a:fillRef>
+          <a:effectRef idx="0">
+            <a:schemeClr val="accent1"/>
+          </a:effectRef>
+          <a:fontRef idx="minor">
+            <a:schemeClr val="lt1"/>
+          </a:fontRef>
+        </p:style>
+        <p:txBody>
+          <a:bodyPr rtlCol="0" anchor="ctr"/>
+          <a:lstStyle/>
+          <a:p>
+            <a:pPr algn="ctr"/>
+            <a:endParaRPr lang="en-GB"/>
+          </a:p>
+        </p:txBody>
+      </p:sp>
+      <p:pic>
+        <p:nvPicPr>
+          <p:cNvPr id="8" name="Picture 7"/>
+          <p:cNvPicPr>
+            <a:picLocks noChangeAspect="1"/>
+          </p:cNvPicPr>
+          <p:nvPr/>
+        </p:nvPicPr>
+        <p:blipFill rotWithShape="1">
+          <a:blip r:embed="rId4"/>
+          <a:srcRect l="26093" t="35484" r="26697" b="18694"/>
+          <a:stretch/>
+        </p:blipFill>
+        <p:spPr>
+          <a:xfrm>
+            <a:off x="6048530" y="3301584"/>
+            <a:ext cx="764500" cy="742013"/>
+          </a:xfrm>
+          <a:prstGeom prst="rect">
+            <a:avLst/>
+          </a:prstGeom>
+        </p:spPr>
+      </p:pic>
+      <p:sp>
+        <p:nvSpPr>
+          <p:cNvPr id="10" name="TextBox 9"/>
+          <p:cNvSpPr txBox="1"/>
+          <p:nvPr/>
+        </p:nvSpPr>
+        <p:spPr>
+          <a:xfrm>
+            <a:off x="1162050" y="4758162"/>
+            <a:ext cx="9954111" cy="830997"/>
+          </a:xfrm>
+          <a:prstGeom prst="rect">
+            <a:avLst/>
+          </a:prstGeom>
+          <a:noFill/>
+        </p:spPr>
+        <p:txBody>
+          <a:bodyPr wrap="square" rtlCol="0">
+            <a:spAutoFit/>
+          </a:bodyPr>
+          <a:lstStyle/>
+          <a:p>
+            <a:pPr algn="ctr"/>
+            <a:r>
+              <a:rPr lang="en-GB" sz="4800" dirty="0"/>
+              <a:t>Turn Radar Left</a:t>
+            </a:r>
+          </a:p>
+        </p:txBody>
+      </p:sp>
+      <p:sp>
+        <p:nvSpPr>
+          <p:cNvPr id="11" name="TextBox 10"/>
+          <p:cNvSpPr txBox="1"/>
+          <p:nvPr/>
+        </p:nvSpPr>
+        <p:spPr>
+          <a:xfrm>
+            <a:off x="1162050" y="4783264"/>
+            <a:ext cx="9954111" cy="830997"/>
+          </a:xfrm>
+          <a:prstGeom prst="rect">
+            <a:avLst/>
+          </a:prstGeom>
+          <a:noFill/>
+        </p:spPr>
+        <p:txBody>
+          <a:bodyPr wrap="square" rtlCol="0">
+            <a:spAutoFit/>
+          </a:bodyPr>
+          <a:lstStyle/>
+          <a:p>
+            <a:pPr algn="ctr"/>
+            <a:r>
+              <a:rPr lang="en-GB" sz="4800" dirty="0"/>
+              <a:t>Turn Gun Right</a:t>
+            </a:r>
+          </a:p>
+        </p:txBody>
+      </p:sp>
+      <p:sp>
+        <p:nvSpPr>
+          <p:cNvPr id="12" name="TextBox 11"/>
+          <p:cNvSpPr txBox="1"/>
+          <p:nvPr/>
+        </p:nvSpPr>
+        <p:spPr>
+          <a:xfrm>
+            <a:off x="1223963" y="4783264"/>
+            <a:ext cx="9954111" cy="830997"/>
+          </a:xfrm>
+          <a:prstGeom prst="rect">
+            <a:avLst/>
+          </a:prstGeom>
+          <a:noFill/>
+        </p:spPr>
+        <p:txBody>
+          <a:bodyPr wrap="square" rtlCol="0">
+            <a:spAutoFit/>
+          </a:bodyPr>
+          <a:lstStyle/>
+          <a:p>
+            <a:pPr algn="ctr"/>
+            <a:r>
+              <a:rPr lang="en-GB" sz="4800" dirty="0"/>
+              <a:t>Turn Gun Left</a:t>
+            </a:r>
+          </a:p>
+        </p:txBody>
+      </p:sp>
+      <p:sp>
+        <p:nvSpPr>
+          <p:cNvPr id="13" name="TextBox 12"/>
+          <p:cNvSpPr txBox="1"/>
+          <p:nvPr/>
+        </p:nvSpPr>
+        <p:spPr>
+          <a:xfrm>
+            <a:off x="1223962" y="4834064"/>
+            <a:ext cx="9954111" cy="830997"/>
+          </a:xfrm>
+          <a:prstGeom prst="rect">
+            <a:avLst/>
+          </a:prstGeom>
+          <a:noFill/>
+        </p:spPr>
+        <p:txBody>
+          <a:bodyPr wrap="square" rtlCol="0">
+            <a:spAutoFit/>
+          </a:bodyPr>
+          <a:lstStyle/>
+          <a:p>
+            <a:pPr algn="ctr"/>
+            <a:r>
+              <a:rPr lang="en-GB" sz="4800"/>
+              <a:t>Fire</a:t>
+            </a:r>
+            <a:endParaRPr lang="en-GB" sz="4800" dirty="0"/>
+          </a:p>
+        </p:txBody>
+      </p:sp>
+      <p:sp>
+        <p:nvSpPr>
+          <p:cNvPr id="14" name="Oval 13"/>
+          <p:cNvSpPr/>
+          <p:nvPr/>
+        </p:nvSpPr>
+        <p:spPr>
+          <a:xfrm>
+            <a:off x="6343649" y="908348"/>
+            <a:ext cx="139700" cy="136483"/>
+          </a:xfrm>
+          <a:prstGeom prst="ellipse">
+            <a:avLst/>
+          </a:prstGeom>
+        </p:spPr>
+        <p:style>
+          <a:lnRef idx="2">
+            <a:schemeClr val="accent1">
+              <a:shade val="50000"/>
+            </a:schemeClr>
+          </a:lnRef>
+          <a:fillRef idx="1">
+            <a:schemeClr val="accent1"/>
+          </a:fillRef>
+          <a:effectRef idx="0">
+            <a:schemeClr val="accent1"/>
+          </a:effectRef>
+          <a:fontRef idx="minor">
+            <a:schemeClr val="lt1"/>
+          </a:fontRef>
+        </p:style>
+        <p:txBody>
+          <a:bodyPr rtlCol="0" anchor="ctr"/>
+          <a:lstStyle/>
+          <a:p>
+            <a:pPr algn="ctr"/>
+            <a:endParaRPr lang="en-GB"/>
+          </a:p>
+        </p:txBody>
+      </p:sp>
+      <p:sp>
+        <p:nvSpPr>
+          <p:cNvPr id="19" name="Oval 18"/>
+          <p:cNvSpPr/>
+          <p:nvPr/>
+        </p:nvSpPr>
+        <p:spPr>
+          <a:xfrm>
+            <a:off x="6334166" y="908348"/>
+            <a:ext cx="139700" cy="136483"/>
+          </a:xfrm>
+          <a:prstGeom prst="ellipse">
+            <a:avLst/>
+          </a:prstGeom>
+        </p:spPr>
+        <p:style>
+          <a:lnRef idx="2">
+            <a:schemeClr val="accent1">
+              <a:shade val="50000"/>
+            </a:schemeClr>
+          </a:lnRef>
+          <a:fillRef idx="1">
+            <a:schemeClr val="accent1"/>
+          </a:fillRef>
+          <a:effectRef idx="0">
+            <a:schemeClr val="accent1"/>
+          </a:effectRef>
+          <a:fontRef idx="minor">
+            <a:schemeClr val="lt1"/>
+          </a:fontRef>
+        </p:style>
+        <p:txBody>
+          <a:bodyPr rtlCol="0" anchor="ctr"/>
+          <a:lstStyle/>
+          <a:p>
+            <a:pPr algn="ctr"/>
+            <a:endParaRPr lang="en-GB"/>
+          </a:p>
+        </p:txBody>
+      </p:sp>
+      <p:sp>
+        <p:nvSpPr>
+          <p:cNvPr id="20" name="Oval 19"/>
+          <p:cNvSpPr/>
+          <p:nvPr/>
+        </p:nvSpPr>
+        <p:spPr>
+          <a:xfrm>
+            <a:off x="6343566" y="904123"/>
+            <a:ext cx="139700" cy="136483"/>
+          </a:xfrm>
+          <a:prstGeom prst="ellipse">
+            <a:avLst/>
+          </a:prstGeom>
+        </p:spPr>
+        <p:style>
+          <a:lnRef idx="2">
+            <a:schemeClr val="accent1">
+              <a:shade val="50000"/>
+            </a:schemeClr>
+          </a:lnRef>
+          <a:fillRef idx="1">
+            <a:schemeClr val="accent1"/>
+          </a:fillRef>
+          <a:effectRef idx="0">
+            <a:schemeClr val="accent1"/>
+          </a:effectRef>
+          <a:fontRef idx="minor">
+            <a:schemeClr val="lt1"/>
+          </a:fontRef>
+        </p:style>
+        <p:txBody>
+          <a:bodyPr rtlCol="0" anchor="ctr"/>
+          <a:lstStyle/>
+          <a:p>
+            <a:pPr algn="ctr"/>
+            <a:endParaRPr lang="en-GB"/>
+          </a:p>
+        </p:txBody>
+      </p:sp>
+      <p:sp>
+        <p:nvSpPr>
+          <p:cNvPr id="17" name="TextBox 16"/>
+          <p:cNvSpPr txBox="1"/>
+          <p:nvPr/>
+        </p:nvSpPr>
+        <p:spPr>
+          <a:xfrm>
+            <a:off x="1366510" y="5582353"/>
+            <a:ext cx="9954111" cy="830997"/>
+          </a:xfrm>
+          <a:prstGeom prst="rect">
+            <a:avLst/>
+          </a:prstGeom>
+          <a:noFill/>
+        </p:spPr>
+        <p:txBody>
+          <a:bodyPr wrap="square" rtlCol="0">
+            <a:spAutoFit/>
+          </a:bodyPr>
+          <a:lstStyle/>
+          <a:p>
+            <a:pPr algn="ctr"/>
+            <a:r>
+              <a:rPr lang="en-GB" sz="4800" dirty="0"/>
+              <a:t>Scanning</a:t>
+            </a:r>
+          </a:p>
+        </p:txBody>
+      </p:sp>
+      <p:sp>
+        <p:nvSpPr>
+          <p:cNvPr id="16" name="Footer Placeholder 15"/>
+          <p:cNvSpPr>
+            <a:spLocks noGrp="1"/>
+          </p:cNvSpPr>
+          <p:nvPr>
+            <p:ph type="ftr" sz="quarter" idx="11"/>
+          </p:nvPr>
+        </p:nvSpPr>
+        <p:spPr/>
         <p:txBody>
           <a:bodyPr/>
           <a:lstStyle/>
           <a:p>
             <a:r>
-              <a:rPr lang="en-GB" dirty="0" smtClean="0"/>
-              <a:t>Inherit/Extend `Robot` class</a:t>
-            </a:r>
-          </a:p>
-          <a:p>
-            <a:r>
-              <a:rPr lang="en-GB" dirty="0" smtClean="0"/>
-              <a:t>Override  `</a:t>
-            </a:r>
-            <a:r>
-              <a:rPr lang="en-GB" dirty="0"/>
-              <a:t>void </a:t>
-            </a:r>
-            <a:r>
-              <a:rPr lang="en-GB" dirty="0" smtClean="0"/>
-              <a:t>Run()`</a:t>
-            </a:r>
-          </a:p>
-          <a:p>
-            <a:r>
-              <a:rPr lang="en-GB" dirty="0" smtClean="0"/>
-              <a:t>Override `void </a:t>
-            </a:r>
-            <a:r>
-              <a:rPr lang="en-GB" dirty="0" err="1"/>
-              <a:t>OnScannedRobot</a:t>
-            </a:r>
-            <a:r>
-              <a:rPr lang="en-GB" dirty="0"/>
-              <a:t>(</a:t>
-            </a:r>
-            <a:r>
-              <a:rPr lang="en-GB" dirty="0" err="1"/>
-              <a:t>ScannedRobotEvent</a:t>
-            </a:r>
-            <a:r>
-              <a:rPr lang="en-GB" dirty="0"/>
-              <a:t> e</a:t>
-            </a:r>
-            <a:r>
-              <a:rPr lang="en-GB" dirty="0" smtClean="0"/>
-              <a:t>)`</a:t>
-            </a:r>
-          </a:p>
-          <a:p>
-            <a:r>
-              <a:rPr lang="en-GB" dirty="0" smtClean="0"/>
-              <a:t>Override `</a:t>
-            </a:r>
-            <a:r>
-              <a:rPr lang="en-GB" dirty="0"/>
-              <a:t>void </a:t>
-            </a:r>
-            <a:r>
-              <a:rPr lang="en-GB" dirty="0" err="1"/>
-              <a:t>OnHitByBullet</a:t>
-            </a:r>
-            <a:r>
-              <a:rPr lang="en-GB" dirty="0"/>
-              <a:t>(</a:t>
-            </a:r>
-            <a:r>
-              <a:rPr lang="en-GB" dirty="0" err="1"/>
-              <a:t>HitByBulletEvent</a:t>
-            </a:r>
-            <a:r>
-              <a:rPr lang="en-GB" dirty="0"/>
-              <a:t> e</a:t>
-            </a:r>
-            <a:r>
-              <a:rPr lang="en-GB" dirty="0" smtClean="0"/>
-              <a:t>)`</a:t>
-            </a:r>
-          </a:p>
-          <a:p>
-            <a:r>
-              <a:rPr lang="en-GB" dirty="0" smtClean="0"/>
-              <a:t>Override `</a:t>
-            </a:r>
-            <a:r>
-              <a:rPr lang="en-GB" dirty="0"/>
-              <a:t>void </a:t>
-            </a:r>
-            <a:r>
-              <a:rPr lang="en-GB" dirty="0" err="1"/>
-              <a:t>OnHitRobot</a:t>
-            </a:r>
-            <a:r>
-              <a:rPr lang="en-GB" dirty="0"/>
-              <a:t>(</a:t>
-            </a:r>
-            <a:r>
-              <a:rPr lang="en-GB" dirty="0" err="1"/>
-              <a:t>HitRobotEvent</a:t>
-            </a:r>
-            <a:r>
-              <a:rPr lang="en-GB" dirty="0"/>
-              <a:t> e</a:t>
-            </a:r>
-            <a:r>
-              <a:rPr lang="en-GB" dirty="0" smtClean="0"/>
-              <a:t>)`</a:t>
-            </a:r>
-          </a:p>
-          <a:p>
-            <a:endParaRPr lang="en-GB" dirty="0"/>
-          </a:p>
-          <a:p>
-            <a:r>
-              <a:rPr lang="en-GB" dirty="0"/>
-              <a:t>C# - </a:t>
-            </a:r>
-            <a:r>
-              <a:rPr lang="en-GB" sz="2000" dirty="0">
-                <a:hlinkClick r:id="rId2"/>
-              </a:rPr>
-              <a:t>https://</a:t>
-            </a:r>
-            <a:r>
-              <a:rPr lang="en-GB" sz="2000" dirty="0" smtClean="0">
-                <a:hlinkClick r:id="rId2"/>
-              </a:rPr>
-              <a:t>github.com/robo-code/robocode/blob/master/plugins/dotnet/robocode.dotnet.samples/src/SampleCs/MyFirstRobot.cs</a:t>
-            </a:r>
-            <a:endParaRPr lang="en-GB" sz="2000" dirty="0" smtClean="0"/>
-          </a:p>
-          <a:p>
-            <a:r>
-              <a:rPr lang="en-GB" dirty="0"/>
-              <a:t>Java - </a:t>
-            </a:r>
-            <a:r>
-              <a:rPr lang="en-GB" sz="2000" dirty="0">
-                <a:hlinkClick r:id="rId3"/>
-              </a:rPr>
-              <a:t>https://</a:t>
-            </a:r>
-            <a:r>
-              <a:rPr lang="en-GB" sz="2000" dirty="0" smtClean="0">
-                <a:hlinkClick r:id="rId3"/>
-              </a:rPr>
-              <a:t>github.com/robo-code/robocode/blob/master/robocode.samples/src/main/java/sample/MyFirstRobot.java</a:t>
-            </a:r>
-            <a:endParaRPr lang="en-GB" sz="2000" dirty="0" smtClean="0"/>
-          </a:p>
-          <a:p>
-            <a:endParaRPr lang="en-GB" dirty="0" smtClean="0"/>
-          </a:p>
-          <a:p>
+              <a:rPr lang="en-GB"/>
+              <a:t>@kev_bite / @YorkCodeDojo</a:t>
+            </a:r>
             <a:endParaRPr lang="en-GB" dirty="0"/>
           </a:p>
         </p:txBody>
@@ -5836,13 +8096,1180 @@
     </p:spTree>
     <p:extLst>
       <p:ext uri="{BB962C8B-B14F-4D97-AF65-F5344CB8AC3E}">
-        <p14:creationId xmlns:p14="http://schemas.microsoft.com/office/powerpoint/2010/main" val="1215422961"/>
+        <p14:creationId xmlns:p14="http://schemas.microsoft.com/office/powerpoint/2010/main" val="280213273"/>
       </p:ext>
     </p:extLst>
   </p:cSld>
   <p:clrMapOvr>
     <a:masterClrMapping/>
   </p:clrMapOvr>
+  <p:timing>
+    <p:tnLst>
+      <p:par>
+        <p:cTn id="1" dur="indefinite" restart="never" nodeType="tmRoot">
+          <p:childTnLst>
+            <p:seq concurrent="1" nextAc="seek">
+              <p:cTn id="2" dur="indefinite" nodeType="mainSeq">
+                <p:childTnLst>
+                  <p:par>
+                    <p:cTn id="3" fill="hold">
+                      <p:stCondLst>
+                        <p:cond delay="indefinite"/>
+                      </p:stCondLst>
+                      <p:childTnLst>
+                        <p:par>
+                          <p:cTn id="4" fill="hold">
+                            <p:stCondLst>
+                              <p:cond delay="0"/>
+                            </p:stCondLst>
+                            <p:childTnLst>
+                              <p:par>
+                                <p:cTn id="5" presetID="8" presetClass="emph" presetSubtype="0" fill="hold" nodeType="clickEffect">
+                                  <p:stCondLst>
+                                    <p:cond delay="0"/>
+                                  </p:stCondLst>
+                                  <p:childTnLst>
+                                    <p:animRot by="21600000">
+                                      <p:cBhvr>
+                                        <p:cTn id="6" dur="2000" fill="hold"/>
+                                        <p:tgtEl>
+                                          <p:spTgt spid="8"/>
+                                        </p:tgtEl>
+                                        <p:attrNameLst>
+                                          <p:attrName>r</p:attrName>
+                                        </p:attrNameLst>
+                                      </p:cBhvr>
+                                    </p:animRot>
+                                  </p:childTnLst>
+                                </p:cTn>
+                              </p:par>
+                              <p:par>
+                                <p:cTn id="7" presetID="10" presetClass="entr" presetSubtype="0" fill="hold" grpId="0" nodeType="withEffect">
+                                  <p:stCondLst>
+                                    <p:cond delay="0"/>
+                                  </p:stCondLst>
+                                  <p:childTnLst>
+                                    <p:set>
+                                      <p:cBhvr>
+                                        <p:cTn id="8" dur="1" fill="hold">
+                                          <p:stCondLst>
+                                            <p:cond delay="0"/>
+                                          </p:stCondLst>
+                                        </p:cTn>
+                                        <p:tgtEl>
+                                          <p:spTgt spid="5"/>
+                                        </p:tgtEl>
+                                        <p:attrNameLst>
+                                          <p:attrName>style.visibility</p:attrName>
+                                        </p:attrNameLst>
+                                      </p:cBhvr>
+                                      <p:to>
+                                        <p:strVal val="visible"/>
+                                      </p:to>
+                                    </p:set>
+                                    <p:animEffect transition="in" filter="fade">
+                                      <p:cBhvr>
+                                        <p:cTn id="9" dur="500"/>
+                                        <p:tgtEl>
+                                          <p:spTgt spid="5"/>
+                                        </p:tgtEl>
+                                      </p:cBhvr>
+                                    </p:animEffect>
+                                  </p:childTnLst>
+                                </p:cTn>
+                              </p:par>
+                            </p:childTnLst>
+                          </p:cTn>
+                        </p:par>
+                        <p:par>
+                          <p:cTn id="10" fill="hold">
+                            <p:stCondLst>
+                              <p:cond delay="2000"/>
+                            </p:stCondLst>
+                            <p:childTnLst>
+                              <p:par>
+                                <p:cTn id="11" presetID="10" presetClass="exit" presetSubtype="0" fill="hold" grpId="1" nodeType="afterEffect">
+                                  <p:stCondLst>
+                                    <p:cond delay="0"/>
+                                  </p:stCondLst>
+                                  <p:childTnLst>
+                                    <p:animEffect transition="out" filter="fade">
+                                      <p:cBhvr>
+                                        <p:cTn id="12" dur="500"/>
+                                        <p:tgtEl>
+                                          <p:spTgt spid="5"/>
+                                        </p:tgtEl>
+                                      </p:cBhvr>
+                                    </p:animEffect>
+                                    <p:set>
+                                      <p:cBhvr>
+                                        <p:cTn id="13" dur="1" fill="hold">
+                                          <p:stCondLst>
+                                            <p:cond delay="499"/>
+                                          </p:stCondLst>
+                                        </p:cTn>
+                                        <p:tgtEl>
+                                          <p:spTgt spid="5"/>
+                                        </p:tgtEl>
+                                        <p:attrNameLst>
+                                          <p:attrName>style.visibility</p:attrName>
+                                        </p:attrNameLst>
+                                      </p:cBhvr>
+                                      <p:to>
+                                        <p:strVal val="hidden"/>
+                                      </p:to>
+                                    </p:set>
+                                  </p:childTnLst>
+                                </p:cTn>
+                              </p:par>
+                            </p:childTnLst>
+                          </p:cTn>
+                        </p:par>
+                      </p:childTnLst>
+                    </p:cTn>
+                  </p:par>
+                  <p:par>
+                    <p:cTn id="14" fill="hold">
+                      <p:stCondLst>
+                        <p:cond delay="indefinite"/>
+                      </p:stCondLst>
+                      <p:childTnLst>
+                        <p:par>
+                          <p:cTn id="15" fill="hold">
+                            <p:stCondLst>
+                              <p:cond delay="0"/>
+                            </p:stCondLst>
+                            <p:childTnLst>
+                              <p:par>
+                                <p:cTn id="16" presetID="10" presetClass="entr" presetSubtype="0" fill="hold" grpId="0" nodeType="clickEffect">
+                                  <p:stCondLst>
+                                    <p:cond delay="0"/>
+                                  </p:stCondLst>
+                                  <p:childTnLst>
+                                    <p:set>
+                                      <p:cBhvr>
+                                        <p:cTn id="17" dur="1" fill="hold">
+                                          <p:stCondLst>
+                                            <p:cond delay="0"/>
+                                          </p:stCondLst>
+                                        </p:cTn>
+                                        <p:tgtEl>
+                                          <p:spTgt spid="10"/>
+                                        </p:tgtEl>
+                                        <p:attrNameLst>
+                                          <p:attrName>style.visibility</p:attrName>
+                                        </p:attrNameLst>
+                                      </p:cBhvr>
+                                      <p:to>
+                                        <p:strVal val="visible"/>
+                                      </p:to>
+                                    </p:set>
+                                    <p:animEffect transition="in" filter="fade">
+                                      <p:cBhvr>
+                                        <p:cTn id="18" dur="500"/>
+                                        <p:tgtEl>
+                                          <p:spTgt spid="10"/>
+                                        </p:tgtEl>
+                                      </p:cBhvr>
+                                    </p:animEffect>
+                                  </p:childTnLst>
+                                </p:cTn>
+                              </p:par>
+                              <p:par>
+                                <p:cTn id="19" presetID="8" presetClass="emph" presetSubtype="0" fill="hold" nodeType="withEffect">
+                                  <p:stCondLst>
+                                    <p:cond delay="0"/>
+                                  </p:stCondLst>
+                                  <p:childTnLst>
+                                    <p:animRot by="-21600000">
+                                      <p:cBhvr>
+                                        <p:cTn id="20" dur="2000" fill="hold"/>
+                                        <p:tgtEl>
+                                          <p:spTgt spid="8"/>
+                                        </p:tgtEl>
+                                        <p:attrNameLst>
+                                          <p:attrName>r</p:attrName>
+                                        </p:attrNameLst>
+                                      </p:cBhvr>
+                                    </p:animRot>
+                                  </p:childTnLst>
+                                </p:cTn>
+                              </p:par>
+                            </p:childTnLst>
+                          </p:cTn>
+                        </p:par>
+                        <p:par>
+                          <p:cTn id="21" fill="hold">
+                            <p:stCondLst>
+                              <p:cond delay="2000"/>
+                            </p:stCondLst>
+                            <p:childTnLst>
+                              <p:par>
+                                <p:cTn id="22" presetID="10" presetClass="exit" presetSubtype="0" fill="hold" grpId="1" nodeType="afterEffect">
+                                  <p:stCondLst>
+                                    <p:cond delay="0"/>
+                                  </p:stCondLst>
+                                  <p:childTnLst>
+                                    <p:animEffect transition="out" filter="fade">
+                                      <p:cBhvr>
+                                        <p:cTn id="23" dur="500"/>
+                                        <p:tgtEl>
+                                          <p:spTgt spid="10"/>
+                                        </p:tgtEl>
+                                      </p:cBhvr>
+                                    </p:animEffect>
+                                    <p:set>
+                                      <p:cBhvr>
+                                        <p:cTn id="24" dur="1" fill="hold">
+                                          <p:stCondLst>
+                                            <p:cond delay="499"/>
+                                          </p:stCondLst>
+                                        </p:cTn>
+                                        <p:tgtEl>
+                                          <p:spTgt spid="10"/>
+                                        </p:tgtEl>
+                                        <p:attrNameLst>
+                                          <p:attrName>style.visibility</p:attrName>
+                                        </p:attrNameLst>
+                                      </p:cBhvr>
+                                      <p:to>
+                                        <p:strVal val="hidden"/>
+                                      </p:to>
+                                    </p:set>
+                                  </p:childTnLst>
+                                </p:cTn>
+                              </p:par>
+                            </p:childTnLst>
+                          </p:cTn>
+                        </p:par>
+                      </p:childTnLst>
+                    </p:cTn>
+                  </p:par>
+                  <p:par>
+                    <p:cTn id="25" fill="hold">
+                      <p:stCondLst>
+                        <p:cond delay="indefinite"/>
+                      </p:stCondLst>
+                      <p:childTnLst>
+                        <p:par>
+                          <p:cTn id="26" fill="hold">
+                            <p:stCondLst>
+                              <p:cond delay="0"/>
+                            </p:stCondLst>
+                            <p:childTnLst>
+                              <p:par>
+                                <p:cTn id="27" presetID="10" presetClass="entr" presetSubtype="0" fill="hold" grpId="0" nodeType="clickEffect">
+                                  <p:stCondLst>
+                                    <p:cond delay="0"/>
+                                  </p:stCondLst>
+                                  <p:childTnLst>
+                                    <p:set>
+                                      <p:cBhvr>
+                                        <p:cTn id="28" dur="1" fill="hold">
+                                          <p:stCondLst>
+                                            <p:cond delay="0"/>
+                                          </p:stCondLst>
+                                        </p:cTn>
+                                        <p:tgtEl>
+                                          <p:spTgt spid="17"/>
+                                        </p:tgtEl>
+                                        <p:attrNameLst>
+                                          <p:attrName>style.visibility</p:attrName>
+                                        </p:attrNameLst>
+                                      </p:cBhvr>
+                                      <p:to>
+                                        <p:strVal val="visible"/>
+                                      </p:to>
+                                    </p:set>
+                                    <p:animEffect transition="in" filter="fade">
+                                      <p:cBhvr>
+                                        <p:cTn id="29" dur="500"/>
+                                        <p:tgtEl>
+                                          <p:spTgt spid="17"/>
+                                        </p:tgtEl>
+                                      </p:cBhvr>
+                                    </p:animEffect>
+                                  </p:childTnLst>
+                                </p:cTn>
+                              </p:par>
+                              <p:par>
+                                <p:cTn id="30" presetID="10" presetClass="entr" presetSubtype="0" fill="hold" grpId="0" nodeType="withEffect">
+                                  <p:stCondLst>
+                                    <p:cond delay="0"/>
+                                  </p:stCondLst>
+                                  <p:childTnLst>
+                                    <p:set>
+                                      <p:cBhvr>
+                                        <p:cTn id="31" dur="1" fill="hold">
+                                          <p:stCondLst>
+                                            <p:cond delay="0"/>
+                                          </p:stCondLst>
+                                        </p:cTn>
+                                        <p:tgtEl>
+                                          <p:spTgt spid="9"/>
+                                        </p:tgtEl>
+                                        <p:attrNameLst>
+                                          <p:attrName>style.visibility</p:attrName>
+                                        </p:attrNameLst>
+                                      </p:cBhvr>
+                                      <p:to>
+                                        <p:strVal val="visible"/>
+                                      </p:to>
+                                    </p:set>
+                                    <p:animEffect transition="in" filter="fade">
+                                      <p:cBhvr>
+                                        <p:cTn id="32" dur="500"/>
+                                        <p:tgtEl>
+                                          <p:spTgt spid="9"/>
+                                        </p:tgtEl>
+                                      </p:cBhvr>
+                                    </p:animEffect>
+                                  </p:childTnLst>
+                                </p:cTn>
+                              </p:par>
+                              <p:par>
+                                <p:cTn id="33" presetID="27" presetClass="emph" presetSubtype="0" repeatCount="2000" fill="remove" grpId="1" nodeType="withEffect">
+                                  <p:stCondLst>
+                                    <p:cond delay="0"/>
+                                  </p:stCondLst>
+                                  <p:childTnLst>
+                                    <p:animClr clrSpc="rgb" dir="cw">
+                                      <p:cBhvr override="childStyle">
+                                        <p:cTn id="34" dur="1000" autoRev="1" fill="remove"/>
+                                        <p:tgtEl>
+                                          <p:spTgt spid="9"/>
+                                        </p:tgtEl>
+                                        <p:attrNameLst>
+                                          <p:attrName>style.color</p:attrName>
+                                        </p:attrNameLst>
+                                      </p:cBhvr>
+                                      <p:to>
+                                        <a:srgbClr val="EA8DF7"/>
+                                      </p:to>
+                                    </p:animClr>
+                                    <p:animClr clrSpc="rgb" dir="cw">
+                                      <p:cBhvr>
+                                        <p:cTn id="35" dur="1000" autoRev="1" fill="remove"/>
+                                        <p:tgtEl>
+                                          <p:spTgt spid="9"/>
+                                        </p:tgtEl>
+                                        <p:attrNameLst>
+                                          <p:attrName>fillcolor</p:attrName>
+                                        </p:attrNameLst>
+                                      </p:cBhvr>
+                                      <p:to>
+                                        <a:srgbClr val="EA8DF7"/>
+                                      </p:to>
+                                    </p:animClr>
+                                    <p:set>
+                                      <p:cBhvr>
+                                        <p:cTn id="36" dur="1000" autoRev="1" fill="remove"/>
+                                        <p:tgtEl>
+                                          <p:spTgt spid="9"/>
+                                        </p:tgtEl>
+                                        <p:attrNameLst>
+                                          <p:attrName>fill.type</p:attrName>
+                                        </p:attrNameLst>
+                                      </p:cBhvr>
+                                      <p:to>
+                                        <p:strVal val="solid"/>
+                                      </p:to>
+                                    </p:set>
+                                    <p:set>
+                                      <p:cBhvr>
+                                        <p:cTn id="37" dur="1000" autoRev="1" fill="remove"/>
+                                        <p:tgtEl>
+                                          <p:spTgt spid="9"/>
+                                        </p:tgtEl>
+                                        <p:attrNameLst>
+                                          <p:attrName>fill.on</p:attrName>
+                                        </p:attrNameLst>
+                                      </p:cBhvr>
+                                      <p:to>
+                                        <p:strVal val="true"/>
+                                      </p:to>
+                                    </p:set>
+                                  </p:childTnLst>
+                                </p:cTn>
+                              </p:par>
+                            </p:childTnLst>
+                          </p:cTn>
+                        </p:par>
+                        <p:par>
+                          <p:cTn id="38" fill="hold">
+                            <p:stCondLst>
+                              <p:cond delay="4000"/>
+                            </p:stCondLst>
+                            <p:childTnLst>
+                              <p:par>
+                                <p:cTn id="39" presetID="10" presetClass="exit" presetSubtype="0" fill="hold" grpId="2" nodeType="afterEffect">
+                                  <p:stCondLst>
+                                    <p:cond delay="0"/>
+                                  </p:stCondLst>
+                                  <p:childTnLst>
+                                    <p:animEffect transition="out" filter="fade">
+                                      <p:cBhvr>
+                                        <p:cTn id="40" dur="500"/>
+                                        <p:tgtEl>
+                                          <p:spTgt spid="9"/>
+                                        </p:tgtEl>
+                                      </p:cBhvr>
+                                    </p:animEffect>
+                                    <p:set>
+                                      <p:cBhvr>
+                                        <p:cTn id="41" dur="1" fill="hold">
+                                          <p:stCondLst>
+                                            <p:cond delay="499"/>
+                                          </p:stCondLst>
+                                        </p:cTn>
+                                        <p:tgtEl>
+                                          <p:spTgt spid="9"/>
+                                        </p:tgtEl>
+                                        <p:attrNameLst>
+                                          <p:attrName>style.visibility</p:attrName>
+                                        </p:attrNameLst>
+                                      </p:cBhvr>
+                                      <p:to>
+                                        <p:strVal val="hidden"/>
+                                      </p:to>
+                                    </p:set>
+                                  </p:childTnLst>
+                                </p:cTn>
+                              </p:par>
+                            </p:childTnLst>
+                          </p:cTn>
+                        </p:par>
+                        <p:par>
+                          <p:cTn id="42" fill="hold">
+                            <p:stCondLst>
+                              <p:cond delay="4500"/>
+                            </p:stCondLst>
+                            <p:childTnLst>
+                              <p:par>
+                                <p:cTn id="43" presetID="10" presetClass="exit" presetSubtype="0" fill="hold" grpId="1" nodeType="afterEffect">
+                                  <p:stCondLst>
+                                    <p:cond delay="0"/>
+                                  </p:stCondLst>
+                                  <p:childTnLst>
+                                    <p:animEffect transition="out" filter="fade">
+                                      <p:cBhvr>
+                                        <p:cTn id="44" dur="500"/>
+                                        <p:tgtEl>
+                                          <p:spTgt spid="17"/>
+                                        </p:tgtEl>
+                                      </p:cBhvr>
+                                    </p:animEffect>
+                                    <p:set>
+                                      <p:cBhvr>
+                                        <p:cTn id="45" dur="1" fill="hold">
+                                          <p:stCondLst>
+                                            <p:cond delay="499"/>
+                                          </p:stCondLst>
+                                        </p:cTn>
+                                        <p:tgtEl>
+                                          <p:spTgt spid="17"/>
+                                        </p:tgtEl>
+                                        <p:attrNameLst>
+                                          <p:attrName>style.visibility</p:attrName>
+                                        </p:attrNameLst>
+                                      </p:cBhvr>
+                                      <p:to>
+                                        <p:strVal val="hidden"/>
+                                      </p:to>
+                                    </p:set>
+                                  </p:childTnLst>
+                                </p:cTn>
+                              </p:par>
+                            </p:childTnLst>
+                          </p:cTn>
+                        </p:par>
+                      </p:childTnLst>
+                    </p:cTn>
+                  </p:par>
+                  <p:par>
+                    <p:cTn id="46" fill="hold">
+                      <p:stCondLst>
+                        <p:cond delay="indefinite"/>
+                      </p:stCondLst>
+                      <p:childTnLst>
+                        <p:par>
+                          <p:cTn id="47" fill="hold">
+                            <p:stCondLst>
+                              <p:cond delay="0"/>
+                            </p:stCondLst>
+                            <p:childTnLst>
+                              <p:par>
+                                <p:cTn id="48" presetID="10" presetClass="entr" presetSubtype="0" fill="hold" grpId="0" nodeType="clickEffect">
+                                  <p:stCondLst>
+                                    <p:cond delay="0"/>
+                                  </p:stCondLst>
+                                  <p:childTnLst>
+                                    <p:set>
+                                      <p:cBhvr>
+                                        <p:cTn id="49" dur="1" fill="hold">
+                                          <p:stCondLst>
+                                            <p:cond delay="0"/>
+                                          </p:stCondLst>
+                                        </p:cTn>
+                                        <p:tgtEl>
+                                          <p:spTgt spid="11"/>
+                                        </p:tgtEl>
+                                        <p:attrNameLst>
+                                          <p:attrName>style.visibility</p:attrName>
+                                        </p:attrNameLst>
+                                      </p:cBhvr>
+                                      <p:to>
+                                        <p:strVal val="visible"/>
+                                      </p:to>
+                                    </p:set>
+                                    <p:animEffect transition="in" filter="fade">
+                                      <p:cBhvr>
+                                        <p:cTn id="50" dur="500"/>
+                                        <p:tgtEl>
+                                          <p:spTgt spid="11"/>
+                                        </p:tgtEl>
+                                      </p:cBhvr>
+                                    </p:animEffect>
+                                  </p:childTnLst>
+                                </p:cTn>
+                              </p:par>
+                              <p:par>
+                                <p:cTn id="51" presetID="8" presetClass="emph" presetSubtype="0" fill="hold" nodeType="withEffect">
+                                  <p:stCondLst>
+                                    <p:cond delay="0"/>
+                                  </p:stCondLst>
+                                  <p:childTnLst>
+                                    <p:animRot by="21600000">
+                                      <p:cBhvr>
+                                        <p:cTn id="52" dur="2000" fill="hold"/>
+                                        <p:tgtEl>
+                                          <p:spTgt spid="7"/>
+                                        </p:tgtEl>
+                                        <p:attrNameLst>
+                                          <p:attrName>r</p:attrName>
+                                        </p:attrNameLst>
+                                      </p:cBhvr>
+                                    </p:animRot>
+                                  </p:childTnLst>
+                                </p:cTn>
+                              </p:par>
+                            </p:childTnLst>
+                          </p:cTn>
+                        </p:par>
+                        <p:par>
+                          <p:cTn id="53" fill="hold">
+                            <p:stCondLst>
+                              <p:cond delay="2000"/>
+                            </p:stCondLst>
+                            <p:childTnLst>
+                              <p:par>
+                                <p:cTn id="54" presetID="10" presetClass="exit" presetSubtype="0" fill="hold" grpId="1" nodeType="afterEffect">
+                                  <p:stCondLst>
+                                    <p:cond delay="0"/>
+                                  </p:stCondLst>
+                                  <p:childTnLst>
+                                    <p:animEffect transition="out" filter="fade">
+                                      <p:cBhvr>
+                                        <p:cTn id="55" dur="500"/>
+                                        <p:tgtEl>
+                                          <p:spTgt spid="11"/>
+                                        </p:tgtEl>
+                                      </p:cBhvr>
+                                    </p:animEffect>
+                                    <p:set>
+                                      <p:cBhvr>
+                                        <p:cTn id="56" dur="1" fill="hold">
+                                          <p:stCondLst>
+                                            <p:cond delay="499"/>
+                                          </p:stCondLst>
+                                        </p:cTn>
+                                        <p:tgtEl>
+                                          <p:spTgt spid="11"/>
+                                        </p:tgtEl>
+                                        <p:attrNameLst>
+                                          <p:attrName>style.visibility</p:attrName>
+                                        </p:attrNameLst>
+                                      </p:cBhvr>
+                                      <p:to>
+                                        <p:strVal val="hidden"/>
+                                      </p:to>
+                                    </p:set>
+                                  </p:childTnLst>
+                                </p:cTn>
+                              </p:par>
+                            </p:childTnLst>
+                          </p:cTn>
+                        </p:par>
+                      </p:childTnLst>
+                    </p:cTn>
+                  </p:par>
+                  <p:par>
+                    <p:cTn id="57" fill="hold">
+                      <p:stCondLst>
+                        <p:cond delay="indefinite"/>
+                      </p:stCondLst>
+                      <p:childTnLst>
+                        <p:par>
+                          <p:cTn id="58" fill="hold">
+                            <p:stCondLst>
+                              <p:cond delay="0"/>
+                            </p:stCondLst>
+                            <p:childTnLst>
+                              <p:par>
+                                <p:cTn id="59" presetID="10" presetClass="entr" presetSubtype="0" fill="hold" grpId="0" nodeType="clickEffect">
+                                  <p:stCondLst>
+                                    <p:cond delay="0"/>
+                                  </p:stCondLst>
+                                  <p:childTnLst>
+                                    <p:set>
+                                      <p:cBhvr>
+                                        <p:cTn id="60" dur="1" fill="hold">
+                                          <p:stCondLst>
+                                            <p:cond delay="0"/>
+                                          </p:stCondLst>
+                                        </p:cTn>
+                                        <p:tgtEl>
+                                          <p:spTgt spid="12"/>
+                                        </p:tgtEl>
+                                        <p:attrNameLst>
+                                          <p:attrName>style.visibility</p:attrName>
+                                        </p:attrNameLst>
+                                      </p:cBhvr>
+                                      <p:to>
+                                        <p:strVal val="visible"/>
+                                      </p:to>
+                                    </p:set>
+                                    <p:animEffect transition="in" filter="fade">
+                                      <p:cBhvr>
+                                        <p:cTn id="61" dur="500"/>
+                                        <p:tgtEl>
+                                          <p:spTgt spid="12"/>
+                                        </p:tgtEl>
+                                      </p:cBhvr>
+                                    </p:animEffect>
+                                  </p:childTnLst>
+                                </p:cTn>
+                              </p:par>
+                              <p:par>
+                                <p:cTn id="62" presetID="8" presetClass="emph" presetSubtype="0" fill="hold" nodeType="withEffect">
+                                  <p:stCondLst>
+                                    <p:cond delay="0"/>
+                                  </p:stCondLst>
+                                  <p:childTnLst>
+                                    <p:animRot by="-21600000">
+                                      <p:cBhvr>
+                                        <p:cTn id="63" dur="2000" fill="hold"/>
+                                        <p:tgtEl>
+                                          <p:spTgt spid="7"/>
+                                        </p:tgtEl>
+                                        <p:attrNameLst>
+                                          <p:attrName>r</p:attrName>
+                                        </p:attrNameLst>
+                                      </p:cBhvr>
+                                    </p:animRot>
+                                  </p:childTnLst>
+                                </p:cTn>
+                              </p:par>
+                            </p:childTnLst>
+                          </p:cTn>
+                        </p:par>
+                        <p:par>
+                          <p:cTn id="64" fill="hold">
+                            <p:stCondLst>
+                              <p:cond delay="2000"/>
+                            </p:stCondLst>
+                            <p:childTnLst>
+                              <p:par>
+                                <p:cTn id="65" presetID="10" presetClass="exit" presetSubtype="0" fill="hold" grpId="1" nodeType="afterEffect">
+                                  <p:stCondLst>
+                                    <p:cond delay="0"/>
+                                  </p:stCondLst>
+                                  <p:childTnLst>
+                                    <p:animEffect transition="out" filter="fade">
+                                      <p:cBhvr>
+                                        <p:cTn id="66" dur="500"/>
+                                        <p:tgtEl>
+                                          <p:spTgt spid="12"/>
+                                        </p:tgtEl>
+                                      </p:cBhvr>
+                                    </p:animEffect>
+                                    <p:set>
+                                      <p:cBhvr>
+                                        <p:cTn id="67" dur="1" fill="hold">
+                                          <p:stCondLst>
+                                            <p:cond delay="499"/>
+                                          </p:stCondLst>
+                                        </p:cTn>
+                                        <p:tgtEl>
+                                          <p:spTgt spid="12"/>
+                                        </p:tgtEl>
+                                        <p:attrNameLst>
+                                          <p:attrName>style.visibility</p:attrName>
+                                        </p:attrNameLst>
+                                      </p:cBhvr>
+                                      <p:to>
+                                        <p:strVal val="hidden"/>
+                                      </p:to>
+                                    </p:set>
+                                  </p:childTnLst>
+                                </p:cTn>
+                              </p:par>
+                            </p:childTnLst>
+                          </p:cTn>
+                        </p:par>
+                      </p:childTnLst>
+                    </p:cTn>
+                  </p:par>
+                  <p:par>
+                    <p:cTn id="68" fill="hold">
+                      <p:stCondLst>
+                        <p:cond delay="indefinite"/>
+                      </p:stCondLst>
+                      <p:childTnLst>
+                        <p:par>
+                          <p:cTn id="69" fill="hold">
+                            <p:stCondLst>
+                              <p:cond delay="0"/>
+                            </p:stCondLst>
+                            <p:childTnLst>
+                              <p:par>
+                                <p:cTn id="70" presetID="10" presetClass="entr" presetSubtype="0" fill="hold" grpId="0" nodeType="clickEffect">
+                                  <p:stCondLst>
+                                    <p:cond delay="0"/>
+                                  </p:stCondLst>
+                                  <p:childTnLst>
+                                    <p:set>
+                                      <p:cBhvr>
+                                        <p:cTn id="71" dur="1" fill="hold">
+                                          <p:stCondLst>
+                                            <p:cond delay="0"/>
+                                          </p:stCondLst>
+                                        </p:cTn>
+                                        <p:tgtEl>
+                                          <p:spTgt spid="13"/>
+                                        </p:tgtEl>
+                                        <p:attrNameLst>
+                                          <p:attrName>style.visibility</p:attrName>
+                                        </p:attrNameLst>
+                                      </p:cBhvr>
+                                      <p:to>
+                                        <p:strVal val="visible"/>
+                                      </p:to>
+                                    </p:set>
+                                    <p:animEffect transition="in" filter="fade">
+                                      <p:cBhvr>
+                                        <p:cTn id="72" dur="500"/>
+                                        <p:tgtEl>
+                                          <p:spTgt spid="13"/>
+                                        </p:tgtEl>
+                                      </p:cBhvr>
+                                    </p:animEffect>
+                                  </p:childTnLst>
+                                </p:cTn>
+                              </p:par>
+                            </p:childTnLst>
+                          </p:cTn>
+                        </p:par>
+                        <p:par>
+                          <p:cTn id="73" fill="hold">
+                            <p:stCondLst>
+                              <p:cond delay="500"/>
+                            </p:stCondLst>
+                            <p:childTnLst>
+                              <p:par>
+                                <p:cTn id="74" presetID="1" presetClass="entr" presetSubtype="0" fill="hold" grpId="0" nodeType="afterEffect">
+                                  <p:stCondLst>
+                                    <p:cond delay="0"/>
+                                  </p:stCondLst>
+                                  <p:childTnLst>
+                                    <p:set>
+                                      <p:cBhvr>
+                                        <p:cTn id="75" dur="1" fill="hold">
+                                          <p:stCondLst>
+                                            <p:cond delay="0"/>
+                                          </p:stCondLst>
+                                        </p:cTn>
+                                        <p:tgtEl>
+                                          <p:spTgt spid="14"/>
+                                        </p:tgtEl>
+                                        <p:attrNameLst>
+                                          <p:attrName>style.visibility</p:attrName>
+                                        </p:attrNameLst>
+                                      </p:cBhvr>
+                                      <p:to>
+                                        <p:strVal val="visible"/>
+                                      </p:to>
+                                    </p:set>
+                                  </p:childTnLst>
+                                </p:cTn>
+                              </p:par>
+                              <p:par>
+                                <p:cTn id="76" presetID="42" presetClass="path" presetSubtype="0" accel="50000" decel="50000" fill="hold" grpId="1" nodeType="withEffect">
+                                  <p:stCondLst>
+                                    <p:cond delay="0"/>
+                                  </p:stCondLst>
+                                  <p:childTnLst>
+                                    <p:animMotion origin="layout" path="M 0 0 L 0 0.25 E" pathEditMode="relative" ptsTypes="">
+                                      <p:cBhvr>
+                                        <p:cTn id="77" dur="2000" spd="-100000" fill="hold"/>
+                                        <p:tgtEl>
+                                          <p:spTgt spid="14"/>
+                                        </p:tgtEl>
+                                        <p:attrNameLst>
+                                          <p:attrName>ppt_x</p:attrName>
+                                          <p:attrName>ppt_y</p:attrName>
+                                        </p:attrNameLst>
+                                      </p:cBhvr>
+                                    </p:animMotion>
+                                  </p:childTnLst>
+                                </p:cTn>
+                              </p:par>
+                            </p:childTnLst>
+                          </p:cTn>
+                        </p:par>
+                        <p:par>
+                          <p:cTn id="78" fill="hold">
+                            <p:stCondLst>
+                              <p:cond delay="2500"/>
+                            </p:stCondLst>
+                            <p:childTnLst>
+                              <p:par>
+                                <p:cTn id="79" presetID="10" presetClass="exit" presetSubtype="0" fill="hold" grpId="2" nodeType="afterEffect">
+                                  <p:stCondLst>
+                                    <p:cond delay="0"/>
+                                  </p:stCondLst>
+                                  <p:childTnLst>
+                                    <p:animEffect transition="out" filter="fade">
+                                      <p:cBhvr>
+                                        <p:cTn id="80" dur="500"/>
+                                        <p:tgtEl>
+                                          <p:spTgt spid="14"/>
+                                        </p:tgtEl>
+                                      </p:cBhvr>
+                                    </p:animEffect>
+                                    <p:set>
+                                      <p:cBhvr>
+                                        <p:cTn id="81" dur="1" fill="hold">
+                                          <p:stCondLst>
+                                            <p:cond delay="499"/>
+                                          </p:stCondLst>
+                                        </p:cTn>
+                                        <p:tgtEl>
+                                          <p:spTgt spid="14"/>
+                                        </p:tgtEl>
+                                        <p:attrNameLst>
+                                          <p:attrName>style.visibility</p:attrName>
+                                        </p:attrNameLst>
+                                      </p:cBhvr>
+                                      <p:to>
+                                        <p:strVal val="hidden"/>
+                                      </p:to>
+                                    </p:set>
+                                  </p:childTnLst>
+                                </p:cTn>
+                              </p:par>
+                            </p:childTnLst>
+                          </p:cTn>
+                        </p:par>
+                        <p:par>
+                          <p:cTn id="82" fill="hold">
+                            <p:stCondLst>
+                              <p:cond delay="3500"/>
+                            </p:stCondLst>
+                            <p:childTnLst>
+                              <p:par>
+                                <p:cTn id="83" presetID="1" presetClass="entr" presetSubtype="0" fill="hold" grpId="0" nodeType="afterEffect">
+                                  <p:stCondLst>
+                                    <p:cond delay="0"/>
+                                  </p:stCondLst>
+                                  <p:childTnLst>
+                                    <p:set>
+                                      <p:cBhvr>
+                                        <p:cTn id="84" dur="1" fill="hold">
+                                          <p:stCondLst>
+                                            <p:cond delay="0"/>
+                                          </p:stCondLst>
+                                        </p:cTn>
+                                        <p:tgtEl>
+                                          <p:spTgt spid="19"/>
+                                        </p:tgtEl>
+                                        <p:attrNameLst>
+                                          <p:attrName>style.visibility</p:attrName>
+                                        </p:attrNameLst>
+                                      </p:cBhvr>
+                                      <p:to>
+                                        <p:strVal val="visible"/>
+                                      </p:to>
+                                    </p:set>
+                                  </p:childTnLst>
+                                </p:cTn>
+                              </p:par>
+                              <p:par>
+                                <p:cTn id="85" presetID="42" presetClass="path" presetSubtype="0" accel="50000" decel="50000" fill="hold" grpId="1" nodeType="withEffect">
+                                  <p:stCondLst>
+                                    <p:cond delay="0"/>
+                                  </p:stCondLst>
+                                  <p:childTnLst>
+                                    <p:animMotion origin="layout" path="M -4.16667E-7 -1.11111E-6 L -4.16667E-7 0.25 " pathEditMode="relative" rAng="0" ptsTypes="AA">
+                                      <p:cBhvr>
+                                        <p:cTn id="86" dur="2000" spd="-100000" fill="hold"/>
+                                        <p:tgtEl>
+                                          <p:spTgt spid="19"/>
+                                        </p:tgtEl>
+                                        <p:attrNameLst>
+                                          <p:attrName>ppt_x</p:attrName>
+                                          <p:attrName>ppt_y</p:attrName>
+                                        </p:attrNameLst>
+                                      </p:cBhvr>
+                                      <p:rCtr x="0" y="12500"/>
+                                    </p:animMotion>
+                                  </p:childTnLst>
+                                </p:cTn>
+                              </p:par>
+                            </p:childTnLst>
+                          </p:cTn>
+                        </p:par>
+                        <p:par>
+                          <p:cTn id="87" fill="hold">
+                            <p:stCondLst>
+                              <p:cond delay="5500"/>
+                            </p:stCondLst>
+                            <p:childTnLst>
+                              <p:par>
+                                <p:cTn id="88" presetID="10" presetClass="exit" presetSubtype="0" fill="hold" grpId="2" nodeType="afterEffect">
+                                  <p:stCondLst>
+                                    <p:cond delay="0"/>
+                                  </p:stCondLst>
+                                  <p:childTnLst>
+                                    <p:animEffect transition="out" filter="fade">
+                                      <p:cBhvr>
+                                        <p:cTn id="89" dur="500"/>
+                                        <p:tgtEl>
+                                          <p:spTgt spid="19"/>
+                                        </p:tgtEl>
+                                      </p:cBhvr>
+                                    </p:animEffect>
+                                    <p:set>
+                                      <p:cBhvr>
+                                        <p:cTn id="90" dur="1" fill="hold">
+                                          <p:stCondLst>
+                                            <p:cond delay="499"/>
+                                          </p:stCondLst>
+                                        </p:cTn>
+                                        <p:tgtEl>
+                                          <p:spTgt spid="19"/>
+                                        </p:tgtEl>
+                                        <p:attrNameLst>
+                                          <p:attrName>style.visibility</p:attrName>
+                                        </p:attrNameLst>
+                                      </p:cBhvr>
+                                      <p:to>
+                                        <p:strVal val="hidden"/>
+                                      </p:to>
+                                    </p:set>
+                                  </p:childTnLst>
+                                </p:cTn>
+                              </p:par>
+                            </p:childTnLst>
+                          </p:cTn>
+                        </p:par>
+                        <p:par>
+                          <p:cTn id="91" fill="hold">
+                            <p:stCondLst>
+                              <p:cond delay="6000"/>
+                            </p:stCondLst>
+                            <p:childTnLst>
+                              <p:par>
+                                <p:cTn id="92" presetID="1" presetClass="entr" presetSubtype="0" fill="hold" grpId="0" nodeType="afterEffect">
+                                  <p:stCondLst>
+                                    <p:cond delay="0"/>
+                                  </p:stCondLst>
+                                  <p:childTnLst>
+                                    <p:set>
+                                      <p:cBhvr>
+                                        <p:cTn id="93" dur="1" fill="hold">
+                                          <p:stCondLst>
+                                            <p:cond delay="0"/>
+                                          </p:stCondLst>
+                                        </p:cTn>
+                                        <p:tgtEl>
+                                          <p:spTgt spid="20"/>
+                                        </p:tgtEl>
+                                        <p:attrNameLst>
+                                          <p:attrName>style.visibility</p:attrName>
+                                        </p:attrNameLst>
+                                      </p:cBhvr>
+                                      <p:to>
+                                        <p:strVal val="visible"/>
+                                      </p:to>
+                                    </p:set>
+                                  </p:childTnLst>
+                                </p:cTn>
+                              </p:par>
+                              <p:par>
+                                <p:cTn id="94" presetID="42" presetClass="path" presetSubtype="0" accel="50000" decel="50000" fill="hold" grpId="1" nodeType="withEffect">
+                                  <p:stCondLst>
+                                    <p:cond delay="0"/>
+                                  </p:stCondLst>
+                                  <p:childTnLst>
+                                    <p:animMotion origin="layout" path="M -1.66667E-6 3.33333E-6 L -1.66667E-6 0.25 " pathEditMode="relative" rAng="0" ptsTypes="AA">
+                                      <p:cBhvr>
+                                        <p:cTn id="95" dur="2000" spd="-100000" fill="hold"/>
+                                        <p:tgtEl>
+                                          <p:spTgt spid="20"/>
+                                        </p:tgtEl>
+                                        <p:attrNameLst>
+                                          <p:attrName>ppt_x</p:attrName>
+                                          <p:attrName>ppt_y</p:attrName>
+                                        </p:attrNameLst>
+                                      </p:cBhvr>
+                                      <p:rCtr x="0" y="12500"/>
+                                    </p:animMotion>
+                                  </p:childTnLst>
+                                </p:cTn>
+                              </p:par>
+                            </p:childTnLst>
+                          </p:cTn>
+                        </p:par>
+                        <p:par>
+                          <p:cTn id="96" fill="hold">
+                            <p:stCondLst>
+                              <p:cond delay="8000"/>
+                            </p:stCondLst>
+                            <p:childTnLst>
+                              <p:par>
+                                <p:cTn id="97" presetID="10" presetClass="exit" presetSubtype="0" fill="hold" grpId="2" nodeType="afterEffect">
+                                  <p:stCondLst>
+                                    <p:cond delay="0"/>
+                                  </p:stCondLst>
+                                  <p:childTnLst>
+                                    <p:animEffect transition="out" filter="fade">
+                                      <p:cBhvr>
+                                        <p:cTn id="98" dur="500"/>
+                                        <p:tgtEl>
+                                          <p:spTgt spid="20"/>
+                                        </p:tgtEl>
+                                      </p:cBhvr>
+                                    </p:animEffect>
+                                    <p:set>
+                                      <p:cBhvr>
+                                        <p:cTn id="99" dur="1" fill="hold">
+                                          <p:stCondLst>
+                                            <p:cond delay="499"/>
+                                          </p:stCondLst>
+                                        </p:cTn>
+                                        <p:tgtEl>
+                                          <p:spTgt spid="20"/>
+                                        </p:tgtEl>
+                                        <p:attrNameLst>
+                                          <p:attrName>style.visibility</p:attrName>
+                                        </p:attrNameLst>
+                                      </p:cBhvr>
+                                      <p:to>
+                                        <p:strVal val="hidden"/>
+                                      </p:to>
+                                    </p:set>
+                                  </p:childTnLst>
+                                </p:cTn>
+                              </p:par>
+                            </p:childTnLst>
+                          </p:cTn>
+                        </p:par>
+                        <p:par>
+                          <p:cTn id="100" fill="hold">
+                            <p:stCondLst>
+                              <p:cond delay="8500"/>
+                            </p:stCondLst>
+                            <p:childTnLst>
+                              <p:par>
+                                <p:cTn id="101" presetID="10" presetClass="exit" presetSubtype="0" fill="hold" grpId="1" nodeType="afterEffect">
+                                  <p:stCondLst>
+                                    <p:cond delay="0"/>
+                                  </p:stCondLst>
+                                  <p:childTnLst>
+                                    <p:animEffect transition="out" filter="fade">
+                                      <p:cBhvr>
+                                        <p:cTn id="102" dur="500"/>
+                                        <p:tgtEl>
+                                          <p:spTgt spid="13"/>
+                                        </p:tgtEl>
+                                      </p:cBhvr>
+                                    </p:animEffect>
+                                    <p:set>
+                                      <p:cBhvr>
+                                        <p:cTn id="103" dur="1" fill="hold">
+                                          <p:stCondLst>
+                                            <p:cond delay="499"/>
+                                          </p:stCondLst>
+                                        </p:cTn>
+                                        <p:tgtEl>
+                                          <p:spTgt spid="13"/>
+                                        </p:tgtEl>
+                                        <p:attrNameLst>
+                                          <p:attrName>style.visibility</p:attrName>
+                                        </p:attrNameLst>
+                                      </p:cBhvr>
+                                      <p:to>
+                                        <p:strVal val="hidden"/>
+                                      </p:to>
+                                    </p:set>
+                                  </p:childTnLst>
+                                </p:cTn>
+                              </p:par>
+                            </p:childTnLst>
+                          </p:cTn>
+                        </p:par>
+                      </p:childTnLst>
+                    </p:cTn>
+                  </p:par>
+                </p:childTnLst>
+              </p:cTn>
+              <p:prevCondLst>
+                <p:cond evt="onPrev" delay="0">
+                  <p:tgtEl>
+                    <p:sldTgt/>
+                  </p:tgtEl>
+                </p:cond>
+              </p:prevCondLst>
+              <p:nextCondLst>
+                <p:cond evt="onNext" delay="0">
+                  <p:tgtEl>
+                    <p:sldTgt/>
+                  </p:tgtEl>
+                </p:cond>
+              </p:nextCondLst>
+            </p:seq>
+          </p:childTnLst>
+        </p:cTn>
+      </p:par>
+    </p:tnLst>
+    <p:bldLst>
+      <p:bldP spid="5" grpId="0"/>
+      <p:bldP spid="5" grpId="1"/>
+      <p:bldP spid="9" grpId="0" animBg="1"/>
+      <p:bldP spid="9" grpId="1" animBg="1"/>
+      <p:bldP spid="9" grpId="2" animBg="1"/>
+      <p:bldP spid="10" grpId="0"/>
+      <p:bldP spid="10" grpId="1"/>
+      <p:bldP spid="11" grpId="0"/>
+      <p:bldP spid="11" grpId="1"/>
+      <p:bldP spid="12" grpId="0"/>
+      <p:bldP spid="12" grpId="1"/>
+      <p:bldP spid="13" grpId="0"/>
+      <p:bldP spid="13" grpId="1"/>
+      <p:bldP spid="14" grpId="0" animBg="1"/>
+      <p:bldP spid="14" grpId="1" animBg="1"/>
+      <p:bldP spid="14" grpId="2" animBg="1"/>
+      <p:bldP spid="19" grpId="0" animBg="1"/>
+      <p:bldP spid="19" grpId="1" animBg="1"/>
+      <p:bldP spid="19" grpId="2" animBg="1"/>
+      <p:bldP spid="20" grpId="0" animBg="1"/>
+      <p:bldP spid="20" grpId="1" animBg="1"/>
+      <p:bldP spid="20" grpId="2" animBg="1"/>
+      <p:bldP spid="17" grpId="0"/>
+      <p:bldP spid="17" grpId="1"/>
+    </p:bldLst>
+  </p:timing>
 </p:sld>
 </file>
 
@@ -5863,9 +9290,91 @@
           <a:chExt cx="0" cy="0"/>
         </a:xfrm>
       </p:grpSpPr>
-      <p:sp>
-        <p:nvSpPr>
-          <p:cNvPr id="2" name="Title 1"/>
+      <p:pic>
+        <p:nvPicPr>
+          <p:cNvPr id="1028" name="Picture 4" descr="https://camo.githubusercontent.com/b3a4d84d3236b173bfebd2c2d2f63bf14335d777/68747470733a2f2f6a2e676966732e636f6d2f79384d3871372e676966"/>
+          <p:cNvPicPr>
+            <a:picLocks noChangeAspect="1" noChangeArrowheads="1" noCrop="1"/>
+          </p:cNvPicPr>
+          <p:nvPr/>
+        </p:nvPicPr>
+        <p:blipFill>
+          <a:blip r:embed="rId2">
+            <a:extLst>
+              <a:ext uri="{28A0092B-C50C-407E-A947-70E740481C1C}">
+                <a14:useLocalDpi xmlns:a14="http://schemas.microsoft.com/office/drawing/2010/main" val="0"/>
+              </a:ext>
+            </a:extLst>
+          </a:blip>
+          <a:srcRect/>
+          <a:stretch>
+            <a:fillRect/>
+          </a:stretch>
+        </p:blipFill>
+        <p:spPr bwMode="auto">
+          <a:xfrm>
+            <a:off x="643467" y="1940719"/>
+            <a:ext cx="5291666" cy="2976562"/>
+          </a:xfrm>
+          <a:prstGeom prst="rect">
+            <a:avLst/>
+          </a:prstGeom>
+          <a:noFill/>
+          <a:extLst>
+            <a:ext uri="{909E8E84-426E-40DD-AFC4-6F175D3DCCD1}">
+              <a14:hiddenFill xmlns:a14="http://schemas.microsoft.com/office/drawing/2010/main">
+                <a:solidFill>
+                  <a:srgbClr val="FFFFFF"/>
+                </a:solidFill>
+              </a14:hiddenFill>
+            </a:ext>
+          </a:extLst>
+        </p:spPr>
+      </p:pic>
+      <p:pic>
+        <p:nvPicPr>
+          <p:cNvPr id="1030" name="Picture 6" descr="https://camo.githubusercontent.com/4cb25acc5a19fb3e8e646db90af4c1d3bd53af0d/68747470733a2f2f6a2e676966732e636f6d2f475a675a31372e676966"/>
+          <p:cNvPicPr>
+            <a:picLocks noChangeAspect="1" noChangeArrowheads="1" noCrop="1"/>
+          </p:cNvPicPr>
+          <p:nvPr/>
+        </p:nvPicPr>
+        <p:blipFill>
+          <a:blip r:embed="rId3">
+            <a:extLst>
+              <a:ext uri="{28A0092B-C50C-407E-A947-70E740481C1C}">
+                <a14:useLocalDpi xmlns:a14="http://schemas.microsoft.com/office/drawing/2010/main" val="0"/>
+              </a:ext>
+            </a:extLst>
+          </a:blip>
+          <a:srcRect/>
+          <a:stretch>
+            <a:fillRect/>
+          </a:stretch>
+        </p:blipFill>
+        <p:spPr bwMode="auto">
+          <a:xfrm>
+            <a:off x="6256865" y="1940719"/>
+            <a:ext cx="5291667" cy="2976562"/>
+          </a:xfrm>
+          <a:prstGeom prst="rect">
+            <a:avLst/>
+          </a:prstGeom>
+          <a:noFill/>
+          <a:extLst>
+            <a:ext uri="{909E8E84-426E-40DD-AFC4-6F175D3DCCD1}">
+              <a14:hiddenFill xmlns:a14="http://schemas.microsoft.com/office/drawing/2010/main">
+                <a:solidFill>
+                  <a:srgbClr val="FFFFFF"/>
+                </a:solidFill>
+              </a14:hiddenFill>
+            </a:ext>
+          </a:extLst>
+        </p:spPr>
+      </p:pic>
+      <p:sp>
+        <p:nvSpPr>
+          <p:cNvPr id="4" name="Title 3"/>
           <p:cNvSpPr>
             <a:spLocks noGrp="1"/>
           </p:cNvSpPr>
@@ -5873,237 +9382,37 @@
             <p:ph type="title"/>
           </p:nvPr>
         </p:nvSpPr>
-        <p:spPr>
-          <a:xfrm>
-            <a:off x="1241658" y="365125"/>
-            <a:ext cx="10112141" cy="1325563"/>
-          </a:xfrm>
-        </p:spPr>
+        <p:spPr/>
         <p:txBody>
           <a:bodyPr/>
           <a:lstStyle/>
           <a:p>
             <a:r>
-              <a:rPr lang="en-GB" dirty="0" smtClean="0"/>
-              <a:t>More code…</a:t>
-            </a:r>
-            <a:endParaRPr lang="en-GB" dirty="0"/>
-          </a:p>
-        </p:txBody>
-      </p:sp>
-      <p:sp>
-        <p:nvSpPr>
-          <p:cNvPr id="3" name="Content Placeholder 2"/>
-          <p:cNvSpPr>
-            <a:spLocks noGrp="1"/>
-          </p:cNvSpPr>
-          <p:nvPr>
-            <p:ph idx="1"/>
-          </p:nvPr>
-        </p:nvSpPr>
-        <p:spPr>
-          <a:xfrm>
-            <a:off x="1241657" y="1151857"/>
-            <a:ext cx="10112142" cy="4351338"/>
-          </a:xfrm>
-        </p:spPr>
+              <a:rPr lang="en-GB" dirty="0"/>
+              <a:t>Battles</a:t>
+            </a:r>
+          </a:p>
+        </p:txBody>
+      </p:sp>
+      <p:sp>
+        <p:nvSpPr>
+          <p:cNvPr id="6" name="Footer Placeholder 5"/>
+          <p:cNvSpPr>
+            <a:spLocks noGrp="1"/>
+          </p:cNvSpPr>
+          <p:nvPr>
+            <p:ph type="ftr" sz="quarter" idx="11"/>
+          </p:nvPr>
+        </p:nvSpPr>
+        <p:spPr/>
         <p:txBody>
           <a:bodyPr/>
           <a:lstStyle/>
           <a:p>
             <a:r>
-              <a:rPr lang="en-GB" dirty="0" smtClean="0"/>
-              <a:t>Ahead(double </a:t>
-            </a:r>
-            <a:r>
-              <a:rPr lang="en-GB" dirty="0"/>
-              <a:t>distance) </a:t>
-            </a:r>
-            <a:r>
-              <a:rPr lang="en-GB" dirty="0" smtClean="0"/>
-              <a:t>/ Back(double </a:t>
-            </a:r>
-            <a:r>
-              <a:rPr lang="en-GB" dirty="0"/>
-              <a:t>distance) </a:t>
-            </a:r>
-            <a:endParaRPr lang="en-GB" dirty="0" smtClean="0"/>
-          </a:p>
-          <a:p>
-            <a:r>
-              <a:rPr lang="en-GB" dirty="0" err="1"/>
-              <a:t>T</a:t>
-            </a:r>
-            <a:r>
-              <a:rPr lang="en-GB" dirty="0" err="1" smtClean="0"/>
-              <a:t>urnGunLeft</a:t>
-            </a:r>
-            <a:r>
-              <a:rPr lang="en-GB" dirty="0" smtClean="0"/>
-              <a:t>(double </a:t>
-            </a:r>
-            <a:r>
-              <a:rPr lang="en-GB" dirty="0"/>
-              <a:t>degrees</a:t>
-            </a:r>
-            <a:r>
-              <a:rPr lang="en-GB" dirty="0" smtClean="0"/>
-              <a:t>) / </a:t>
-            </a:r>
-            <a:r>
-              <a:rPr lang="en-GB" dirty="0" err="1"/>
-              <a:t>T</a:t>
-            </a:r>
-            <a:r>
-              <a:rPr lang="en-GB" dirty="0" err="1" smtClean="0"/>
-              <a:t>urnGunRight</a:t>
-            </a:r>
-            <a:r>
-              <a:rPr lang="en-GB" dirty="0" smtClean="0"/>
-              <a:t>(double </a:t>
-            </a:r>
-            <a:r>
-              <a:rPr lang="en-GB" dirty="0"/>
-              <a:t>degrees)</a:t>
-            </a:r>
-            <a:endParaRPr lang="en-GB" dirty="0" smtClean="0"/>
-          </a:p>
-          <a:p>
-            <a:r>
-              <a:rPr lang="en-GB" dirty="0" err="1"/>
-              <a:t>T</a:t>
-            </a:r>
-            <a:r>
-              <a:rPr lang="en-GB" dirty="0" err="1" smtClean="0"/>
-              <a:t>urnLeft</a:t>
-            </a:r>
-            <a:r>
-              <a:rPr lang="en-GB" dirty="0" smtClean="0"/>
-              <a:t>(double </a:t>
-            </a:r>
-            <a:r>
-              <a:rPr lang="en-GB" dirty="0"/>
-              <a:t>degrees)</a:t>
-            </a:r>
-            <a:r>
-              <a:rPr lang="en-GB" dirty="0" smtClean="0"/>
-              <a:t> / </a:t>
-            </a:r>
-            <a:r>
-              <a:rPr lang="en-GB" dirty="0" err="1"/>
-              <a:t>T</a:t>
-            </a:r>
-            <a:r>
-              <a:rPr lang="en-GB" dirty="0" err="1" smtClean="0"/>
-              <a:t>urnRight</a:t>
-            </a:r>
-            <a:r>
-              <a:rPr lang="en-GB" dirty="0" smtClean="0"/>
-              <a:t>(double </a:t>
-            </a:r>
-            <a:r>
-              <a:rPr lang="en-GB" dirty="0"/>
-              <a:t>degrees)</a:t>
-            </a:r>
-            <a:endParaRPr lang="en-GB" dirty="0" smtClean="0"/>
-          </a:p>
-          <a:p>
-            <a:r>
-              <a:rPr lang="en-GB" dirty="0" err="1"/>
-              <a:t>T</a:t>
-            </a:r>
-            <a:r>
-              <a:rPr lang="en-GB" dirty="0" err="1" smtClean="0"/>
-              <a:t>urnRadarLeft</a:t>
-            </a:r>
-            <a:r>
-              <a:rPr lang="en-GB" dirty="0" smtClean="0"/>
-              <a:t>(double </a:t>
-            </a:r>
-            <a:r>
-              <a:rPr lang="en-GB" dirty="0"/>
-              <a:t>degrees)</a:t>
-            </a:r>
-            <a:r>
-              <a:rPr lang="en-GB" dirty="0" smtClean="0"/>
-              <a:t> / </a:t>
-            </a:r>
-            <a:r>
-              <a:rPr lang="en-GB" dirty="0" err="1"/>
-              <a:t>T</a:t>
-            </a:r>
-            <a:r>
-              <a:rPr lang="en-GB" dirty="0" err="1" smtClean="0"/>
-              <a:t>urnRadarRight</a:t>
-            </a:r>
-            <a:r>
-              <a:rPr lang="en-GB" dirty="0" smtClean="0"/>
-              <a:t>(double </a:t>
-            </a:r>
-            <a:r>
-              <a:rPr lang="en-GB" dirty="0"/>
-              <a:t>degrees)</a:t>
-            </a:r>
-            <a:endParaRPr lang="en-GB" dirty="0" smtClean="0"/>
-          </a:p>
-          <a:p>
-            <a:r>
-              <a:rPr lang="en-GB" dirty="0" err="1"/>
-              <a:t>D</a:t>
-            </a:r>
-            <a:r>
-              <a:rPr lang="en-GB" dirty="0" err="1" smtClean="0"/>
-              <a:t>oNothing</a:t>
-            </a:r>
-            <a:r>
-              <a:rPr lang="en-GB" dirty="0"/>
-              <a:t>() </a:t>
-            </a:r>
-            <a:endParaRPr lang="en-GB" dirty="0" smtClean="0"/>
-          </a:p>
-          <a:p>
-            <a:r>
-              <a:rPr lang="en-GB" dirty="0" smtClean="0"/>
-              <a:t>Fire(double </a:t>
-            </a:r>
-            <a:r>
-              <a:rPr lang="en-GB" dirty="0"/>
-              <a:t>power) </a:t>
-            </a:r>
-            <a:endParaRPr lang="en-GB" dirty="0" smtClean="0"/>
-          </a:p>
-          <a:p>
-            <a:r>
-              <a:rPr lang="en-GB" dirty="0" smtClean="0"/>
-              <a:t>Stop()</a:t>
-            </a:r>
-          </a:p>
-          <a:p>
-            <a:r>
-              <a:rPr lang="en-GB" dirty="0"/>
-              <a:t>R</a:t>
-            </a:r>
-            <a:r>
-              <a:rPr lang="en-GB" dirty="0" smtClean="0"/>
-              <a:t>esume</a:t>
-            </a:r>
-            <a:r>
-              <a:rPr lang="en-GB" dirty="0"/>
-              <a:t>() </a:t>
-            </a:r>
-            <a:endParaRPr lang="en-GB" dirty="0" smtClean="0"/>
-          </a:p>
-          <a:p>
-            <a:r>
-              <a:rPr lang="en-GB" dirty="0"/>
-              <a:t>S</a:t>
-            </a:r>
-            <a:r>
-              <a:rPr lang="en-GB" dirty="0" smtClean="0"/>
-              <a:t>can()</a:t>
-            </a:r>
-          </a:p>
-          <a:p>
+              <a:rPr lang="en-GB"/>
+              <a:t>@kev_bite / @YorkCodeDojo</a:t>
+            </a:r>
             <a:endParaRPr lang="en-GB" dirty="0"/>
           </a:p>
         </p:txBody>
@@ -6111,7 +9420,7 @@
     </p:spTree>
     <p:extLst>
       <p:ext uri="{BB962C8B-B14F-4D97-AF65-F5344CB8AC3E}">
-        <p14:creationId xmlns:p14="http://schemas.microsoft.com/office/powerpoint/2010/main" val="1379503367"/>
+        <p14:creationId xmlns:p14="http://schemas.microsoft.com/office/powerpoint/2010/main" val="2508843011"/>
       </p:ext>
     </p:extLst>
   </p:cSld>
